--- a/1.0excel/Excel Beg to Adv.pptx
+++ b/1.0excel/Excel Beg to Adv.pptx
@@ -2,43 +2,51 @@
 <file path=ppt/presentation.xml><?xml version="1.0" encoding="utf-8"?>
 <p:presentation xmlns:a="http://schemas.openxmlformats.org/drawingml/2006/main" xmlns:r="http://schemas.openxmlformats.org/officeDocument/2006/relationships" xmlns:p="http://schemas.openxmlformats.org/presentationml/2006/main">
   <p:sldMasterIdLst>
-    <p:sldMasterId id="2147483648" r:id="rId1"/>
+    <p:sldMasterId id="2147483648" r:id="rId4"/>
   </p:sldMasterIdLst>
   <p:sldIdLst>
-    <p:sldId id="257" r:id="rId3"/>
-    <p:sldId id="259" r:id="rId4"/>
-    <p:sldId id="260" r:id="rId5"/>
-    <p:sldId id="261" r:id="rId6"/>
-    <p:sldId id="276" r:id="rId7"/>
-    <p:sldId id="262" r:id="rId8"/>
-    <p:sldId id="263" r:id="rId9"/>
-    <p:sldId id="277" r:id="rId10"/>
-    <p:sldId id="278" r:id="rId11"/>
-    <p:sldId id="264" r:id="rId12"/>
-    <p:sldId id="265" r:id="rId13"/>
-    <p:sldId id="266" r:id="rId14"/>
-    <p:sldId id="294" r:id="rId15"/>
-    <p:sldId id="295" r:id="rId16"/>
-    <p:sldId id="267" r:id="rId17"/>
-    <p:sldId id="296" r:id="rId18"/>
-    <p:sldId id="297" r:id="rId19"/>
-    <p:sldId id="298" r:id="rId20"/>
-    <p:sldId id="268" r:id="rId21"/>
-    <p:sldId id="309" r:id="rId22"/>
-    <p:sldId id="269" r:id="rId23"/>
-    <p:sldId id="310" r:id="rId24"/>
-    <p:sldId id="311" r:id="rId25"/>
-    <p:sldId id="270" r:id="rId26"/>
-    <p:sldId id="271" r:id="rId27"/>
-    <p:sldId id="314" r:id="rId28"/>
-    <p:sldId id="315" r:id="rId29"/>
-    <p:sldId id="316" r:id="rId30"/>
-    <p:sldId id="272" r:id="rId31"/>
-    <p:sldId id="317" r:id="rId32"/>
-    <p:sldId id="273" r:id="rId33"/>
-    <p:sldId id="274" r:id="rId34"/>
-    <p:sldId id="275" r:id="rId35"/>
-    <p:sldId id="258" r:id="rId36"/>
+    <p:sldId id="257" r:id="rId5"/>
+    <p:sldId id="259" r:id="rId6"/>
+    <p:sldId id="260" r:id="rId7"/>
+    <p:sldId id="261" r:id="rId8"/>
+    <p:sldId id="276" r:id="rId9"/>
+    <p:sldId id="262" r:id="rId10"/>
+    <p:sldId id="263" r:id="rId11"/>
+    <p:sldId id="277" r:id="rId12"/>
+    <p:sldId id="278" r:id="rId13"/>
+    <p:sldId id="264" r:id="rId14"/>
+    <p:sldId id="265" r:id="rId15"/>
+    <p:sldId id="266" r:id="rId16"/>
+    <p:sldId id="294" r:id="rId17"/>
+    <p:sldId id="295" r:id="rId18"/>
+    <p:sldId id="267" r:id="rId19"/>
+    <p:sldId id="296" r:id="rId20"/>
+    <p:sldId id="297" r:id="rId21"/>
+    <p:sldId id="298" r:id="rId22"/>
+    <p:sldId id="268" r:id="rId23"/>
+    <p:sldId id="309" r:id="rId24"/>
+    <p:sldId id="269" r:id="rId25"/>
+    <p:sldId id="310" r:id="rId26"/>
+    <p:sldId id="311" r:id="rId27"/>
+    <p:sldId id="270" r:id="rId28"/>
+    <p:sldId id="271" r:id="rId29"/>
+    <p:sldId id="314" r:id="rId30"/>
+    <p:sldId id="315" r:id="rId31"/>
+    <p:sldId id="316" r:id="rId32"/>
+    <p:sldId id="272" r:id="rId33"/>
+    <p:sldId id="317" r:id="rId34"/>
+    <p:sldId id="273" r:id="rId35"/>
+    <p:sldId id="318" r:id="rId36"/>
+    <p:sldId id="319" r:id="rId37"/>
+    <p:sldId id="320" r:id="rId38"/>
+    <p:sldId id="321" r:id="rId39"/>
+    <p:sldId id="322" r:id="rId40"/>
+    <p:sldId id="274" r:id="rId41"/>
+    <p:sldId id="275" r:id="rId42"/>
+    <p:sldId id="323" r:id="rId43"/>
+    <p:sldId id="324" r:id="rId44"/>
+    <p:sldId id="325" r:id="rId45"/>
+    <p:sldId id="258" r:id="rId46"/>
   </p:sldIdLst>
   <p:sldSz cx="12192000" cy="6858000"/>
   <p:notesSz cx="6858000" cy="9144000"/>
@@ -137,11 +145,16 @@
       </a:defRPr>
     </a:lvl9pPr>
   </p:defaultTextStyle>
+  <p:extLst>
+    <p:ext uri="{EFAFB233-063F-42B5-8137-9DF3F51BA10A}">
+      <p15:sldGuideLst xmlns:p15="http://schemas.microsoft.com/office/powerpoint/2012/main"/>
+    </p:ext>
+  </p:extLst>
 </p:presentation>
 </file>
 
 <file path=ppt/slideLayouts/slideLayout1.xml><?xml version="1.0" encoding="utf-8"?>
-<p:sldLayout xmlns:a="http://schemas.openxmlformats.org/drawingml/2006/main" xmlns:r="http://schemas.openxmlformats.org/officeDocument/2006/relationships" xmlns:p="http://schemas.openxmlformats.org/presentationml/2006/main" type="title" preserve="1" showMasterSp="0">
+<p:sldLayout xmlns:a="http://schemas.openxmlformats.org/drawingml/2006/main" xmlns:r="http://schemas.openxmlformats.org/officeDocument/2006/relationships" xmlns:p="http://schemas.openxmlformats.org/presentationml/2006/main" showMasterSp="0" type="title" preserve="1">
   <p:cSld name="Title Slide">
     <p:spTree>
       <p:nvGrpSpPr>
@@ -366,6 +379,7 @@
           <a:p>
             <a:fld id="{9184DA70-C731-4C70-880D-CCD4705E623C}" type="datetime1">
               <a:rPr lang="en-US" smtClean="0"/>
+              <a:t>8/15/2025</a:t>
             </a:fld>
             <a:endParaRPr lang="en-US" dirty="0"/>
           </a:p>
@@ -407,6 +421,7 @@
           <a:p>
             <a:fld id="{3A98EE3D-8CD1-4C3F-BD1C-C98C9596463C}" type="slidenum">
               <a:rPr lang="en-US" smtClean="0"/>
+              <a:t>‹#›</a:t>
             </a:fld>
             <a:endParaRPr lang="en-US" dirty="0"/>
           </a:p>
@@ -480,7 +495,6 @@
               <a:rPr lang="en-US"/>
               <a:t>Click to edit Master text styles</a:t>
             </a:r>
-            <a:endParaRPr lang="en-US"/>
           </a:p>
           <a:p>
             <a:pPr lvl="1"/>
@@ -488,7 +502,6 @@
               <a:rPr lang="en-US"/>
               <a:t>Second level</a:t>
             </a:r>
-            <a:endParaRPr lang="en-US"/>
           </a:p>
           <a:p>
             <a:pPr lvl="2"/>
@@ -496,7 +509,6 @@
               <a:rPr lang="en-US"/>
               <a:t>Third level</a:t>
             </a:r>
-            <a:endParaRPr lang="en-US"/>
           </a:p>
           <a:p>
             <a:pPr lvl="3"/>
@@ -504,7 +516,6 @@
               <a:rPr lang="en-US"/>
               <a:t>Fourth level</a:t>
             </a:r>
-            <a:endParaRPr lang="en-US"/>
           </a:p>
           <a:p>
             <a:pPr lvl="4"/>
@@ -533,6 +544,7 @@
           <a:p>
             <a:fld id="{B612A279-0833-481D-8C56-F67FD0AC6C50}" type="datetime1">
               <a:rPr lang="en-US" smtClean="0"/>
+              <a:t>8/15/2025</a:t>
             </a:fld>
             <a:endParaRPr lang="en-US" dirty="0"/>
           </a:p>
@@ -574,6 +586,7 @@
           <a:p>
             <a:fld id="{3A98EE3D-8CD1-4C3F-BD1C-C98C9596463C}" type="slidenum">
               <a:rPr lang="en-US" smtClean="0"/>
+              <a:t>‹#›</a:t>
             </a:fld>
             <a:endParaRPr lang="en-US" dirty="0"/>
           </a:p>
@@ -588,7 +601,7 @@
 </file>
 
 <file path=ppt/slideLayouts/slideLayout11.xml><?xml version="1.0" encoding="utf-8"?>
-<p:sldLayout xmlns:a="http://schemas.openxmlformats.org/drawingml/2006/main" xmlns:r="http://schemas.openxmlformats.org/officeDocument/2006/relationships" xmlns:p="http://schemas.openxmlformats.org/presentationml/2006/main" type="vertTitleAndTx" preserve="1" showMasterSp="0">
+<p:sldLayout xmlns:a="http://schemas.openxmlformats.org/drawingml/2006/main" xmlns:r="http://schemas.openxmlformats.org/officeDocument/2006/relationships" xmlns:p="http://schemas.openxmlformats.org/presentationml/2006/main" showMasterSp="0" type="vertTitleAndTx" preserve="1">
   <p:cSld name="Vertical Title and Text">
     <p:spTree>
       <p:nvGrpSpPr>
@@ -695,7 +708,6 @@
               <a:rPr lang="en-US"/>
               <a:t>Click to edit Master text styles</a:t>
             </a:r>
-            <a:endParaRPr lang="en-US"/>
           </a:p>
           <a:p>
             <a:pPr lvl="1"/>
@@ -703,7 +715,6 @@
               <a:rPr lang="en-US"/>
               <a:t>Second level</a:t>
             </a:r>
-            <a:endParaRPr lang="en-US"/>
           </a:p>
           <a:p>
             <a:pPr lvl="2"/>
@@ -711,7 +722,6 @@
               <a:rPr lang="en-US"/>
               <a:t>Third level</a:t>
             </a:r>
-            <a:endParaRPr lang="en-US"/>
           </a:p>
           <a:p>
             <a:pPr lvl="3"/>
@@ -719,7 +729,6 @@
               <a:rPr lang="en-US"/>
               <a:t>Fourth level</a:t>
             </a:r>
-            <a:endParaRPr lang="en-US"/>
           </a:p>
           <a:p>
             <a:pPr lvl="4"/>
@@ -748,6 +757,7 @@
           <a:p>
             <a:fld id="{6587DA83-5663-4C9C-B9AA-0B40A3DAFF81}" type="datetime1">
               <a:rPr lang="en-US" smtClean="0"/>
+              <a:t>8/15/2025</a:t>
             </a:fld>
             <a:endParaRPr lang="en-US" dirty="0"/>
           </a:p>
@@ -789,6 +799,7 @@
           <a:p>
             <a:fld id="{3A98EE3D-8CD1-4C3F-BD1C-C98C9596463C}" type="slidenum">
               <a:rPr lang="en-US" smtClean="0"/>
+              <a:t>‹#›</a:t>
             </a:fld>
             <a:endParaRPr lang="en-US" dirty="0"/>
           </a:p>
@@ -862,7 +873,6 @@
               <a:rPr lang="en-US"/>
               <a:t>Click to edit Master text styles</a:t>
             </a:r>
-            <a:endParaRPr lang="en-US"/>
           </a:p>
           <a:p>
             <a:pPr lvl="1"/>
@@ -870,7 +880,6 @@
               <a:rPr lang="en-US"/>
               <a:t>Second level</a:t>
             </a:r>
-            <a:endParaRPr lang="en-US"/>
           </a:p>
           <a:p>
             <a:pPr lvl="2"/>
@@ -878,7 +887,6 @@
               <a:rPr lang="en-US"/>
               <a:t>Third level</a:t>
             </a:r>
-            <a:endParaRPr lang="en-US"/>
           </a:p>
           <a:p>
             <a:pPr lvl="3"/>
@@ -886,7 +894,6 @@
               <a:rPr lang="en-US"/>
               <a:t>Fourth level</a:t>
             </a:r>
-            <a:endParaRPr lang="en-US"/>
           </a:p>
           <a:p>
             <a:pPr lvl="4"/>
@@ -915,6 +922,7 @@
           <a:p>
             <a:fld id="{4BE1D723-8F53-4F53-90B0-1982A396982E}" type="datetime1">
               <a:rPr lang="en-US" smtClean="0"/>
+              <a:t>8/15/2025</a:t>
             </a:fld>
             <a:endParaRPr lang="en-US" dirty="0"/>
           </a:p>
@@ -956,6 +964,7 @@
           <a:p>
             <a:fld id="{3A98EE3D-8CD1-4C3F-BD1C-C98C9596463C}" type="slidenum">
               <a:rPr lang="en-US" smtClean="0"/>
+              <a:t>‹#›</a:t>
             </a:fld>
             <a:endParaRPr lang="en-US" dirty="0"/>
           </a:p>
@@ -970,7 +979,7 @@
 </file>
 
 <file path=ppt/slideLayouts/slideLayout3.xml><?xml version="1.0" encoding="utf-8"?>
-<p:sldLayout xmlns:a="http://schemas.openxmlformats.org/drawingml/2006/main" xmlns:r="http://schemas.openxmlformats.org/officeDocument/2006/relationships" xmlns:p="http://schemas.openxmlformats.org/presentationml/2006/main" type="secHead" preserve="1" showMasterSp="0">
+<p:sldLayout xmlns:a="http://schemas.openxmlformats.org/drawingml/2006/main" xmlns:r="http://schemas.openxmlformats.org/officeDocument/2006/relationships" xmlns:p="http://schemas.openxmlformats.org/presentationml/2006/main" showMasterSp="0" type="secHead" preserve="1">
   <p:cSld name="Section Header">
     <p:bg>
       <p:bgPr>
@@ -1193,7 +1202,6 @@
               <a:rPr lang="en-US"/>
               <a:t>Click to edit Master text styles</a:t>
             </a:r>
-            <a:endParaRPr lang="en-US"/>
           </a:p>
         </p:txBody>
       </p:sp>
@@ -1252,6 +1260,7 @@
           <a:p>
             <a:fld id="{97669AF7-7BEB-44E4-9852-375E34362B5B}" type="datetime1">
               <a:rPr lang="en-US" smtClean="0"/>
+              <a:t>8/15/2025</a:t>
             </a:fld>
             <a:endParaRPr lang="en-US" dirty="0"/>
           </a:p>
@@ -1293,6 +1302,7 @@
           <a:p>
             <a:fld id="{3A98EE3D-8CD1-4C3F-BD1C-C98C9596463C}" type="slidenum">
               <a:rPr lang="en-US" smtClean="0"/>
+              <a:t>‹#›</a:t>
             </a:fld>
             <a:endParaRPr lang="en-US" dirty="0"/>
           </a:p>
@@ -1376,7 +1386,6 @@
               <a:rPr lang="en-US"/>
               <a:t>Click to edit Master text styles</a:t>
             </a:r>
-            <a:endParaRPr lang="en-US"/>
           </a:p>
           <a:p>
             <a:pPr lvl="1"/>
@@ -1384,7 +1393,6 @@
               <a:rPr lang="en-US"/>
               <a:t>Second level</a:t>
             </a:r>
-            <a:endParaRPr lang="en-US"/>
           </a:p>
           <a:p>
             <a:pPr lvl="2"/>
@@ -1392,7 +1400,6 @@
               <a:rPr lang="en-US"/>
               <a:t>Third level</a:t>
             </a:r>
-            <a:endParaRPr lang="en-US"/>
           </a:p>
           <a:p>
             <a:pPr lvl="3"/>
@@ -1400,7 +1407,6 @@
               <a:rPr lang="en-US"/>
               <a:t>Fourth level</a:t>
             </a:r>
-            <a:endParaRPr lang="en-US"/>
           </a:p>
           <a:p>
             <a:pPr lvl="4"/>
@@ -1437,7 +1443,6 @@
               <a:rPr lang="en-US"/>
               <a:t>Click to edit Master text styles</a:t>
             </a:r>
-            <a:endParaRPr lang="en-US"/>
           </a:p>
           <a:p>
             <a:pPr lvl="1"/>
@@ -1445,7 +1450,6 @@
               <a:rPr lang="en-US"/>
               <a:t>Second level</a:t>
             </a:r>
-            <a:endParaRPr lang="en-US"/>
           </a:p>
           <a:p>
             <a:pPr lvl="2"/>
@@ -1453,7 +1457,6 @@
               <a:rPr lang="en-US"/>
               <a:t>Third level</a:t>
             </a:r>
-            <a:endParaRPr lang="en-US"/>
           </a:p>
           <a:p>
             <a:pPr lvl="3"/>
@@ -1461,7 +1464,6 @@
               <a:rPr lang="en-US"/>
               <a:t>Fourth level</a:t>
             </a:r>
-            <a:endParaRPr lang="en-US"/>
           </a:p>
           <a:p>
             <a:pPr lvl="4"/>
@@ -1490,6 +1492,7 @@
           <a:p>
             <a:fld id="{BAAAC38D-0552-4C82-B593-E6124DFADBE2}" type="datetime1">
               <a:rPr lang="en-US" smtClean="0"/>
+              <a:t>8/15/2025</a:t>
             </a:fld>
             <a:endParaRPr lang="en-US" dirty="0"/>
           </a:p>
@@ -1531,6 +1534,7 @@
           <a:p>
             <a:fld id="{3A98EE3D-8CD1-4C3F-BD1C-C98C9596463C}" type="slidenum">
               <a:rPr lang="en-US" smtClean="0"/>
+              <a:t>‹#›</a:t>
             </a:fld>
             <a:endParaRPr lang="en-US" dirty="0"/>
           </a:p>
@@ -1657,7 +1661,6 @@
               <a:rPr lang="en-US"/>
               <a:t>Click to edit Master text styles</a:t>
             </a:r>
-            <a:endParaRPr lang="en-US"/>
           </a:p>
         </p:txBody>
       </p:sp>
@@ -1686,7 +1689,6 @@
               <a:rPr lang="en-US"/>
               <a:t>Click to edit Master text styles</a:t>
             </a:r>
-            <a:endParaRPr lang="en-US"/>
           </a:p>
           <a:p>
             <a:pPr lvl="1"/>
@@ -1694,7 +1696,6 @@
               <a:rPr lang="en-US"/>
               <a:t>Second level</a:t>
             </a:r>
-            <a:endParaRPr lang="en-US"/>
           </a:p>
           <a:p>
             <a:pPr lvl="2"/>
@@ -1702,7 +1703,6 @@
               <a:rPr lang="en-US"/>
               <a:t>Third level</a:t>
             </a:r>
-            <a:endParaRPr lang="en-US"/>
           </a:p>
           <a:p>
             <a:pPr lvl="3"/>
@@ -1710,7 +1710,6 @@
               <a:rPr lang="en-US"/>
               <a:t>Fourth level</a:t>
             </a:r>
-            <a:endParaRPr lang="en-US"/>
           </a:p>
           <a:p>
             <a:pPr lvl="4"/>
@@ -1790,7 +1789,6 @@
               <a:rPr lang="en-US"/>
               <a:t>Click to edit Master text styles</a:t>
             </a:r>
-            <a:endParaRPr lang="en-US"/>
           </a:p>
         </p:txBody>
       </p:sp>
@@ -1819,7 +1817,6 @@
               <a:rPr lang="en-US"/>
               <a:t>Click to edit Master text styles</a:t>
             </a:r>
-            <a:endParaRPr lang="en-US"/>
           </a:p>
           <a:p>
             <a:pPr lvl="1"/>
@@ -1827,7 +1824,6 @@
               <a:rPr lang="en-US"/>
               <a:t>Second level</a:t>
             </a:r>
-            <a:endParaRPr lang="en-US"/>
           </a:p>
           <a:p>
             <a:pPr lvl="2"/>
@@ -1835,7 +1831,6 @@
               <a:rPr lang="en-US"/>
               <a:t>Third level</a:t>
             </a:r>
-            <a:endParaRPr lang="en-US"/>
           </a:p>
           <a:p>
             <a:pPr lvl="3"/>
@@ -1843,7 +1838,6 @@
               <a:rPr lang="en-US"/>
               <a:t>Fourth level</a:t>
             </a:r>
-            <a:endParaRPr lang="en-US"/>
           </a:p>
           <a:p>
             <a:pPr lvl="4"/>
@@ -1872,6 +1866,7 @@
           <a:p>
             <a:fld id="{D9DF0F1C-5577-4ACB-BB62-DF8F3C494C7E}" type="datetime1">
               <a:rPr lang="en-US" smtClean="0"/>
+              <a:t>8/15/2025</a:t>
             </a:fld>
             <a:endParaRPr lang="en-US" dirty="0"/>
           </a:p>
@@ -1913,6 +1908,7 @@
           <a:p>
             <a:fld id="{3A98EE3D-8CD1-4C3F-BD1C-C98C9596463C}" type="slidenum">
               <a:rPr lang="en-US" smtClean="0"/>
+              <a:t>‹#›</a:t>
             </a:fld>
             <a:endParaRPr lang="en-US" dirty="0"/>
           </a:p>
@@ -1983,6 +1979,7 @@
           <a:p>
             <a:fld id="{1775B394-D9F9-4F0C-B15D-605F45CB9E9F}" type="datetime1">
               <a:rPr lang="en-US" smtClean="0"/>
+              <a:t>8/15/2025</a:t>
             </a:fld>
             <a:endParaRPr lang="en-US" dirty="0"/>
           </a:p>
@@ -2024,6 +2021,7 @@
           <a:p>
             <a:fld id="{3A98EE3D-8CD1-4C3F-BD1C-C98C9596463C}" type="slidenum">
               <a:rPr lang="en-US" smtClean="0"/>
+              <a:t>‹#›</a:t>
             </a:fld>
             <a:endParaRPr lang="en-US" dirty="0"/>
           </a:p>
@@ -2038,7 +2036,7 @@
 </file>
 
 <file path=ppt/slideLayouts/slideLayout7.xml><?xml version="1.0" encoding="utf-8"?>
-<p:sldLayout xmlns:a="http://schemas.openxmlformats.org/drawingml/2006/main" xmlns:r="http://schemas.openxmlformats.org/officeDocument/2006/relationships" xmlns:p="http://schemas.openxmlformats.org/presentationml/2006/main" type="blank" preserve="1" showMasterSp="0">
+<p:sldLayout xmlns:a="http://schemas.openxmlformats.org/drawingml/2006/main" xmlns:r="http://schemas.openxmlformats.org/officeDocument/2006/relationships" xmlns:p="http://schemas.openxmlformats.org/presentationml/2006/main" showMasterSp="0" type="blank" preserve="1">
   <p:cSld name="Blank">
     <p:spTree>
       <p:nvGrpSpPr>
@@ -2109,6 +2107,7 @@
           <a:p>
             <a:fld id="{39667345-2558-425A-8533-9BFDBCE15005}" type="datetime1">
               <a:rPr lang="en-US" smtClean="0"/>
+              <a:t>8/15/2025</a:t>
             </a:fld>
             <a:endParaRPr lang="en-US" dirty="0"/>
           </a:p>
@@ -2150,6 +2149,7 @@
           <a:p>
             <a:fld id="{3A98EE3D-8CD1-4C3F-BD1C-C98C9596463C}" type="slidenum">
               <a:rPr lang="en-US" smtClean="0"/>
+              <a:t>‹#›</a:t>
             </a:fld>
             <a:endParaRPr lang="en-US" dirty="0"/>
           </a:p>
@@ -2164,7 +2164,7 @@
 </file>
 
 <file path=ppt/slideLayouts/slideLayout8.xml><?xml version="1.0" encoding="utf-8"?>
-<p:sldLayout xmlns:a="http://schemas.openxmlformats.org/drawingml/2006/main" xmlns:r="http://schemas.openxmlformats.org/officeDocument/2006/relationships" xmlns:p="http://schemas.openxmlformats.org/presentationml/2006/main" type="objTx" preserve="1" showMasterSp="0">
+<p:sldLayout xmlns:a="http://schemas.openxmlformats.org/drawingml/2006/main" xmlns:r="http://schemas.openxmlformats.org/officeDocument/2006/relationships" xmlns:p="http://schemas.openxmlformats.org/presentationml/2006/main" showMasterSp="0" type="objTx" preserve="1">
   <p:cSld name="Content with Caption">
     <p:spTree>
       <p:nvGrpSpPr>
@@ -2284,7 +2284,6 @@
               <a:rPr lang="en-US"/>
               <a:t>Click to edit Master text styles</a:t>
             </a:r>
-            <a:endParaRPr lang="en-US"/>
           </a:p>
           <a:p>
             <a:pPr lvl="1"/>
@@ -2292,7 +2291,6 @@
               <a:rPr lang="en-US"/>
               <a:t>Second level</a:t>
             </a:r>
-            <a:endParaRPr lang="en-US"/>
           </a:p>
           <a:p>
             <a:pPr lvl="2"/>
@@ -2300,7 +2298,6 @@
               <a:rPr lang="en-US"/>
               <a:t>Third level</a:t>
             </a:r>
-            <a:endParaRPr lang="en-US"/>
           </a:p>
           <a:p>
             <a:pPr lvl="3"/>
@@ -2308,7 +2305,6 @@
               <a:rPr lang="en-US"/>
               <a:t>Fourth level</a:t>
             </a:r>
-            <a:endParaRPr lang="en-US"/>
           </a:p>
           <a:p>
             <a:pPr lvl="4"/>
@@ -2388,7 +2384,6 @@
               <a:rPr lang="en-US"/>
               <a:t>Click to edit Master text styles</a:t>
             </a:r>
-            <a:endParaRPr lang="en-US"/>
           </a:p>
         </p:txBody>
       </p:sp>
@@ -2418,6 +2413,7 @@
           <a:p>
             <a:fld id="{92BEA474-078D-4E9B-9B14-09A87B19DC46}" type="datetime1">
               <a:rPr lang="en-US" smtClean="0"/>
+              <a:t>8/15/2025</a:t>
             </a:fld>
             <a:endParaRPr lang="en-US" dirty="0"/>
           </a:p>
@@ -2480,6 +2476,7 @@
           <a:p>
             <a:fld id="{3A98EE3D-8CD1-4C3F-BD1C-C98C9596463C}" type="slidenum">
               <a:rPr lang="en-US" smtClean="0"/>
+              <a:t>‹#›</a:t>
             </a:fld>
             <a:endParaRPr lang="en-US" dirty="0"/>
           </a:p>
@@ -2494,7 +2491,7 @@
 </file>
 
 <file path=ppt/slideLayouts/slideLayout9.xml><?xml version="1.0" encoding="utf-8"?>
-<p:sldLayout xmlns:a="http://schemas.openxmlformats.org/drawingml/2006/main" xmlns:r="http://schemas.openxmlformats.org/officeDocument/2006/relationships" xmlns:p="http://schemas.openxmlformats.org/presentationml/2006/main" type="picTx" preserve="1" showMasterSp="0">
+<p:sldLayout xmlns:a="http://schemas.openxmlformats.org/drawingml/2006/main" xmlns:r="http://schemas.openxmlformats.org/officeDocument/2006/relationships" xmlns:p="http://schemas.openxmlformats.org/presentationml/2006/main" showMasterSp="0" type="picTx" preserve="1">
   <p:cSld name="Picture with Caption">
     <p:spTree>
       <p:nvGrpSpPr>
@@ -2730,7 +2727,6 @@
               <a:rPr lang="en-US"/>
               <a:t>Click to edit Master text styles</a:t>
             </a:r>
-            <a:endParaRPr lang="en-US"/>
           </a:p>
         </p:txBody>
       </p:sp>
@@ -2755,6 +2751,7 @@
           <a:p>
             <a:fld id="{4907D986-8816-4272-A432-0437A28A9828}" type="datetime1">
               <a:rPr lang="en-US" smtClean="0"/>
+              <a:t>8/15/2025</a:t>
             </a:fld>
             <a:endParaRPr lang="en-US" dirty="0"/>
           </a:p>
@@ -2802,6 +2799,7 @@
           <a:p>
             <a:fld id="{3A98EE3D-8CD1-4C3F-BD1C-C98C9596463C}" type="slidenum">
               <a:rPr lang="en-US" smtClean="0"/>
+              <a:t>‹#›</a:t>
             </a:fld>
             <a:endParaRPr lang="en-US" dirty="0"/>
           </a:p>
@@ -2938,7 +2936,6 @@
               <a:rPr lang="en-US"/>
               <a:t>Click to edit Master text styles</a:t>
             </a:r>
-            <a:endParaRPr lang="en-US"/>
           </a:p>
           <a:p>
             <a:pPr lvl="1"/>
@@ -2946,7 +2943,6 @@
               <a:rPr lang="en-US"/>
               <a:t>Second level</a:t>
             </a:r>
-            <a:endParaRPr lang="en-US"/>
           </a:p>
           <a:p>
             <a:pPr lvl="2"/>
@@ -2954,7 +2950,6 @@
               <a:rPr lang="en-US"/>
               <a:t>Third level</a:t>
             </a:r>
-            <a:endParaRPr lang="en-US"/>
           </a:p>
           <a:p>
             <a:pPr lvl="3"/>
@@ -2962,7 +2957,6 @@
               <a:rPr lang="en-US"/>
               <a:t>Fourth level</a:t>
             </a:r>
-            <a:endParaRPr lang="en-US"/>
           </a:p>
           <a:p>
             <a:pPr lvl="4"/>
@@ -3007,6 +3001,7 @@
           <a:p>
             <a:fld id="{62D6E202-B606-4609-B914-27C9371A1F6D}" type="datetime1">
               <a:rPr lang="en-US" smtClean="0"/>
+              <a:t>8/15/2025</a:t>
             </a:fld>
             <a:endParaRPr lang="en-US" dirty="0"/>
           </a:p>
@@ -3080,6 +3075,7 @@
           <a:p>
             <a:fld id="{3A98EE3D-8CD1-4C3F-BD1C-C98C9596463C}" type="slidenum">
               <a:rPr lang="en-US" smtClean="0"/>
+              <a:t>‹#›</a:t>
             </a:fld>
             <a:endParaRPr lang="en-US" dirty="0"/>
           </a:p>
@@ -3596,7 +3592,6 @@
               <a:rPr lang="en-US" sz="8000" dirty="0"/>
               <a:t>Excel Beginner to Advance</a:t>
             </a:r>
-            <a:endParaRPr lang="en-US" sz="8000" dirty="0"/>
           </a:p>
         </p:txBody>
       </p:sp>
@@ -3609,7 +3604,7 @@
           <p:nvPr/>
         </p:nvPicPr>
         <p:blipFill rotWithShape="1">
-          <a:blip r:embed="rId1">
+          <a:blip r:embed="rId2" cstate="print">
             <a:extLst>
               <a:ext uri="{28A0092B-C50C-407E-A947-70E740481C1C}">
                 <a14:useLocalDpi xmlns:a14="http://schemas.microsoft.com/office/drawing/2010/main" val="0"/>
@@ -3734,7 +3729,7 @@
                 <a:effectLst/>
                 <a:latin typeface="Arial" panose="020B0604020202020204" pitchFamily="34" charset="0"/>
                 <a:ea typeface="Times New Roman" panose="02020603050405020304" pitchFamily="18" charset="0"/>
-                <a:hlinkClick r:id="rId1"/>
+                <a:hlinkClick r:id="rId2"/>
               </a:rPr>
               <a:t>Named Ranges</a:t>
             </a:r>
@@ -3760,7 +3755,7 @@
                 <a:effectLst/>
                 <a:latin typeface="Arial" panose="020B0604020202020204" pitchFamily="34" charset="0"/>
                 <a:ea typeface="Times New Roman" panose="02020603050405020304" pitchFamily="18" charset="0"/>
-                <a:hlinkClick r:id="rId2"/>
+                <a:hlinkClick r:id="rId3"/>
               </a:rPr>
               <a:t>Defined Names</a:t>
             </a:r>
@@ -3786,7 +3781,7 @@
                 <a:effectLst/>
                 <a:latin typeface="Arial" panose="020B0604020202020204" pitchFamily="34" charset="0"/>
                 <a:ea typeface="Times New Roman" panose="02020603050405020304" pitchFamily="18" charset="0"/>
-                <a:hlinkClick r:id="rId3"/>
+                <a:hlinkClick r:id="rId4"/>
               </a:rPr>
               <a:t>Named Ranges</a:t>
             </a:r>
@@ -3823,7 +3818,7 @@
                 <a:effectLst/>
                 <a:latin typeface="Arial" panose="020B0604020202020204" pitchFamily="34" charset="0"/>
                 <a:ea typeface="Times New Roman" panose="02020603050405020304" pitchFamily="18" charset="0"/>
-                <a:hlinkClick r:id="rId4"/>
+                <a:hlinkClick r:id="rId5"/>
               </a:rPr>
               <a:t>Formulas with named ranges</a:t>
             </a:r>
@@ -3861,7 +3856,7 @@
                 <a:latin typeface="Arial" panose="020B0604020202020204" pitchFamily="34" charset="0"/>
                 <a:ea typeface="Calibri" panose="020F0502020204030204" pitchFamily="34" charset="0"/>
                 <a:cs typeface="Times New Roman" panose="02020603050405020304" pitchFamily="18" charset="0"/>
-                <a:hlinkClick r:id="rId5"/>
+                <a:hlinkClick r:id="rId6"/>
               </a:rPr>
               <a:t>Assignment</a:t>
             </a:r>
@@ -3897,7 +3892,7 @@
           <a:p>
             <a:r>
               <a:rPr lang="en-IN" dirty="0">
-                <a:hlinkClick r:id="rId6"/>
+                <a:hlinkClick r:id="rId7"/>
               </a:rPr>
               <a:t>https://www.ablebits.com/office-addins-blog/excel-named-range/</a:t>
             </a:r>
@@ -3905,7 +3900,6 @@
               <a:rPr lang="en-IN" dirty="0"/>
               <a:t> </a:t>
             </a:r>
-            <a:endParaRPr lang="en-IN" dirty="0"/>
           </a:p>
         </p:txBody>
       </p:sp>
@@ -3918,7 +3912,7 @@
           <p:nvPr/>
         </p:nvPicPr>
         <p:blipFill>
-          <a:blip r:embed="rId7">
+          <a:blip r:embed="rId8">
             <a:extLst>
               <a:ext uri="{28A0092B-C50C-407E-A947-70E740481C1C}">
                 <a14:useLocalDpi xmlns:a14="http://schemas.microsoft.com/office/drawing/2010/main" val="0"/>
@@ -3959,7 +3953,7 @@
           <p:nvPr/>
         </p:nvPicPr>
         <p:blipFill>
-          <a:blip r:embed="rId8">
+          <a:blip r:embed="rId9">
             <a:extLst>
               <a:ext uri="{28A0092B-C50C-407E-A947-70E740481C1C}">
                 <a14:useLocalDpi xmlns:a14="http://schemas.microsoft.com/office/drawing/2010/main" val="0"/>
@@ -4054,7 +4048,7 @@
                 <a:effectLst/>
                 <a:latin typeface="Arial" panose="020B0604020202020204" pitchFamily="34" charset="0"/>
                 <a:ea typeface="Times New Roman" panose="02020603050405020304" pitchFamily="18" charset="0"/>
-                <a:hlinkClick r:id="rId1"/>
+                <a:hlinkClick r:id="rId2"/>
               </a:rPr>
               <a:t>Table in Excel</a:t>
             </a:r>
@@ -4080,7 +4074,7 @@
                 <a:effectLst/>
                 <a:latin typeface="Arial" panose="020B0604020202020204" pitchFamily="34" charset="0"/>
                 <a:ea typeface="Times New Roman" panose="02020603050405020304" pitchFamily="18" charset="0"/>
-                <a:hlinkClick r:id="rId2"/>
+                <a:hlinkClick r:id="rId3"/>
               </a:rPr>
               <a:t>Insert a Table and Style Options</a:t>
             </a:r>
@@ -4106,7 +4100,7 @@
                 <a:effectLst/>
                 <a:latin typeface="Arial" panose="020B0604020202020204" pitchFamily="34" charset="0"/>
                 <a:ea typeface="Times New Roman" panose="02020603050405020304" pitchFamily="18" charset="0"/>
-                <a:hlinkClick r:id="rId3"/>
+                <a:hlinkClick r:id="rId4"/>
               </a:rPr>
               <a:t>Add Rows and Columns</a:t>
             </a:r>
@@ -4143,7 +4137,7 @@
                 <a:effectLst/>
                 <a:latin typeface="Arial" panose="020B0604020202020204" pitchFamily="34" charset="0"/>
                 <a:ea typeface="Times New Roman" panose="02020603050405020304" pitchFamily="18" charset="0"/>
-                <a:hlinkClick r:id="rId4"/>
+                <a:hlinkClick r:id="rId5"/>
               </a:rPr>
               <a:t>Perform a Function in a Table</a:t>
             </a:r>
@@ -4180,7 +4174,7 @@
                 <a:effectLst/>
                 <a:latin typeface="Arial" panose="020B0604020202020204" pitchFamily="34" charset="0"/>
                 <a:ea typeface="Times New Roman" panose="02020603050405020304" pitchFamily="18" charset="0"/>
-                <a:hlinkClick r:id="rId5"/>
+                <a:hlinkClick r:id="rId6"/>
               </a:rPr>
               <a:t>Assignment</a:t>
             </a:r>
@@ -4226,7 +4220,7 @@
           <a:p>
             <a:r>
               <a:rPr lang="en-IN" dirty="0">
-                <a:hlinkClick r:id="rId6"/>
+                <a:hlinkClick r:id="rId7"/>
               </a:rPr>
               <a:t>https://www.ablebits.com/office-addins-blog/excel-table-tutorial/</a:t>
             </a:r>
@@ -4234,7 +4228,6 @@
               <a:rPr lang="en-IN" dirty="0"/>
               <a:t> </a:t>
             </a:r>
-            <a:endParaRPr lang="en-IN" dirty="0"/>
           </a:p>
         </p:txBody>
       </p:sp>
@@ -4247,7 +4240,7 @@
           <p:nvPr/>
         </p:nvPicPr>
         <p:blipFill>
-          <a:blip r:embed="rId7">
+          <a:blip r:embed="rId8">
             <a:extLst>
               <a:ext uri="{28A0092B-C50C-407E-A947-70E740481C1C}">
                 <a14:useLocalDpi xmlns:a14="http://schemas.microsoft.com/office/drawing/2010/main" val="0"/>
@@ -4288,7 +4281,7 @@
           <p:nvPr/>
         </p:nvPicPr>
         <p:blipFill>
-          <a:blip r:embed="rId8">
+          <a:blip r:embed="rId9">
             <a:extLst>
               <a:ext uri="{28A0092B-C50C-407E-A947-70E740481C1C}">
                 <a14:useLocalDpi xmlns:a14="http://schemas.microsoft.com/office/drawing/2010/main" val="0"/>
@@ -4383,7 +4376,7 @@
                 <a:effectLst/>
                 <a:latin typeface="Arial" panose="020B0604020202020204" pitchFamily="34" charset="0"/>
                 <a:ea typeface="Times New Roman" panose="02020603050405020304" pitchFamily="18" charset="0"/>
-                <a:hlinkClick r:id="rId1"/>
+                <a:hlinkClick r:id="rId2"/>
               </a:rPr>
               <a:t>AutoFill and Custom Lists</a:t>
             </a:r>
@@ -4420,7 +4413,7 @@
                 <a:effectLst/>
                 <a:latin typeface="Arial" panose="020B0604020202020204" pitchFamily="34" charset="0"/>
                 <a:ea typeface="Times New Roman" panose="02020603050405020304" pitchFamily="18" charset="0"/>
-                <a:hlinkClick r:id="rId2"/>
+                <a:hlinkClick r:id="rId3"/>
               </a:rPr>
               <a:t>AutoFill a Series</a:t>
             </a:r>
@@ -4446,7 +4439,7 @@
                 <a:effectLst/>
                 <a:latin typeface="Arial" panose="020B0604020202020204" pitchFamily="34" charset="0"/>
                 <a:ea typeface="Times New Roman" panose="02020603050405020304" pitchFamily="18" charset="0"/>
-                <a:hlinkClick r:id="rId3"/>
+                <a:hlinkClick r:id="rId4"/>
               </a:rPr>
               <a:t>AutoFill Non-Adjacent Cells</a:t>
             </a:r>
@@ -4483,7 +4476,7 @@
                 <a:effectLst/>
                 <a:latin typeface="Arial" panose="020B0604020202020204" pitchFamily="34" charset="0"/>
                 <a:ea typeface="Times New Roman" panose="02020603050405020304" pitchFamily="18" charset="0"/>
-                <a:hlinkClick r:id="rId4"/>
+                <a:hlinkClick r:id="rId5"/>
               </a:rPr>
               <a:t>AutoFill on Multiple Sheets</a:t>
             </a:r>
@@ -4520,7 +4513,7 @@
                 <a:effectLst/>
                 <a:latin typeface="Arial" panose="020B0604020202020204" pitchFamily="34" charset="0"/>
                 <a:ea typeface="Times New Roman" panose="02020603050405020304" pitchFamily="18" charset="0"/>
-                <a:hlinkClick r:id="rId5"/>
+                <a:hlinkClick r:id="rId6"/>
               </a:rPr>
               <a:t>Creating Custom Lists</a:t>
             </a:r>
@@ -4557,7 +4550,7 @@
                 <a:effectLst/>
                 <a:latin typeface="Arial" panose="020B0604020202020204" pitchFamily="34" charset="0"/>
                 <a:ea typeface="Times New Roman" panose="02020603050405020304" pitchFamily="18" charset="0"/>
-                <a:hlinkClick r:id="rId6"/>
+                <a:hlinkClick r:id="rId7"/>
               </a:rPr>
               <a:t>Series Formatting</a:t>
             </a:r>
@@ -4594,7 +4587,7 @@
                 <a:effectLst/>
                 <a:latin typeface="Arial" panose="020B0604020202020204" pitchFamily="34" charset="0"/>
                 <a:ea typeface="Times New Roman" panose="02020603050405020304" pitchFamily="18" charset="0"/>
-                <a:hlinkClick r:id="rId7"/>
+                <a:hlinkClick r:id="rId8"/>
               </a:rPr>
               <a:t>Sorting using Custom List</a:t>
             </a:r>
@@ -4631,7 +4624,7 @@
                 <a:effectLst/>
                 <a:latin typeface="Arial" panose="020B0604020202020204" pitchFamily="34" charset="0"/>
                 <a:ea typeface="Times New Roman" panose="02020603050405020304" pitchFamily="18" charset="0"/>
-                <a:hlinkClick r:id="rId8"/>
+                <a:hlinkClick r:id="rId9"/>
               </a:rPr>
               <a:t>Assignment</a:t>
             </a:r>
@@ -4673,6 +4666,7 @@
           <a:bodyPr wrap="square" rtlCol="0" anchor="t">
             <a:spAutoFit/>
           </a:bodyPr>
+          <a:lstStyle/>
           <a:p>
             <a:r>
               <a:rPr lang="en-US">
@@ -4682,11 +4676,6 @@
               </a:rPr>
               <a:t>https://www.pryor.com/blog/create-a-custom-autofill-series-in-excel/</a:t>
             </a:r>
-            <a:endParaRPr lang="en-US">
-              <a:solidFill>
-                <a:srgbClr val="00B0F0"/>
-              </a:solidFill>
-            </a:endParaRPr>
           </a:p>
         </p:txBody>
       </p:sp>
@@ -4709,6 +4698,7 @@
           <a:bodyPr wrap="square">
             <a:spAutoFit/>
           </a:bodyPr>
+          <a:lstStyle/>
           <a:p>
             <a:r>
               <a:rPr sz="1600" b="1">
@@ -4722,7 +4712,6 @@
               <a:rPr sz="1600"/>
               <a:t> is used to fill a series of numbers, dates, or text automatically based on a pattern you define.</a:t>
             </a:r>
-            <a:endParaRPr sz="1600"/>
           </a:p>
         </p:txBody>
       </p:sp>
@@ -4746,6 +4735,7 @@
           <a:bodyPr wrap="square" rtlCol="0">
             <a:spAutoFit/>
           </a:bodyPr>
+          <a:lstStyle/>
           <a:p>
             <a:r>
               <a:rPr lang="en-US" b="1">
@@ -4755,18 +4745,12 @@
               </a:rPr>
               <a:t>2. AutoFill Non-Adjacent Cells</a:t>
             </a:r>
-            <a:endParaRPr lang="en-US" b="1">
-              <a:solidFill>
-                <a:srgbClr val="C00000"/>
-              </a:solidFill>
-            </a:endParaRPr>
           </a:p>
           <a:p>
             <a:r>
               <a:rPr lang="en-US"/>
               <a:t>AutoFill can be used for non-adjacent cells if you first select the non-contiguous range.</a:t>
             </a:r>
-            <a:endParaRPr lang="en-US"/>
           </a:p>
           <a:p>
             <a:endParaRPr lang="en-US"/>
@@ -4776,7 +4760,6 @@
               <a:rPr lang="en-US" b="1"/>
               <a:t>Steps:</a:t>
             </a:r>
-            <a:endParaRPr lang="en-US" b="1"/>
           </a:p>
           <a:p>
             <a:pPr marL="285750" indent="-285750">
@@ -4787,7 +4770,6 @@
               <a:rPr lang="en-US"/>
               <a:t>Select the first cell, then hold Ctrl and click on the non-adjacent cells.</a:t>
             </a:r>
-            <a:endParaRPr lang="en-US"/>
           </a:p>
           <a:p>
             <a:pPr marL="285750" indent="-285750">
@@ -4798,7 +4780,6 @@
               <a:rPr lang="en-US"/>
               <a:t>Use the AutoFill handle to drag and fill the series.</a:t>
             </a:r>
-            <a:endParaRPr lang="en-US"/>
           </a:p>
           <a:p>
             <a:endParaRPr lang="en-US"/>
@@ -4808,14 +4789,12 @@
               <a:rPr lang="en-US"/>
               <a:t>Example:</a:t>
             </a:r>
-            <a:endParaRPr lang="en-US"/>
           </a:p>
           <a:p>
             <a:r>
               <a:rPr lang="en-US"/>
               <a:t>Fill every other cell with a number sequence (e.g., 1, 2, 3 in A1, A3, A5, etc.).</a:t>
             </a:r>
-            <a:endParaRPr lang="en-US"/>
           </a:p>
         </p:txBody>
       </p:sp>
@@ -4839,6 +4818,7 @@
           <a:bodyPr wrap="square" rtlCol="0" anchor="t">
             <a:spAutoFit/>
           </a:bodyPr>
+          <a:lstStyle/>
           <a:p>
             <a:r>
               <a:rPr lang="en-US">
@@ -4848,11 +4828,6 @@
               </a:rPr>
               <a:t>https://theexceladdict.com/tips/170302_Create_Your_Own_Custom_AutoFill_Lists.html</a:t>
             </a:r>
-            <a:endParaRPr lang="en-US">
-              <a:solidFill>
-                <a:srgbClr val="00B0F0"/>
-              </a:solidFill>
-            </a:endParaRPr>
           </a:p>
         </p:txBody>
       </p:sp>
@@ -4873,7 +4848,14 @@
         <p:cNvGrpSpPr/>
         <p:nvPr/>
       </p:nvGrpSpPr>
-      <p:grpSpPr/>
+      <p:grpSpPr>
+        <a:xfrm>
+          <a:off x="0" y="0"/>
+          <a:ext cx="0" cy="0"/>
+          <a:chOff x="0" y="0"/>
+          <a:chExt cx="0" cy="0"/>
+        </a:xfrm>
+      </p:grpSpPr>
       <p:sp>
         <p:nvSpPr>
           <p:cNvPr id="2" name="Text Box 1"/>
@@ -4894,6 +4876,7 @@
           <a:bodyPr wrap="square" rtlCol="0">
             <a:spAutoFit/>
           </a:bodyPr>
+          <a:lstStyle/>
           <a:p>
             <a:r>
               <a:rPr lang="en-US" b="1">
@@ -4903,18 +4886,12 @@
               </a:rPr>
               <a:t>3. AutoFill on Multiple Sheets</a:t>
             </a:r>
-            <a:endParaRPr lang="en-US" b="1">
-              <a:solidFill>
-                <a:srgbClr val="C00000"/>
-              </a:solidFill>
-            </a:endParaRPr>
           </a:p>
           <a:p>
             <a:r>
               <a:rPr lang="en-US"/>
               <a:t>You can fill a series across multiple sheets at once.</a:t>
             </a:r>
-            <a:endParaRPr lang="en-US"/>
           </a:p>
           <a:p>
             <a:endParaRPr lang="en-US"/>
@@ -4924,7 +4901,6 @@
               <a:rPr lang="en-US" b="1"/>
               <a:t>Steps:</a:t>
             </a:r>
-            <a:endParaRPr lang="en-US" b="1"/>
           </a:p>
           <a:p>
             <a:pPr marL="285750" indent="-285750">
@@ -4935,7 +4911,6 @@
               <a:rPr lang="en-US"/>
               <a:t>Select multiple sheets by holding down Ctrl or Shift while clicking on the sheet tabs.</a:t>
             </a:r>
-            <a:endParaRPr lang="en-US"/>
           </a:p>
           <a:p>
             <a:pPr marL="285750" indent="-285750">
@@ -4946,7 +4921,6 @@
               <a:rPr lang="en-US"/>
               <a:t>Enter the value in one sheet and use the AutoFill handle.</a:t>
             </a:r>
-            <a:endParaRPr lang="en-US"/>
           </a:p>
           <a:p>
             <a:pPr marL="285750" indent="-285750">
@@ -4957,7 +4931,6 @@
               <a:rPr lang="en-US"/>
               <a:t>Excel will fill the same series across all selected sheets.</a:t>
             </a:r>
-            <a:endParaRPr lang="en-US"/>
           </a:p>
           <a:p>
             <a:endParaRPr lang="en-US"/>
@@ -4967,14 +4940,12 @@
               <a:rPr lang="en-US" b="1"/>
               <a:t>Example:</a:t>
             </a:r>
-            <a:endParaRPr lang="en-US" b="1"/>
           </a:p>
           <a:p>
             <a:r>
               <a:rPr lang="en-US"/>
               <a:t>If you want to fill the same date range across Sheet1, Sheet2, and Sheet3, select all three sheets and then fill the dates.</a:t>
             </a:r>
-            <a:endParaRPr lang="en-US"/>
           </a:p>
         </p:txBody>
       </p:sp>
@@ -4998,6 +4969,7 @@
           <a:bodyPr wrap="square" rtlCol="0">
             <a:spAutoFit/>
           </a:bodyPr>
+          <a:lstStyle/>
           <a:p>
             <a:r>
               <a:rPr lang="en-US" b="1">
@@ -5007,18 +4979,12 @@
               </a:rPr>
               <a:t>4. Creating Custom Lists</a:t>
             </a:r>
-            <a:endParaRPr lang="en-US" b="1">
-              <a:solidFill>
-                <a:srgbClr val="C00000"/>
-              </a:solidFill>
-            </a:endParaRPr>
           </a:p>
           <a:p>
             <a:r>
               <a:rPr lang="en-US"/>
               <a:t>Custom Lists allow you to create predefined lists that you can use repeatedly for sorting or AutoFill purposes.</a:t>
             </a:r>
-            <a:endParaRPr lang="en-US"/>
           </a:p>
           <a:p>
             <a:endParaRPr lang="en-US"/>
@@ -5028,7 +4994,6 @@
               <a:rPr lang="en-US" b="1"/>
               <a:t>Steps:</a:t>
             </a:r>
-            <a:endParaRPr lang="en-US" b="1"/>
           </a:p>
           <a:p>
             <a:pPr marL="285750" indent="-285750">
@@ -5039,7 +5004,6 @@
               <a:rPr lang="en-US"/>
               <a:t>Go to File &gt; Options.</a:t>
             </a:r>
-            <a:endParaRPr lang="en-US"/>
           </a:p>
           <a:p>
             <a:pPr marL="285750" indent="-285750">
@@ -5050,7 +5014,6 @@
               <a:rPr lang="en-US"/>
               <a:t>Select Advanced, then scroll down to the General section.</a:t>
             </a:r>
-            <a:endParaRPr lang="en-US"/>
           </a:p>
           <a:p>
             <a:pPr marL="285750" indent="-285750">
@@ -5061,7 +5024,6 @@
               <a:rPr lang="en-US"/>
               <a:t>Click Edit Custom Lists....</a:t>
             </a:r>
-            <a:endParaRPr lang="en-US"/>
           </a:p>
           <a:p>
             <a:pPr marL="285750" indent="-285750">
@@ -5072,7 +5034,6 @@
               <a:rPr lang="en-US"/>
               <a:t>Enter your list (e.g., Product A, Product B, Product C) and click Add.</a:t>
             </a:r>
-            <a:endParaRPr lang="en-US"/>
           </a:p>
         </p:txBody>
       </p:sp>
@@ -5093,7 +5054,14 @@
         <p:cNvGrpSpPr/>
         <p:nvPr/>
       </p:nvGrpSpPr>
-      <p:grpSpPr/>
+      <p:grpSpPr>
+        <a:xfrm>
+          <a:off x="0" y="0"/>
+          <a:ext cx="0" cy="0"/>
+          <a:chOff x="0" y="0"/>
+          <a:chExt cx="0" cy="0"/>
+        </a:xfrm>
+      </p:grpSpPr>
       <p:sp>
         <p:nvSpPr>
           <p:cNvPr id="3" name="Text Box 2"/>
@@ -5114,6 +5082,7 @@
           <a:bodyPr wrap="square" rtlCol="0">
             <a:spAutoFit/>
           </a:bodyPr>
+          <a:lstStyle/>
           <a:p>
             <a:r>
               <a:rPr lang="en-US" b="1">
@@ -5123,18 +5092,12 @@
               </a:rPr>
               <a:t>5. Series Formatting</a:t>
             </a:r>
-            <a:endParaRPr lang="en-US" b="1">
-              <a:solidFill>
-                <a:srgbClr val="C00000"/>
-              </a:solidFill>
-            </a:endParaRPr>
           </a:p>
           <a:p>
             <a:r>
               <a:rPr lang="en-US"/>
               <a:t>You can format your AutoFill series based on specific number or date patterns.</a:t>
             </a:r>
-            <a:endParaRPr lang="en-US"/>
           </a:p>
           <a:p>
             <a:endParaRPr lang="en-US"/>
@@ -5144,47 +5107,41 @@
               <a:rPr lang="en-US" b="1"/>
               <a:t>Steps:</a:t>
             </a:r>
-            <a:endParaRPr lang="en-US" b="1"/>
           </a:p>
           <a:p>
             <a:r>
               <a:rPr lang="en-US"/>
               <a:t>Enter a starting value (e.g., January 1, 2024).</a:t>
             </a:r>
-            <a:endParaRPr lang="en-US"/>
           </a:p>
           <a:p>
             <a:r>
               <a:rPr lang="en-US"/>
               <a:t>Click and drag the fill handle while holding the right mouse button.</a:t>
             </a:r>
-            <a:endParaRPr lang="en-US"/>
           </a:p>
           <a:p>
             <a:r>
               <a:rPr lang="en-US"/>
               <a:t>When you release, select Fill Series or Fill Days, Fill Months, etc., to format it accordingly.</a:t>
             </a:r>
-            <a:endParaRPr lang="en-US"/>
           </a:p>
           <a:p>
             <a:r>
               <a:rPr lang="en-US"/>
               <a:t>Example:</a:t>
             </a:r>
-            <a:endParaRPr lang="en-US"/>
           </a:p>
           <a:p>
             <a:r>
               <a:rPr lang="en-US"/>
               <a:t>You can fill dates by month, by year, or skip weekends, depending on the series you choose.</a:t>
             </a:r>
+          </a:p>
+          <a:p>
             <a:endParaRPr lang="en-US"/>
           </a:p>
           <a:p>
-            <a:endParaRPr lang="en-US"/>
-          </a:p>
-          <a:p>
             <a:r>
               <a:rPr lang="en-US" b="1">
                 <a:solidFill>
@@ -5193,18 +5150,12 @@
               </a:rPr>
               <a:t>6. Sorting using Custom Lists</a:t>
             </a:r>
-            <a:endParaRPr lang="en-US" b="1">
-              <a:solidFill>
-                <a:srgbClr val="C00000"/>
-              </a:solidFill>
-            </a:endParaRPr>
           </a:p>
           <a:p>
             <a:r>
               <a:rPr lang="en-US"/>
               <a:t>You can sort data in a custom order using the lists you create.</a:t>
             </a:r>
-            <a:endParaRPr lang="en-US"/>
           </a:p>
           <a:p>
             <a:endParaRPr lang="en-US" b="1"/>
@@ -5218,35 +5169,30 @@
               <a:rPr lang="en-US"/>
               <a:t>:</a:t>
             </a:r>
-            <a:endParaRPr lang="en-US"/>
           </a:p>
           <a:p>
             <a:r>
               <a:rPr lang="en-US"/>
               <a:t>Select the range of data you want to sort.</a:t>
             </a:r>
-            <a:endParaRPr lang="en-US"/>
           </a:p>
           <a:p>
             <a:r>
               <a:rPr lang="en-US"/>
               <a:t>Go to the Data tab and click Sort.</a:t>
             </a:r>
-            <a:endParaRPr lang="en-US"/>
           </a:p>
           <a:p>
             <a:r>
               <a:rPr lang="en-US"/>
               <a:t>In the Order dropdown, choose Custom List....</a:t>
             </a:r>
-            <a:endParaRPr lang="en-US"/>
           </a:p>
           <a:p>
             <a:r>
               <a:rPr lang="en-US"/>
               <a:t>Select your custom list from the options.</a:t>
             </a:r>
-            <a:endParaRPr lang="en-US"/>
           </a:p>
         </p:txBody>
       </p:sp>
@@ -5313,7 +5259,7 @@
                 <a:effectLst/>
                 <a:latin typeface="Arial" panose="020B0604020202020204" pitchFamily="34" charset="0"/>
                 <a:ea typeface="Times New Roman" panose="02020603050405020304" pitchFamily="18" charset="0"/>
-                <a:hlinkClick r:id="rId1"/>
+                <a:hlinkClick r:id="rId2"/>
               </a:rPr>
               <a:t>Conditional Formatting</a:t>
             </a:r>
@@ -5350,7 +5296,7 @@
                 <a:effectLst/>
                 <a:latin typeface="Arial" panose="020B0604020202020204" pitchFamily="34" charset="0"/>
                 <a:ea typeface="Times New Roman" panose="02020603050405020304" pitchFamily="18" charset="0"/>
-                <a:hlinkClick r:id="rId2"/>
+                <a:hlinkClick r:id="rId3"/>
               </a:rPr>
               <a:t>Highlight Cells Rules</a:t>
             </a:r>
@@ -5376,7 +5322,7 @@
                 <a:effectLst/>
                 <a:latin typeface="Arial" panose="020B0604020202020204" pitchFamily="34" charset="0"/>
                 <a:ea typeface="Times New Roman" panose="02020603050405020304" pitchFamily="18" charset="0"/>
-                <a:hlinkClick r:id="rId3"/>
+                <a:hlinkClick r:id="rId4"/>
               </a:rPr>
               <a:t>Top/Bottom Rules</a:t>
             </a:r>
@@ -5413,7 +5359,7 @@
                 <a:effectLst/>
                 <a:latin typeface="Arial" panose="020B0604020202020204" pitchFamily="34" charset="0"/>
                 <a:ea typeface="Times New Roman" panose="02020603050405020304" pitchFamily="18" charset="0"/>
-                <a:hlinkClick r:id="rId4"/>
+                <a:hlinkClick r:id="rId5"/>
               </a:rPr>
               <a:t>Data Bars</a:t>
             </a:r>
@@ -5450,7 +5396,7 @@
                 <a:effectLst/>
                 <a:latin typeface="Arial" panose="020B0604020202020204" pitchFamily="34" charset="0"/>
                 <a:ea typeface="Times New Roman" panose="02020603050405020304" pitchFamily="18" charset="0"/>
-                <a:hlinkClick r:id="rId5"/>
+                <a:hlinkClick r:id="rId6"/>
               </a:rPr>
               <a:t>Color Scales &amp; Icons</a:t>
             </a:r>
@@ -5487,7 +5433,7 @@
                 <a:effectLst/>
                 <a:latin typeface="Arial" panose="020B0604020202020204" pitchFamily="34" charset="0"/>
                 <a:ea typeface="Times New Roman" panose="02020603050405020304" pitchFamily="18" charset="0"/>
-                <a:hlinkClick r:id="rId6"/>
+                <a:hlinkClick r:id="rId7"/>
               </a:rPr>
               <a:t>Custom Formatting Rule</a:t>
             </a:r>
@@ -5524,7 +5470,7 @@
                 <a:effectLst/>
                 <a:latin typeface="Arial" panose="020B0604020202020204" pitchFamily="34" charset="0"/>
                 <a:ea typeface="Times New Roman" panose="02020603050405020304" pitchFamily="18" charset="0"/>
-                <a:hlinkClick r:id="rId7"/>
+                <a:hlinkClick r:id="rId8"/>
               </a:rPr>
               <a:t>Assignment</a:t>
             </a:r>
@@ -5555,6 +5501,7 @@
           <a:bodyPr wrap="square" rtlCol="0" anchor="t">
             <a:spAutoFit/>
           </a:bodyPr>
+          <a:lstStyle/>
           <a:p>
             <a:r>
               <a:rPr lang="en-US">
@@ -5564,11 +5511,6 @@
               </a:rPr>
               <a:t>https://www.ablebits.com/office-addins-blog/excel-conditional-formatting/</a:t>
             </a:r>
-            <a:endParaRPr lang="en-US">
-              <a:solidFill>
-                <a:srgbClr val="00B0F0"/>
-              </a:solidFill>
-            </a:endParaRPr>
           </a:p>
         </p:txBody>
       </p:sp>
@@ -5579,7 +5521,7 @@
           <p:nvPr/>
         </p:nvPicPr>
         <p:blipFill>
-          <a:blip r:embed="rId8"/>
+          <a:blip r:embed="rId9"/>
           <a:stretch>
             <a:fillRect/>
           </a:stretch>
@@ -5613,12 +5555,12 @@
           <a:bodyPr>
             <a:spAutoFit/>
           </a:bodyPr>
+          <a:lstStyle/>
           <a:p>
             <a:r>
               <a:rPr sz="1600"/>
               <a:t>Conditional Formatting allows you to format cells based on specific criteria, making it easy to visualize trends, identify high/low values, or highlight important data.</a:t>
             </a:r>
-            <a:endParaRPr sz="1600"/>
           </a:p>
         </p:txBody>
       </p:sp>
@@ -5639,7 +5581,14 @@
         <p:cNvGrpSpPr/>
         <p:nvPr/>
       </p:nvGrpSpPr>
-      <p:grpSpPr/>
+      <p:grpSpPr>
+        <a:xfrm>
+          <a:off x="0" y="0"/>
+          <a:ext cx="0" cy="0"/>
+          <a:chOff x="0" y="0"/>
+          <a:chExt cx="0" cy="0"/>
+        </a:xfrm>
+      </p:grpSpPr>
       <p:sp>
         <p:nvSpPr>
           <p:cNvPr id="5" name="Text Box 4"/>
@@ -5660,6 +5609,7 @@
           <a:bodyPr wrap="square" rtlCol="0">
             <a:spAutoFit/>
           </a:bodyPr>
+          <a:lstStyle/>
           <a:p>
             <a:r>
               <a:rPr lang="en-US" b="1">
@@ -5672,26 +5622,17 @@
               </a:rPr>
               <a:t>Conditional Formatting Overview</a:t>
             </a:r>
-            <a:endParaRPr lang="en-US" b="1">
-              <a:solidFill>
-                <a:srgbClr val="C00000"/>
-              </a:solidFill>
-              <a:highlight>
-                <a:srgbClr val="FFFF00"/>
-              </a:highlight>
-            </a:endParaRPr>
           </a:p>
           <a:p>
             <a:r>
               <a:rPr lang="en-US" sz="1600"/>
               <a:t>Conditional Formatting allows you to format cells based on specific criteria, making it easy to visualize trends, identify high/low values, or highlight important data.</a:t>
             </a:r>
+          </a:p>
+          <a:p>
             <a:endParaRPr lang="en-US" sz="1600"/>
           </a:p>
           <a:p>
-            <a:endParaRPr lang="en-US" sz="1600"/>
-          </a:p>
-          <a:p>
             <a:r>
               <a:rPr lang="en-US" sz="1600" b="1">
                 <a:solidFill>
@@ -5700,18 +5641,12 @@
               </a:rPr>
               <a:t>2. Highlight Cells Rules</a:t>
             </a:r>
-            <a:endParaRPr lang="en-US" sz="1600" b="1">
-              <a:solidFill>
-                <a:srgbClr val="C00000"/>
-              </a:solidFill>
-            </a:endParaRPr>
           </a:p>
           <a:p>
             <a:r>
               <a:rPr lang="en-US" sz="1600"/>
               <a:t>This feature highlights cells based on predefined rules like values, text, dates, or duplicates.</a:t>
             </a:r>
-            <a:endParaRPr lang="en-US" sz="1600"/>
           </a:p>
           <a:p>
             <a:endParaRPr lang="en-US" sz="1600" b="1"/>
@@ -5721,42 +5656,36 @@
               <a:rPr lang="en-US" sz="1600" b="1"/>
               <a:t>Steps:</a:t>
             </a:r>
-            <a:endParaRPr lang="en-US" sz="1600" b="1"/>
           </a:p>
           <a:p>
             <a:r>
               <a:rPr lang="en-US" sz="1600"/>
               <a:t>Select the range of cells to apply the rule.</a:t>
             </a:r>
-            <a:endParaRPr lang="en-US" sz="1600"/>
           </a:p>
           <a:p>
             <a:r>
               <a:rPr lang="en-US" sz="1600"/>
               <a:t>Go to the Home tab and click Conditional Formatting.</a:t>
             </a:r>
-            <a:endParaRPr lang="en-US" sz="1600"/>
           </a:p>
           <a:p>
             <a:r>
               <a:rPr lang="en-US" sz="1600"/>
               <a:t>Choose Highlight Cells Rules from the dropdown.</a:t>
             </a:r>
-            <a:endParaRPr lang="en-US" sz="1600"/>
           </a:p>
           <a:p>
             <a:r>
               <a:rPr lang="en-US" sz="1600"/>
               <a:t>Select the condition you want (e.g., Greater Than, Less Than, Text That Contains, etc.).</a:t>
             </a:r>
-            <a:endParaRPr lang="en-US" sz="1600"/>
           </a:p>
           <a:p>
             <a:r>
               <a:rPr lang="en-US" sz="1600"/>
               <a:t>Define the value or text and set the formatting.</a:t>
             </a:r>
-            <a:endParaRPr lang="en-US" sz="1600"/>
           </a:p>
           <a:p>
             <a:endParaRPr lang="en-US" sz="1600" b="1"/>
@@ -5770,42 +5699,36 @@
               <a:rPr lang="en-US" sz="1600"/>
               <a:t>:</a:t>
             </a:r>
-            <a:endParaRPr lang="en-US" sz="1600"/>
           </a:p>
           <a:p>
             <a:r>
               <a:rPr lang="en-US" sz="1600"/>
               <a:t>Greater Than: Highlight all sales greater than $5000 with a green fill.</a:t>
             </a:r>
-            <a:endParaRPr lang="en-US" sz="1600"/>
           </a:p>
           <a:p>
             <a:r>
               <a:rPr lang="en-US" sz="1600"/>
               <a:t>Formula: =A1&gt;5000 (for numbers in range A1</a:t>
             </a:r>
-            <a:endParaRPr lang="en-US" sz="1600"/>
           </a:p>
           <a:p>
             <a:r>
               <a:rPr lang="en-US" sz="1600"/>
               <a:t>).</a:t>
             </a:r>
-            <a:endParaRPr lang="en-US" sz="1600"/>
           </a:p>
           <a:p>
             <a:r>
               <a:rPr lang="en-US" sz="1600"/>
               <a:t>Text That Contains: Highlight all cells containing the word "Refund".</a:t>
             </a:r>
-            <a:endParaRPr lang="en-US" sz="1600"/>
           </a:p>
           <a:p>
             <a:r>
               <a:rPr lang="en-US" sz="1600"/>
               <a:t>Formula: =SEARCH("Refund", A1) (for cells in column A).</a:t>
             </a:r>
-            <a:endParaRPr lang="en-US" sz="1600"/>
           </a:p>
           <a:p>
             <a:endParaRPr lang="en-US" sz="1600"/>
@@ -5832,6 +5755,7 @@
           <a:bodyPr wrap="square" rtlCol="0">
             <a:spAutoFit/>
           </a:bodyPr>
+          <a:lstStyle/>
           <a:p>
             <a:endParaRPr lang="en-US"/>
           </a:p>
@@ -5857,6 +5781,7 @@
           <a:bodyPr wrap="square" rtlCol="0" anchor="t">
             <a:spAutoFit/>
           </a:bodyPr>
+          <a:lstStyle/>
           <a:p>
             <a:endParaRPr lang="en-US" sz="1600" b="1">
               <a:solidFill>
@@ -5935,9 +5860,6 @@
               </a:rPr>
               <a:t>Set the formatting style for the selected rule.</a:t>
             </a:r>
-            <a:endParaRPr lang="en-US" sz="1600">
-              <a:sym typeface="+mn-ea"/>
-            </a:endParaRPr>
           </a:p>
           <a:p>
             <a:endParaRPr lang="en-US" sz="1600"/>
@@ -5967,9 +5889,6 @@
               </a:rPr>
               <a:t>Bottom 10%: Highlight the bottom 10% of performance scores.</a:t>
             </a:r>
-            <a:endParaRPr lang="en-US" sz="1600">
-              <a:sym typeface="+mn-ea"/>
-            </a:endParaRPr>
           </a:p>
         </p:txBody>
       </p:sp>
@@ -5990,7 +5909,14 @@
         <p:cNvGrpSpPr/>
         <p:nvPr/>
       </p:nvGrpSpPr>
-      <p:grpSpPr/>
+      <p:grpSpPr>
+        <a:xfrm>
+          <a:off x="0" y="0"/>
+          <a:ext cx="0" cy="0"/>
+          <a:chOff x="0" y="0"/>
+          <a:chExt cx="0" cy="0"/>
+        </a:xfrm>
+      </p:grpSpPr>
       <p:sp>
         <p:nvSpPr>
           <p:cNvPr id="6" name="Text Box 5"/>
@@ -6011,6 +5937,7 @@
           <a:bodyPr wrap="square" rtlCol="0">
             <a:spAutoFit/>
           </a:bodyPr>
+          <a:lstStyle/>
           <a:p>
             <a:r>
               <a:rPr lang="en-US" sz="1400" b="1">
@@ -6022,6 +5949,71 @@
                 </a:highlight>
               </a:rPr>
               <a:t>4. Data Bars</a:t>
+            </a:r>
+          </a:p>
+          <a:p>
+            <a:r>
+              <a:rPr lang="en-US" sz="1400"/>
+              <a:t>Displays horizontal bars inside cells to visually represent the value relative to other cells.</a:t>
+            </a:r>
+          </a:p>
+          <a:p>
+            <a:endParaRPr lang="en-US" sz="1400"/>
+          </a:p>
+          <a:p>
+            <a:r>
+              <a:rPr lang="en-US" sz="1400" b="1"/>
+              <a:t>Steps:</a:t>
+            </a:r>
+          </a:p>
+          <a:p>
+            <a:r>
+              <a:rPr lang="en-US" sz="1400"/>
+              <a:t>Select the range of numeric data.</a:t>
+            </a:r>
+          </a:p>
+          <a:p>
+            <a:r>
+              <a:rPr lang="en-US" sz="1400"/>
+              <a:t>Go to Conditional Formatting &gt; Data Bars.</a:t>
+            </a:r>
+          </a:p>
+          <a:p>
+            <a:r>
+              <a:rPr lang="en-US" sz="1400"/>
+              <a:t>Choose a Gradient Fill or Solid Fill style.</a:t>
+            </a:r>
+          </a:p>
+          <a:p>
+            <a:endParaRPr lang="en-US" sz="1400"/>
+          </a:p>
+          <a:p>
+            <a:r>
+              <a:rPr lang="en-US" sz="1400" b="1"/>
+              <a:t>Example:</a:t>
+            </a:r>
+          </a:p>
+          <a:p>
+            <a:r>
+              <a:rPr lang="en-US" sz="1400"/>
+              <a:t>Apply data bars to sales numbers to show performance. Higher values will have longer bars.</a:t>
+            </a:r>
+          </a:p>
+          <a:p>
+            <a:endParaRPr lang="en-US" sz="1400"/>
+          </a:p>
+          <a:p>
+            <a:r>
+              <a:rPr lang="en-US" sz="1400" b="1">
+                <a:solidFill>
+                  <a:srgbClr val="C00000"/>
+                </a:solidFill>
+                <a:highlight>
+                  <a:srgbClr val="FFFF00"/>
+                </a:highlight>
+                <a:sym typeface="+mn-ea"/>
+              </a:rPr>
+              <a:t>5. Color Scales &amp; Icons</a:t>
             </a:r>
             <a:endParaRPr lang="en-US" sz="1400" b="1">
               <a:solidFill>
@@ -6034,86 +6026,6 @@
           </a:p>
           <a:p>
             <a:r>
-              <a:rPr lang="en-US" sz="1400"/>
-              <a:t>Displays horizontal bars inside cells to visually represent the value relative to other cells.</a:t>
-            </a:r>
-            <a:endParaRPr lang="en-US" sz="1400"/>
-          </a:p>
-          <a:p>
-            <a:endParaRPr lang="en-US" sz="1400"/>
-          </a:p>
-          <a:p>
-            <a:r>
-              <a:rPr lang="en-US" sz="1400" b="1"/>
-              <a:t>Steps:</a:t>
-            </a:r>
-            <a:endParaRPr lang="en-US" sz="1400" b="1"/>
-          </a:p>
-          <a:p>
-            <a:r>
-              <a:rPr lang="en-US" sz="1400"/>
-              <a:t>Select the range of numeric data.</a:t>
-            </a:r>
-            <a:endParaRPr lang="en-US" sz="1400"/>
-          </a:p>
-          <a:p>
-            <a:r>
-              <a:rPr lang="en-US" sz="1400"/>
-              <a:t>Go to Conditional Formatting &gt; Data Bars.</a:t>
-            </a:r>
-            <a:endParaRPr lang="en-US" sz="1400"/>
-          </a:p>
-          <a:p>
-            <a:r>
-              <a:rPr lang="en-US" sz="1400"/>
-              <a:t>Choose a Gradient Fill or Solid Fill style.</a:t>
-            </a:r>
-            <a:endParaRPr lang="en-US" sz="1400"/>
-          </a:p>
-          <a:p>
-            <a:endParaRPr lang="en-US" sz="1400"/>
-          </a:p>
-          <a:p>
-            <a:r>
-              <a:rPr lang="en-US" sz="1400" b="1"/>
-              <a:t>Example:</a:t>
-            </a:r>
-            <a:endParaRPr lang="en-US" sz="1400" b="1"/>
-          </a:p>
-          <a:p>
-            <a:r>
-              <a:rPr lang="en-US" sz="1400"/>
-              <a:t>Apply data bars to sales numbers to show performance. Higher values will have longer bars.</a:t>
-            </a:r>
-            <a:endParaRPr lang="en-US" sz="1400"/>
-          </a:p>
-          <a:p>
-            <a:endParaRPr lang="en-US" sz="1400"/>
-          </a:p>
-          <a:p>
-            <a:r>
-              <a:rPr lang="en-US" sz="1400" b="1">
-                <a:solidFill>
-                  <a:srgbClr val="C00000"/>
-                </a:solidFill>
-                <a:highlight>
-                  <a:srgbClr val="FFFF00"/>
-                </a:highlight>
-                <a:sym typeface="+mn-ea"/>
-              </a:rPr>
-              <a:t>5. Color Scales &amp; Icons</a:t>
-            </a:r>
-            <a:endParaRPr lang="en-US" sz="1400" b="1">
-              <a:solidFill>
-                <a:srgbClr val="C00000"/>
-              </a:solidFill>
-              <a:highlight>
-                <a:srgbClr val="FFFF00"/>
-              </a:highlight>
-            </a:endParaRPr>
-          </a:p>
-          <a:p>
-            <a:r>
               <a:rPr lang="en-US" sz="1400">
                 <a:sym typeface="+mn-ea"/>
               </a:rPr>
@@ -6128,9 +6040,6 @@
               </a:rPr>
               <a:t>Icons: Adds symbols (e.g., arrows, traffic lights) based on predefined rules for high, medium, and low values.</a:t>
             </a:r>
-            <a:endParaRPr lang="en-US" sz="1400">
-              <a:sym typeface="+mn-ea"/>
-            </a:endParaRPr>
           </a:p>
           <a:p>
             <a:endParaRPr lang="en-US" sz="1400"/>
@@ -6169,9 +6078,6 @@
               </a:rPr>
               <a:t>Choose a color scale or icon set.</a:t>
             </a:r>
-            <a:endParaRPr lang="en-US" sz="1400">
-              <a:sym typeface="+mn-ea"/>
-            </a:endParaRPr>
           </a:p>
           <a:p>
             <a:endParaRPr lang="en-US" sz="1400"/>
@@ -6228,6 +6134,7 @@
           <a:bodyPr wrap="square" rtlCol="0" anchor="t">
             <a:spAutoFit/>
           </a:bodyPr>
+          <a:lstStyle/>
           <a:p>
             <a:r>
               <a:rPr lang="en-US" sz="1400" b="1">
@@ -6257,9 +6164,6 @@
               </a:rPr>
               <a:t>You can create custom formulas for conditional formatting to highlight data based on complex conditions.</a:t>
             </a:r>
-            <a:endParaRPr lang="en-US" sz="1400">
-              <a:sym typeface="+mn-ea"/>
-            </a:endParaRPr>
           </a:p>
           <a:p>
             <a:endParaRPr lang="en-US" sz="1400"/>
@@ -6307,9 +6211,6 @@
               </a:rPr>
               <a:t>Enter the formula and set the formatting.</a:t>
             </a:r>
-            <a:endParaRPr lang="en-US" sz="1400">
-              <a:sym typeface="+mn-ea"/>
-            </a:endParaRPr>
           </a:p>
           <a:p>
             <a:endParaRPr lang="en-US" sz="1400"/>
@@ -6384,7 +6285,14 @@
         <p:cNvGrpSpPr/>
         <p:nvPr/>
       </p:nvGrpSpPr>
-      <p:grpSpPr/>
+      <p:grpSpPr>
+        <a:xfrm>
+          <a:off x="0" y="0"/>
+          <a:ext cx="0" cy="0"/>
+          <a:chOff x="0" y="0"/>
+          <a:chExt cx="0" cy="0"/>
+        </a:xfrm>
+      </p:grpSpPr>
       <p:sp>
         <p:nvSpPr>
           <p:cNvPr id="2" name="Text Box 1"/>
@@ -6405,6 +6313,7 @@
           <a:bodyPr wrap="square" rtlCol="0" anchor="t">
             <a:spAutoFit/>
           </a:bodyPr>
+          <a:lstStyle/>
           <a:p>
             <a:r>
               <a:rPr lang="en-US" sz="1600" b="1">
@@ -6555,6 +6464,7 @@
           <a:bodyPr wrap="square" rtlCol="0" anchor="t">
             <a:noAutofit/>
           </a:bodyPr>
+          <a:lstStyle/>
           <a:p>
             <a:r>
               <a:rPr lang="en-US" sz="1600" b="1">
@@ -6655,9 +6565,6 @@
               </a:rPr>
               <a:t>Apply a fill color to highlight the entire row.</a:t>
             </a:r>
-            <a:endParaRPr lang="en-US" sz="1600">
-              <a:sym typeface="+mn-ea"/>
-            </a:endParaRPr>
           </a:p>
         </p:txBody>
       </p:sp>
@@ -6681,6 +6588,7 @@
           <a:bodyPr wrap="square" rtlCol="0" anchor="t">
             <a:spAutoFit/>
           </a:bodyPr>
+          <a:lstStyle/>
           <a:p>
             <a:r>
               <a:rPr lang="en-US" sz="1600" b="1">
@@ -6797,7 +6705,7 @@
                 <a:effectLst/>
                 <a:latin typeface="Arial" panose="020B0604020202020204" pitchFamily="34" charset="0"/>
                 <a:ea typeface="Times New Roman" panose="02020603050405020304" pitchFamily="18" charset="0"/>
-                <a:hlinkClick r:id="rId1"/>
+                <a:hlinkClick r:id="rId2"/>
               </a:rPr>
               <a:t>Logical Functions</a:t>
             </a:r>
@@ -6834,7 +6742,7 @@
                 <a:effectLst/>
                 <a:latin typeface="Arial" panose="020B0604020202020204" pitchFamily="34" charset="0"/>
                 <a:ea typeface="Times New Roman" panose="02020603050405020304" pitchFamily="18" charset="0"/>
-                <a:hlinkClick r:id="rId2"/>
+                <a:hlinkClick r:id="rId3"/>
               </a:rPr>
               <a:t>If statement</a:t>
             </a:r>
@@ -6860,7 +6768,7 @@
                 <a:effectLst/>
                 <a:latin typeface="Arial" panose="020B0604020202020204" pitchFamily="34" charset="0"/>
                 <a:ea typeface="Times New Roman" panose="02020603050405020304" pitchFamily="18" charset="0"/>
-                <a:hlinkClick r:id="rId3"/>
+                <a:hlinkClick r:id="rId4"/>
               </a:rPr>
               <a:t>Nested If</a:t>
             </a:r>
@@ -6897,7 +6805,7 @@
                 <a:effectLst/>
                 <a:latin typeface="Arial" panose="020B0604020202020204" pitchFamily="34" charset="0"/>
                 <a:ea typeface="Times New Roman" panose="02020603050405020304" pitchFamily="18" charset="0"/>
-                <a:hlinkClick r:id="rId4"/>
+                <a:hlinkClick r:id="rId5"/>
               </a:rPr>
               <a:t>AND,OR, NOT</a:t>
             </a:r>
@@ -6934,7 +6842,7 @@
                 <a:effectLst/>
                 <a:latin typeface="Arial" panose="020B0604020202020204" pitchFamily="34" charset="0"/>
                 <a:ea typeface="Times New Roman" panose="02020603050405020304" pitchFamily="18" charset="0"/>
-                <a:hlinkClick r:id="rId5"/>
+                <a:hlinkClick r:id="rId6"/>
               </a:rPr>
               <a:t>IFERROR</a:t>
             </a:r>
@@ -6971,7 +6879,7 @@
                 <a:effectLst/>
                 <a:latin typeface="Arial" panose="020B0604020202020204" pitchFamily="34" charset="0"/>
                 <a:ea typeface="Times New Roman" panose="02020603050405020304" pitchFamily="18" charset="0"/>
-                <a:hlinkClick r:id="rId6"/>
+                <a:hlinkClick r:id="rId7"/>
               </a:rPr>
               <a:t>SUMIF &amp; COUNTIF</a:t>
             </a:r>
@@ -7008,7 +6916,7 @@
                 <a:effectLst/>
                 <a:latin typeface="Arial" panose="020B0604020202020204" pitchFamily="34" charset="0"/>
                 <a:ea typeface="Times New Roman" panose="02020603050405020304" pitchFamily="18" charset="0"/>
-                <a:hlinkClick r:id="rId7"/>
+                <a:hlinkClick r:id="rId8"/>
               </a:rPr>
               <a:t>SUMIFS &amp; COUNTIFS</a:t>
             </a:r>
@@ -7045,7 +6953,7 @@
                 <a:effectLst/>
                 <a:latin typeface="Arial" panose="020B0604020202020204" pitchFamily="34" charset="0"/>
                 <a:ea typeface="Times New Roman" panose="02020603050405020304" pitchFamily="18" charset="0"/>
-                <a:hlinkClick r:id="rId8"/>
+                <a:hlinkClick r:id="rId9"/>
               </a:rPr>
               <a:t>Assignment</a:t>
             </a:r>
@@ -7087,12 +6995,12 @@
           <a:bodyPr wrap="square" rtlCol="0" anchor="t">
             <a:spAutoFit/>
           </a:bodyPr>
+          <a:lstStyle/>
           <a:p>
             <a:r>
               <a:rPr lang="en-US"/>
               <a:t>https://books-gyansetu.gitbook.io/advanced-excel/mathematical-functions-sum-sumif-sumifs-count-counta-countif</a:t>
             </a:r>
-            <a:endParaRPr lang="en-US"/>
           </a:p>
         </p:txBody>
       </p:sp>
@@ -7116,6 +7024,7 @@
           <a:bodyPr wrap="square" rtlCol="0">
             <a:spAutoFit/>
           </a:bodyPr>
+          <a:lstStyle/>
           <a:p>
             <a:r>
               <a:rPr lang="en-US" sz="1400" b="1">
@@ -7125,11 +7034,6 @@
               </a:rPr>
               <a:t>Logical Functions in Excel</a:t>
             </a:r>
-            <a:endParaRPr lang="en-US" sz="1400" b="1">
-              <a:highlight>
-                <a:srgbClr val="FFFF00"/>
-              </a:highlight>
-            </a:endParaRPr>
           </a:p>
           <a:p>
             <a:r>
@@ -7140,6 +7044,20 @@
               </a:rPr>
               <a:t>IF</a:t>
             </a:r>
+          </a:p>
+          <a:p>
+            <a:r>
+              <a:rPr lang="en-US" sz="1400"/>
+              <a:t>Syntax: =IF(condition, value_if_true, value_if_false)</a:t>
+            </a:r>
+          </a:p>
+          <a:p>
+            <a:r>
+              <a:rPr lang="en-US" sz="1400"/>
+              <a:t>Checks if a condition is met and returns a value for true or false.</a:t>
+            </a:r>
+          </a:p>
+          <a:p>
             <a:endParaRPr lang="en-US" sz="1400" b="1">
               <a:solidFill>
                 <a:srgbClr val="C00000"/>
@@ -7148,17 +7066,50 @@
           </a:p>
           <a:p>
             <a:r>
+              <a:rPr lang="en-US" sz="1400" b="1">
+                <a:solidFill>
+                  <a:srgbClr val="C00000"/>
+                </a:solidFill>
+              </a:rPr>
+              <a:t>Nested IF</a:t>
+            </a:r>
+          </a:p>
+          <a:p>
+            <a:r>
               <a:rPr lang="en-US" sz="1400"/>
-              <a:t>Syntax: =IF(condition, value_if_true, value_if_false)</a:t>
-            </a:r>
+              <a:t>Syntax: =IF(condition1, value_if_true1, IF(condition2, value_if_true2, value_if_false))</a:t>
+            </a:r>
+          </a:p>
+          <a:p>
+            <a:r>
+              <a:rPr lang="en-US" sz="1400"/>
+              <a:t>Allows multiple conditions by nesting IF functions for layered logic.</a:t>
+            </a:r>
+          </a:p>
+          <a:p>
             <a:endParaRPr lang="en-US" sz="1400"/>
           </a:p>
           <a:p>
             <a:r>
+              <a:rPr lang="en-US" sz="1400" b="1">
+                <a:solidFill>
+                  <a:srgbClr val="C00000"/>
+                </a:solidFill>
+              </a:rPr>
+              <a:t>AND</a:t>
+            </a:r>
+          </a:p>
+          <a:p>
+            <a:r>
               <a:rPr lang="en-US" sz="1400"/>
-              <a:t>Checks if a condition is met and returns a value for true or false.</a:t>
-            </a:r>
-            <a:endParaRPr lang="en-US" sz="1400"/>
+              <a:t>Syntax: =AND(condition1, condition2, ...)</a:t>
+            </a:r>
+          </a:p>
+          <a:p>
+            <a:r>
+              <a:rPr lang="en-US" sz="1400"/>
+              <a:t>Returns TRUE if all conditions are true; otherwise, returns FALSE.</a:t>
+            </a:r>
           </a:p>
           <a:p>
             <a:endParaRPr lang="en-US" sz="1400" b="1">
@@ -7174,8 +7125,47 @@
                   <a:srgbClr val="C00000"/>
                 </a:solidFill>
               </a:rPr>
-              <a:t>Nested IF</a:t>
-            </a:r>
+              <a:t>OR</a:t>
+            </a:r>
+          </a:p>
+          <a:p>
+            <a:r>
+              <a:rPr lang="en-US" sz="1400"/>
+              <a:t>Syntax: =OR(condition1, condition2, ...)</a:t>
+            </a:r>
+          </a:p>
+          <a:p>
+            <a:r>
+              <a:rPr lang="en-US" sz="1400"/>
+              <a:t>Returns TRUE if any condition is true; otherwise, returns FALSE.</a:t>
+            </a:r>
+          </a:p>
+          <a:p>
+            <a:endParaRPr lang="en-US" sz="1400"/>
+          </a:p>
+          <a:p>
+            <a:r>
+              <a:rPr lang="en-US" sz="1400" b="1">
+                <a:solidFill>
+                  <a:srgbClr val="C00000"/>
+                </a:solidFill>
+              </a:rPr>
+              <a:t>NOT</a:t>
+            </a:r>
+          </a:p>
+          <a:p>
+            <a:r>
+              <a:rPr lang="en-US" sz="1400"/>
+              <a:t>Syntax: =NOT(condition)</a:t>
+            </a:r>
+          </a:p>
+          <a:p>
+            <a:r>
+              <a:rPr lang="en-US" sz="1400"/>
+              <a:t>Reverses the logical value, turning TRUE to FALSE and vice versa.</a:t>
+            </a:r>
+          </a:p>
+          <a:p>
             <a:endParaRPr lang="en-US" sz="1400" b="1">
               <a:solidFill>
                 <a:srgbClr val="C00000"/>
@@ -7184,153 +7174,25 @@
           </a:p>
           <a:p>
             <a:r>
-              <a:rPr lang="en-US" sz="1400"/>
-              <a:t>Syntax: =IF(condition1, value_if_true1, IF(condition2, value_if_true2, value_if_false))</a:t>
-            </a:r>
-            <a:endParaRPr lang="en-US" sz="1400"/>
-          </a:p>
-          <a:p>
-            <a:r>
-              <a:rPr lang="en-US" sz="1400"/>
-              <a:t>Allows multiple conditions by nesting IF functions for layered logic.</a:t>
-            </a:r>
-            <a:endParaRPr lang="en-US" sz="1400"/>
-          </a:p>
-          <a:p>
-            <a:endParaRPr lang="en-US" sz="1400"/>
-          </a:p>
-          <a:p>
-            <a:r>
               <a:rPr lang="en-US" sz="1400" b="1">
                 <a:solidFill>
                   <a:srgbClr val="C00000"/>
                 </a:solidFill>
               </a:rPr>
-              <a:t>AND</a:t>
-            </a:r>
-            <a:endParaRPr lang="en-US" sz="1400" b="1">
-              <a:solidFill>
-                <a:srgbClr val="C00000"/>
-              </a:solidFill>
-            </a:endParaRPr>
-          </a:p>
-          <a:p>
-            <a:r>
-              <a:rPr lang="en-US" sz="1400"/>
-              <a:t>Syntax: =AND(condition1, condition2, ...)</a:t>
-            </a:r>
-            <a:endParaRPr lang="en-US" sz="1400"/>
-          </a:p>
-          <a:p>
-            <a:r>
-              <a:rPr lang="en-US" sz="1400"/>
-              <a:t>Returns TRUE if all conditions are true; otherwise, returns FALSE.</a:t>
-            </a:r>
-            <a:endParaRPr lang="en-US" sz="1400"/>
-          </a:p>
-          <a:p>
-            <a:endParaRPr lang="en-US" sz="1400" b="1">
-              <a:solidFill>
-                <a:srgbClr val="C00000"/>
-              </a:solidFill>
-            </a:endParaRPr>
-          </a:p>
-          <a:p>
-            <a:r>
-              <a:rPr lang="en-US" sz="1400" b="1">
-                <a:solidFill>
-                  <a:srgbClr val="C00000"/>
-                </a:solidFill>
-              </a:rPr>
-              <a:t>OR</a:t>
-            </a:r>
-            <a:endParaRPr lang="en-US" sz="1400" b="1">
-              <a:solidFill>
-                <a:srgbClr val="C00000"/>
-              </a:solidFill>
-            </a:endParaRPr>
-          </a:p>
-          <a:p>
-            <a:r>
-              <a:rPr lang="en-US" sz="1400"/>
-              <a:t>Syntax: =OR(condition1, condition2, ...)</a:t>
-            </a:r>
-            <a:endParaRPr lang="en-US" sz="1400"/>
-          </a:p>
-          <a:p>
-            <a:r>
-              <a:rPr lang="en-US" sz="1400"/>
-              <a:t>Returns TRUE if any condition is true; otherwise, returns FALSE.</a:t>
-            </a:r>
-            <a:endParaRPr lang="en-US" sz="1400"/>
-          </a:p>
-          <a:p>
-            <a:endParaRPr lang="en-US" sz="1400"/>
-          </a:p>
-          <a:p>
-            <a:r>
-              <a:rPr lang="en-US" sz="1400" b="1">
-                <a:solidFill>
-                  <a:srgbClr val="C00000"/>
-                </a:solidFill>
-              </a:rPr>
-              <a:t>NOT</a:t>
-            </a:r>
-            <a:endParaRPr lang="en-US" sz="1400" b="1">
-              <a:solidFill>
-                <a:srgbClr val="C00000"/>
-              </a:solidFill>
-            </a:endParaRPr>
-          </a:p>
-          <a:p>
-            <a:r>
-              <a:rPr lang="en-US" sz="1400"/>
-              <a:t>Syntax: =NOT(condition)</a:t>
-            </a:r>
-            <a:endParaRPr lang="en-US" sz="1400"/>
-          </a:p>
-          <a:p>
-            <a:r>
-              <a:rPr lang="en-US" sz="1400"/>
-              <a:t>Reverses the logical value, turning TRUE to FALSE and vice versa.</a:t>
-            </a:r>
-            <a:endParaRPr lang="en-US" sz="1400"/>
-          </a:p>
-          <a:p>
-            <a:endParaRPr lang="en-US" sz="1400" b="1">
-              <a:solidFill>
-                <a:srgbClr val="C00000"/>
-              </a:solidFill>
-            </a:endParaRPr>
-          </a:p>
-          <a:p>
-            <a:r>
-              <a:rPr lang="en-US" sz="1400" b="1">
-                <a:solidFill>
-                  <a:srgbClr val="C00000"/>
-                </a:solidFill>
-              </a:rPr>
               <a:t>IFERROR</a:t>
             </a:r>
-            <a:endParaRPr lang="en-US" sz="1400" b="1">
-              <a:solidFill>
-                <a:srgbClr val="C00000"/>
-              </a:solidFill>
-            </a:endParaRPr>
           </a:p>
           <a:p>
             <a:r>
               <a:rPr lang="en-US" sz="1400"/>
               <a:t>Syntax: =IFERROR(value, value_if_error)</a:t>
             </a:r>
-            <a:endParaRPr lang="en-US" sz="1400"/>
           </a:p>
           <a:p>
             <a:r>
               <a:rPr lang="en-US" sz="1400"/>
               <a:t>Returns a specified value if there’s an error; otherwise, returns the original result.</a:t>
             </a:r>
-            <a:endParaRPr lang="en-US" sz="1400"/>
           </a:p>
           <a:p>
             <a:endParaRPr lang="en-US" sz="1400"/>
@@ -7379,7 +7241,14 @@
         <p:cNvGrpSpPr/>
         <p:nvPr/>
       </p:nvGrpSpPr>
-      <p:grpSpPr/>
+      <p:grpSpPr>
+        <a:xfrm>
+          <a:off x="0" y="0"/>
+          <a:ext cx="0" cy="0"/>
+          <a:chOff x="0" y="0"/>
+          <a:chExt cx="0" cy="0"/>
+        </a:xfrm>
+      </p:grpSpPr>
       <p:sp>
         <p:nvSpPr>
           <p:cNvPr id="2" name="Text Box 1"/>
@@ -7400,6 +7269,7 @@
           <a:bodyPr wrap="square" rtlCol="0" anchor="t">
             <a:spAutoFit/>
           </a:bodyPr>
+          <a:lstStyle/>
           <a:p>
             <a:endParaRPr lang="en-US"/>
           </a:p>
@@ -7562,9 +7432,6 @@
               </a:rPr>
               <a:t>Counts the number of cells across multiple ranges that meet multiple criteria.</a:t>
             </a:r>
-            <a:endParaRPr lang="en-US">
-              <a:sym typeface="+mn-ea"/>
-            </a:endParaRPr>
           </a:p>
         </p:txBody>
       </p:sp>
@@ -7631,7 +7498,7 @@
                 <a:effectLst/>
                 <a:latin typeface="Arial" panose="020B0604020202020204" pitchFamily="34" charset="0"/>
                 <a:ea typeface="Times New Roman" panose="02020603050405020304" pitchFamily="18" charset="0"/>
-                <a:hlinkClick r:id="rId1"/>
+                <a:hlinkClick r:id="rId2"/>
               </a:rPr>
               <a:t>Reference Functions</a:t>
             </a:r>
@@ -7657,7 +7524,7 @@
                 <a:effectLst/>
                 <a:latin typeface="Arial" panose="020B0604020202020204" pitchFamily="34" charset="0"/>
                 <a:ea typeface="Times New Roman" panose="02020603050405020304" pitchFamily="18" charset="0"/>
-                <a:hlinkClick r:id="rId2"/>
+                <a:hlinkClick r:id="rId3"/>
               </a:rPr>
               <a:t>VLOOKUP &amp; HLOOKUP</a:t>
             </a:r>
@@ -7683,7 +7550,7 @@
                 <a:effectLst/>
                 <a:latin typeface="Arial" panose="020B0604020202020204" pitchFamily="34" charset="0"/>
                 <a:ea typeface="Times New Roman" panose="02020603050405020304" pitchFamily="18" charset="0"/>
-                <a:hlinkClick r:id="rId3"/>
+                <a:hlinkClick r:id="rId4"/>
               </a:rPr>
               <a:t>LOOKUP ,INDEX , MATCH,INDIRECT,OFFSET</a:t>
             </a:r>
@@ -7720,7 +7587,7 @@
                 <a:effectLst/>
                 <a:latin typeface="Arial" panose="020B0604020202020204" pitchFamily="34" charset="0"/>
                 <a:ea typeface="Times New Roman" panose="02020603050405020304" pitchFamily="18" charset="0"/>
-                <a:hlinkClick r:id="rId4"/>
+                <a:hlinkClick r:id="rId5"/>
               </a:rPr>
               <a:t>ROW &amp; COLUMN</a:t>
             </a:r>
@@ -7757,7 +7624,7 @@
                 <a:effectLst/>
                 <a:latin typeface="Arial" panose="020B0604020202020204" pitchFamily="34" charset="0"/>
                 <a:ea typeface="Times New Roman" panose="02020603050405020304" pitchFamily="18" charset="0"/>
-                <a:hlinkClick r:id="rId5"/>
+                <a:hlinkClick r:id="rId6"/>
               </a:rPr>
               <a:t>Array Formulas</a:t>
             </a:r>
@@ -7799,6 +7666,7 @@
           <a:bodyPr wrap="square" rtlCol="0" anchor="t">
             <a:spAutoFit/>
           </a:bodyPr>
+          <a:lstStyle/>
           <a:p>
             <a:r>
               <a:rPr lang="en-US">
@@ -7808,11 +7676,6 @@
               </a:rPr>
               <a:t>https://excel-practice-online.com/functions/vlookup-function/</a:t>
             </a:r>
-            <a:endParaRPr lang="en-US">
-              <a:solidFill>
-                <a:srgbClr val="00B0F0"/>
-              </a:solidFill>
-            </a:endParaRPr>
           </a:p>
         </p:txBody>
       </p:sp>
@@ -7835,6 +7698,7 @@
           <a:bodyPr wrap="square">
             <a:spAutoFit/>
           </a:bodyPr>
+          <a:lstStyle/>
           <a:p>
             <a:pPr>
               <a:spcAft>
@@ -7845,14 +7709,12 @@
               <a:rPr sz="2200" b="1"/>
               <a:t>Reference Functions in Excel</a:t>
             </a:r>
-            <a:endParaRPr sz="2200" b="1"/>
           </a:p>
           <a:p>
             <a:r>
               <a:rPr sz="1600"/>
               <a:t>Objective: To understand and apply reference functions in Excel for dynamic data retrieval and analysis.</a:t>
             </a:r>
-            <a:endParaRPr sz="1600"/>
           </a:p>
         </p:txBody>
       </p:sp>
@@ -7876,6 +7738,7 @@
           <a:bodyPr wrap="square" rtlCol="0" anchor="t">
             <a:spAutoFit/>
           </a:bodyPr>
+          <a:lstStyle/>
           <a:p>
             <a:r>
               <a:rPr lang="en-US">
@@ -7885,11 +7748,6 @@
               </a:rPr>
               <a:t>https://chandoo.org/wp/vlookup-match-and-offset-explained-in-plain-english-spreadcheats/</a:t>
             </a:r>
-            <a:endParaRPr lang="en-US">
-              <a:solidFill>
-                <a:srgbClr val="C00000"/>
-              </a:solidFill>
-            </a:endParaRPr>
           </a:p>
         </p:txBody>
       </p:sp>
@@ -7910,7 +7768,14 @@
         <p:cNvGrpSpPr/>
         <p:nvPr/>
       </p:nvGrpSpPr>
-      <p:grpSpPr/>
+      <p:grpSpPr>
+        <a:xfrm>
+          <a:off x="0" y="0"/>
+          <a:ext cx="0" cy="0"/>
+          <a:chOff x="0" y="0"/>
+          <a:chExt cx="0" cy="0"/>
+        </a:xfrm>
+      </p:grpSpPr>
       <p:sp>
         <p:nvSpPr>
           <p:cNvPr id="3" name="Text Box 2"/>
@@ -7931,6 +7796,7 @@
           <a:bodyPr wrap="square" rtlCol="0">
             <a:spAutoFit/>
           </a:bodyPr>
+          <a:lstStyle/>
           <a:p>
             <a:r>
               <a:rPr lang="en-US" b="1">
@@ -7943,14 +7809,6 @@
               </a:rPr>
               <a:t>Part 1: Lookup Functions</a:t>
             </a:r>
-            <a:endParaRPr lang="en-US" b="1">
-              <a:solidFill>
-                <a:srgbClr val="C00000"/>
-              </a:solidFill>
-              <a:highlight>
-                <a:srgbClr val="FFFF00"/>
-              </a:highlight>
-            </a:endParaRPr>
           </a:p>
           <a:p>
             <a:r>
@@ -7961,6 +7819,26 @@
               </a:rPr>
               <a:t>VLOOKUP</a:t>
             </a:r>
+          </a:p>
+          <a:p>
+            <a:endParaRPr lang="en-US"/>
+          </a:p>
+          <a:p>
+            <a:r>
+              <a:rPr lang="en-US" b="1"/>
+              <a:t>Syntax: =VLOOKUP(lookup_value, table_array, col_index_num, [range_lookup])</a:t>
+            </a:r>
+          </a:p>
+          <a:p>
+            <a:endParaRPr lang="en-US"/>
+          </a:p>
+          <a:p>
+            <a:r>
+              <a:rPr lang="en-US"/>
+              <a:t>Use VLOOKUP to find the price of a specific product in a list. Given a table with "Product" in column A and "Price" in column B, retrieve the price of a product from a specified cell.</a:t>
+            </a:r>
+          </a:p>
+          <a:p>
             <a:endParaRPr lang="en-US" b="1">
               <a:solidFill>
                 <a:srgbClr val="C00000"/>
@@ -7968,33 +7846,6 @@
             </a:endParaRPr>
           </a:p>
           <a:p>
-            <a:endParaRPr lang="en-US"/>
-          </a:p>
-          <a:p>
-            <a:r>
-              <a:rPr lang="en-US" b="1"/>
-              <a:t>Syntax: =VLOOKUP(lookup_value, table_array, col_index_num, [range_lookup])</a:t>
-            </a:r>
-            <a:endParaRPr lang="en-US" b="1"/>
-          </a:p>
-          <a:p>
-            <a:endParaRPr lang="en-US"/>
-          </a:p>
-          <a:p>
-            <a:r>
-              <a:rPr lang="en-US"/>
-              <a:t>Use VLOOKUP to find the price of a specific product in a list. Given a table with "Product" in column A and "Price" in column B, retrieve the price of a product from a specified cell.</a:t>
-            </a:r>
-            <a:endParaRPr lang="en-US"/>
-          </a:p>
-          <a:p>
-            <a:endParaRPr lang="en-US" b="1">
-              <a:solidFill>
-                <a:srgbClr val="C00000"/>
-              </a:solidFill>
-            </a:endParaRPr>
-          </a:p>
-          <a:p>
             <a:r>
               <a:rPr lang="en-US" b="1">
                 <a:solidFill>
@@ -8003,11 +7854,6 @@
               </a:rPr>
               <a:t>HLOOKUP</a:t>
             </a:r>
-            <a:endParaRPr lang="en-US" b="1">
-              <a:solidFill>
-                <a:srgbClr val="C00000"/>
-              </a:solidFill>
-            </a:endParaRPr>
           </a:p>
           <a:p>
             <a:endParaRPr lang="en-US"/>
@@ -8017,7 +7863,6 @@
               <a:rPr lang="en-US" b="1"/>
               <a:t>Syntax: =HLOOKUP(lookup_value, table_array, row_index_num, [range_lookup])</a:t>
             </a:r>
-            <a:endParaRPr lang="en-US" b="1"/>
           </a:p>
           <a:p>
             <a:endParaRPr lang="en-US"/>
@@ -8027,14 +7872,12 @@
               <a:rPr lang="en-US"/>
               <a:t>Given a horizontal table with regions in row 1 and sales figures in row 2, use HLOOKUP to retrieve the sales for a specific region.</a:t>
             </a:r>
-            <a:endParaRPr lang="en-US"/>
           </a:p>
           <a:p>
             <a:r>
               <a:rPr lang="en-US"/>
               <a:t>LOOKUP</a:t>
             </a:r>
-            <a:endParaRPr lang="en-US"/>
           </a:p>
           <a:p>
             <a:endParaRPr lang="en-US"/>
@@ -8044,7 +7887,6 @@
               <a:rPr lang="en-US" b="1"/>
               <a:t>Syntax: =xLOOKUP(lookup_value, lookup_vector, [result_vector])</a:t>
             </a:r>
-            <a:endParaRPr lang="en-US" b="1"/>
           </a:p>
           <a:p>
             <a:endParaRPr lang="en-US" b="1"/>
@@ -8054,7 +7896,6 @@
               <a:rPr lang="en-US"/>
               <a:t>Using a list of employee IDs and their names, use LOOKUP to return an employee's name based on a given ID.</a:t>
             </a:r>
-            <a:endParaRPr lang="en-US"/>
           </a:p>
         </p:txBody>
       </p:sp>
@@ -8075,7 +7916,14 @@
         <p:cNvGrpSpPr/>
         <p:nvPr/>
       </p:nvGrpSpPr>
-      <p:grpSpPr/>
+      <p:grpSpPr>
+        <a:xfrm>
+          <a:off x="0" y="0"/>
+          <a:ext cx="0" cy="0"/>
+          <a:chOff x="0" y="0"/>
+          <a:chExt cx="0" cy="0"/>
+        </a:xfrm>
+      </p:grpSpPr>
       <p:sp>
         <p:nvSpPr>
           <p:cNvPr id="3" name="Text Box 2"/>
@@ -8096,6 +7944,7 @@
           <a:bodyPr wrap="square" rtlCol="0">
             <a:spAutoFit/>
           </a:bodyPr>
+          <a:lstStyle/>
           <a:p>
             <a:r>
               <a:rPr lang="en-US" b="1">
@@ -8108,14 +7957,6 @@
               </a:rPr>
               <a:t>Part 2: Reference and Offset Functions</a:t>
             </a:r>
-            <a:endParaRPr lang="en-US" b="1">
-              <a:solidFill>
-                <a:srgbClr val="C00000"/>
-              </a:solidFill>
-              <a:highlight>
-                <a:srgbClr val="FFFF00"/>
-              </a:highlight>
-            </a:endParaRPr>
           </a:p>
           <a:p>
             <a:endParaRPr lang="en-US" sz="1600" b="1">
@@ -8143,21 +7984,18 @@
               <a:rPr lang="en-US" sz="1600" b="1"/>
               <a:t>INDEX Syntax: =INDEX(array, row_num, [column_num])</a:t>
             </a:r>
-            <a:endParaRPr lang="en-US" sz="1600" b="1"/>
           </a:p>
           <a:p>
             <a:r>
               <a:rPr lang="en-US" sz="1600" b="1"/>
               <a:t>MATCH Syntax: =MATCH(lookup_value, lookup_array, [match_type])</a:t>
             </a:r>
-            <a:endParaRPr lang="en-US" sz="1600" b="1"/>
           </a:p>
           <a:p>
             <a:r>
               <a:rPr lang="en-US" sz="1600"/>
               <a:t>Use INDEX and MATCH together to retrieve a student's grade based on their name from a list of student names and grades.</a:t>
             </a:r>
-            <a:endParaRPr lang="en-US" sz="1600"/>
           </a:p>
           <a:p>
             <a:endParaRPr lang="en-US" sz="1600" b="1">
@@ -8182,19 +8020,17 @@
               <a:rPr lang="en-US" sz="1600" b="1"/>
               <a:t>Syntax: =INDIRECT(ref_text, [a1])</a:t>
             </a:r>
-            <a:endParaRPr lang="en-US" sz="1600" b="1"/>
           </a:p>
           <a:p>
             <a:r>
               <a:rPr lang="en-US" sz="1600"/>
               <a:t>Write a formula that uses INDIRECT to reference a range in a separate sheet based on a cell containing the sheet name.</a:t>
             </a:r>
+          </a:p>
+          <a:p>
             <a:endParaRPr lang="en-US" sz="1600"/>
           </a:p>
           <a:p>
-            <a:endParaRPr lang="en-US" sz="1600"/>
-          </a:p>
-          <a:p>
             <a:r>
               <a:rPr lang="en-US" sz="1600" b="1">
                 <a:solidFill>
@@ -8203,25 +8039,18 @@
               </a:rPr>
               <a:t>OFFSET</a:t>
             </a:r>
-            <a:endParaRPr lang="en-US" sz="1600" b="1">
-              <a:solidFill>
-                <a:srgbClr val="C00000"/>
-              </a:solidFill>
-            </a:endParaRPr>
           </a:p>
           <a:p>
             <a:r>
               <a:rPr lang="en-US" sz="1600" b="1"/>
               <a:t>Syntax: =OFFSET(reference, rows, cols, [height], [width])</a:t>
             </a:r>
-            <a:endParaRPr lang="en-US" sz="1600" b="1"/>
           </a:p>
           <a:p>
             <a:r>
               <a:rPr lang="en-US" sz="1600"/>
               <a:t>Use OFFSET to return the value in a cell 2 rows below and 1 column to the right of a specified starting cell.</a:t>
             </a:r>
-            <a:endParaRPr lang="en-US" sz="1600"/>
           </a:p>
           <a:p>
             <a:endParaRPr lang="en-US" sz="1600"/>
@@ -8231,28 +8060,24 @@
               <a:rPr lang="en-US" sz="1600" b="1"/>
               <a:t>ROW &amp; COLUMN</a:t>
             </a:r>
-            <a:endParaRPr lang="en-US" sz="1600" b="1"/>
           </a:p>
           <a:p>
             <a:r>
               <a:rPr lang="en-US" sz="1600" b="1"/>
               <a:t>ROW Syntax: =ROW([reference])</a:t>
             </a:r>
-            <a:endParaRPr lang="en-US" sz="1600" b="1"/>
           </a:p>
           <a:p>
             <a:r>
               <a:rPr lang="en-US" sz="1600" b="1"/>
               <a:t>COLUMN Syntax: =COLUMN([reference])</a:t>
             </a:r>
-            <a:endParaRPr lang="en-US" sz="1600" b="1"/>
           </a:p>
           <a:p>
             <a:r>
               <a:rPr lang="en-US" sz="1600"/>
               <a:t>Use ROW and COLUMN to return the row and column numbers of a specified cell.</a:t>
             </a:r>
-            <a:endParaRPr lang="en-US" sz="1600"/>
           </a:p>
         </p:txBody>
       </p:sp>
@@ -8276,6 +8101,7 @@
           <a:bodyPr wrap="square" rtlCol="0">
             <a:spAutoFit/>
           </a:bodyPr>
+          <a:lstStyle/>
           <a:p>
             <a:r>
               <a:rPr lang="en-US" b="1">
@@ -8288,6 +8114,8 @@
               </a:rPr>
               <a:t>Part 3: Array Formulas</a:t>
             </a:r>
+          </a:p>
+          <a:p>
             <a:endParaRPr lang="en-US" b="1">
               <a:solidFill>
                 <a:srgbClr val="C00000"/>
@@ -8298,16 +8126,6 @@
             </a:endParaRPr>
           </a:p>
           <a:p>
-            <a:endParaRPr lang="en-US" b="1">
-              <a:solidFill>
-                <a:srgbClr val="C00000"/>
-              </a:solidFill>
-              <a:highlight>
-                <a:srgbClr val="FFFF00"/>
-              </a:highlight>
-            </a:endParaRPr>
-          </a:p>
-          <a:p>
             <a:r>
               <a:rPr lang="en-US" sz="1600" b="1">
                 <a:solidFill>
@@ -8316,25 +8134,18 @@
               </a:rPr>
               <a:t>Array Formula</a:t>
             </a:r>
-            <a:endParaRPr lang="en-US" sz="1600" b="1">
-              <a:solidFill>
-                <a:srgbClr val="C00000"/>
-              </a:solidFill>
-            </a:endParaRPr>
           </a:p>
           <a:p>
             <a:r>
               <a:rPr lang="en-US" sz="1600" b="1"/>
               <a:t>Syntax: {=array_formula} (press Ctrl+Shift+Enter for array formula)</a:t>
             </a:r>
-            <a:endParaRPr lang="en-US" sz="1600" b="1"/>
           </a:p>
           <a:p>
             <a:r>
               <a:rPr lang="en-US" sz="1600"/>
               <a:t>Create an array formula to calculate the total sales of items in a list where the quantity is greater than 10 and price is greater than $50.</a:t>
             </a:r>
-            <a:endParaRPr lang="en-US" sz="1600"/>
           </a:p>
         </p:txBody>
       </p:sp>
@@ -8401,7 +8212,7 @@
                 <a:effectLst/>
                 <a:latin typeface="Arial" panose="020B0604020202020204" pitchFamily="34" charset="0"/>
                 <a:ea typeface="Times New Roman" panose="02020603050405020304" pitchFamily="18" charset="0"/>
-                <a:hlinkClick r:id="rId1"/>
+                <a:hlinkClick r:id="rId2"/>
               </a:rPr>
               <a:t>Data Validation</a:t>
             </a:r>
@@ -8427,7 +8238,7 @@
                 <a:effectLst/>
                 <a:latin typeface="Arial" panose="020B0604020202020204" pitchFamily="34" charset="0"/>
                 <a:ea typeface="Times New Roman" panose="02020603050405020304" pitchFamily="18" charset="0"/>
-                <a:hlinkClick r:id="rId2"/>
+                <a:hlinkClick r:id="rId3"/>
               </a:rPr>
               <a:t>Define Data Validation Rules</a:t>
             </a:r>
@@ -8453,7 +8264,7 @@
                 <a:effectLst/>
                 <a:latin typeface="Arial" panose="020B0604020202020204" pitchFamily="34" charset="0"/>
                 <a:ea typeface="Times New Roman" panose="02020603050405020304" pitchFamily="18" charset="0"/>
-                <a:hlinkClick r:id="rId3"/>
+                <a:hlinkClick r:id="rId4"/>
               </a:rPr>
               <a:t>Data Validation Options</a:t>
             </a:r>
@@ -8490,7 +8301,7 @@
                 <a:effectLst/>
                 <a:latin typeface="Arial" panose="020B0604020202020204" pitchFamily="34" charset="0"/>
                 <a:ea typeface="Times New Roman" panose="02020603050405020304" pitchFamily="18" charset="0"/>
-                <a:hlinkClick r:id="rId4"/>
+                <a:hlinkClick r:id="rId5"/>
               </a:rPr>
               <a:t>Drop-Down Lists</a:t>
             </a:r>
@@ -8527,7 +8338,7 @@
                 <a:effectLst/>
                 <a:latin typeface="Arial" panose="020B0604020202020204" pitchFamily="34" charset="0"/>
                 <a:ea typeface="Times New Roman" panose="02020603050405020304" pitchFamily="18" charset="0"/>
-                <a:hlinkClick r:id="rId5"/>
+                <a:hlinkClick r:id="rId6"/>
               </a:rPr>
               <a:t>Data Validation using Custom Formulas</a:t>
             </a:r>
@@ -8564,7 +8375,7 @@
                 <a:effectLst/>
                 <a:latin typeface="Arial" panose="020B0604020202020204" pitchFamily="34" charset="0"/>
                 <a:ea typeface="Times New Roman" panose="02020603050405020304" pitchFamily="18" charset="0"/>
-                <a:hlinkClick r:id="rId6"/>
+                <a:hlinkClick r:id="rId7"/>
               </a:rPr>
               <a:t>Validate the Worksheet</a:t>
             </a:r>
@@ -8630,6 +8441,7 @@
           <a:bodyPr wrap="square">
             <a:spAutoFit/>
           </a:bodyPr>
+          <a:lstStyle/>
           <a:p>
             <a:pPr marL="0" indent="0">
               <a:spcBef>
@@ -8650,14 +8462,6 @@
               </a:rPr>
               <a:t>Data validation is a feature that controls the values that can be entered into a cell in a worksheet. It can be used to ensure that data is accurate, consistent, and conforms to company standards. Data validation can be used in Microsoft Excel and Google Sheets. </a:t>
             </a:r>
-            <a:endParaRPr sz="1400" b="0" i="0">
-              <a:solidFill>
-                <a:srgbClr val="001D35"/>
-              </a:solidFill>
-              <a:latin typeface="Arial" panose="020B0604020202020204" pitchFamily="34" charset="0"/>
-              <a:ea typeface="Google Sans"/>
-              <a:cs typeface="Arial" panose="020B0604020202020204" pitchFamily="34" charset="0"/>
-            </a:endParaRPr>
           </a:p>
           <a:p>
             <a:pPr marL="0" indent="0">
@@ -8685,17 +8489,6 @@
               </a:rPr>
               <a:t>Here are some data validation options: </a:t>
             </a:r>
-            <a:endParaRPr sz="1400" b="1" i="0">
-              <a:solidFill>
-                <a:srgbClr val="C00000"/>
-              </a:solidFill>
-              <a:highlight>
-                <a:srgbClr val="FFFF00"/>
-              </a:highlight>
-              <a:latin typeface="Arial" panose="020B0604020202020204" pitchFamily="34" charset="0"/>
-              <a:ea typeface="Google Sans"/>
-              <a:cs typeface="Arial" panose="020B0604020202020204" pitchFamily="34" charset="0"/>
-            </a:endParaRPr>
           </a:p>
           <a:p>
             <a:pPr marL="457200" lvl="1" indent="0">
@@ -8722,14 +8515,6 @@
               </a:rPr>
               <a:t>Drop-down list: Allows users to select data from a drop-down list </a:t>
             </a:r>
-            <a:endParaRPr sz="1400" b="0" i="0">
-              <a:solidFill>
-                <a:srgbClr val="001D35"/>
-              </a:solidFill>
-              <a:latin typeface="Arial" panose="020B0604020202020204" pitchFamily="34" charset="0"/>
-              <a:ea typeface="Google Sans"/>
-              <a:cs typeface="Arial" panose="020B0604020202020204" pitchFamily="34" charset="0"/>
-            </a:endParaRPr>
           </a:p>
           <a:p>
             <a:pPr marL="457200" lvl="1" indent="0">
@@ -8756,14 +8541,6 @@
               </a:rPr>
               <a:t>Whole number: Restricts the cell to accept only whole numbers </a:t>
             </a:r>
-            <a:endParaRPr sz="1400" b="0" i="0">
-              <a:solidFill>
-                <a:srgbClr val="001D35"/>
-              </a:solidFill>
-              <a:latin typeface="Arial" panose="020B0604020202020204" pitchFamily="34" charset="0"/>
-              <a:ea typeface="Google Sans"/>
-              <a:cs typeface="Arial" panose="020B0604020202020204" pitchFamily="34" charset="0"/>
-            </a:endParaRPr>
           </a:p>
           <a:p>
             <a:pPr marL="457200" lvl="1" indent="0">
@@ -8790,14 +8567,6 @@
               </a:rPr>
               <a:t>Decimal: Restricts the cell to accept only decimal numbers </a:t>
             </a:r>
-            <a:endParaRPr sz="1400" b="0" i="0">
-              <a:solidFill>
-                <a:srgbClr val="001D35"/>
-              </a:solidFill>
-              <a:latin typeface="Arial" panose="020B0604020202020204" pitchFamily="34" charset="0"/>
-              <a:ea typeface="Google Sans"/>
-              <a:cs typeface="Arial" panose="020B0604020202020204" pitchFamily="34" charset="0"/>
-            </a:endParaRPr>
           </a:p>
           <a:p>
             <a:pPr marL="457200" lvl="1" indent="0">
@@ -8824,14 +8593,6 @@
               </a:rPr>
               <a:t>Date: Restricts the cell to accept only dates from a specified range </a:t>
             </a:r>
-            <a:endParaRPr sz="1400" b="0" i="0">
-              <a:solidFill>
-                <a:srgbClr val="001D35"/>
-              </a:solidFill>
-              <a:latin typeface="Arial" panose="020B0604020202020204" pitchFamily="34" charset="0"/>
-              <a:ea typeface="Google Sans"/>
-              <a:cs typeface="Arial" panose="020B0604020202020204" pitchFamily="34" charset="0"/>
-            </a:endParaRPr>
           </a:p>
           <a:p>
             <a:pPr marL="457200" lvl="1" indent="0">
@@ -8858,14 +8619,6 @@
               </a:rPr>
               <a:t>Time: Restricts the cell to accept only times from a specified range </a:t>
             </a:r>
-            <a:endParaRPr sz="1400" b="0" i="0">
-              <a:solidFill>
-                <a:srgbClr val="001D35"/>
-              </a:solidFill>
-              <a:latin typeface="Arial" panose="020B0604020202020204" pitchFamily="34" charset="0"/>
-              <a:ea typeface="Google Sans"/>
-              <a:cs typeface="Arial" panose="020B0604020202020204" pitchFamily="34" charset="0"/>
-            </a:endParaRPr>
           </a:p>
           <a:p>
             <a:pPr marL="457200" lvl="1" indent="0">
@@ -8892,14 +8645,6 @@
               </a:rPr>
               <a:t>Text length: Restricts the length of the text </a:t>
             </a:r>
-            <a:endParaRPr sz="1400" b="0" i="0">
-              <a:solidFill>
-                <a:srgbClr val="001D35"/>
-              </a:solidFill>
-              <a:latin typeface="Arial" panose="020B0604020202020204" pitchFamily="34" charset="0"/>
-              <a:ea typeface="Google Sans"/>
-              <a:cs typeface="Arial" panose="020B0604020202020204" pitchFamily="34" charset="0"/>
-            </a:endParaRPr>
           </a:p>
           <a:p>
             <a:pPr marL="457200" lvl="1" indent="0">
@@ -8926,14 +8671,6 @@
               </a:rPr>
               <a:t>Custom: Allows users to create their own formula for data validation </a:t>
             </a:r>
-            <a:endParaRPr sz="1400" b="0" i="0">
-              <a:solidFill>
-                <a:srgbClr val="001D35"/>
-              </a:solidFill>
-              <a:latin typeface="Arial" panose="020B0604020202020204" pitchFamily="34" charset="0"/>
-              <a:ea typeface="Google Sans"/>
-              <a:cs typeface="Arial" panose="020B0604020202020204" pitchFamily="34" charset="0"/>
-            </a:endParaRPr>
           </a:p>
           <a:p>
             <a:pPr marL="0" indent="0">
@@ -8958,14 +8695,6 @@
               </a:rPr>
               <a:t>To apply data validation in Excel:</a:t>
             </a:r>
-            <a:endParaRPr sz="1400" b="1" i="0">
-              <a:solidFill>
-                <a:srgbClr val="C00000"/>
-              </a:solidFill>
-              <a:latin typeface="Arial" panose="020B0604020202020204" pitchFamily="34" charset="0"/>
-              <a:ea typeface="Google Sans"/>
-              <a:cs typeface="Arial" panose="020B0604020202020204" pitchFamily="34" charset="0"/>
-            </a:endParaRPr>
           </a:p>
           <a:p>
             <a:pPr marL="457200" lvl="1" indent="0">
@@ -8991,14 +8720,6 @@
               </a:rPr>
               <a:t>Select the cells to create a rule for</a:t>
             </a:r>
-            <a:endParaRPr sz="1400" b="0" i="0">
-              <a:solidFill>
-                <a:srgbClr val="001D35"/>
-              </a:solidFill>
-              <a:latin typeface="Arial" panose="020B0604020202020204" pitchFamily="34" charset="0"/>
-              <a:ea typeface="Google Sans"/>
-              <a:cs typeface="Arial" panose="020B0604020202020204" pitchFamily="34" charset="0"/>
-            </a:endParaRPr>
           </a:p>
           <a:p>
             <a:pPr marL="457200" lvl="1" indent="0">
@@ -9024,14 +8745,6 @@
               </a:rPr>
               <a:t>Select Data &gt; Data Validation</a:t>
             </a:r>
-            <a:endParaRPr sz="1400" b="0" i="0">
-              <a:solidFill>
-                <a:srgbClr val="001D35"/>
-              </a:solidFill>
-              <a:latin typeface="Arial" panose="020B0604020202020204" pitchFamily="34" charset="0"/>
-              <a:ea typeface="Google Sans"/>
-              <a:cs typeface="Arial" panose="020B0604020202020204" pitchFamily="34" charset="0"/>
-            </a:endParaRPr>
           </a:p>
           <a:p>
             <a:pPr marL="457200" lvl="1" indent="0">
@@ -9057,14 +8770,6 @@
               </a:rPr>
               <a:t>Under Allow, select an option</a:t>
             </a:r>
-            <a:endParaRPr sz="1400" b="0" i="0">
-              <a:solidFill>
-                <a:srgbClr val="001D35"/>
-              </a:solidFill>
-              <a:latin typeface="Arial" panose="020B0604020202020204" pitchFamily="34" charset="0"/>
-              <a:ea typeface="Google Sans"/>
-              <a:cs typeface="Arial" panose="020B0604020202020204" pitchFamily="34" charset="0"/>
-            </a:endParaRPr>
           </a:p>
           <a:p>
             <a:pPr marL="457200" lvl="1" indent="0">
@@ -9090,14 +8795,6 @@
               </a:rPr>
               <a:t>Under Data, select a condition</a:t>
             </a:r>
-            <a:endParaRPr sz="1400" b="0" i="0">
-              <a:solidFill>
-                <a:srgbClr val="001D35"/>
-              </a:solidFill>
-              <a:latin typeface="Arial" panose="020B0604020202020204" pitchFamily="34" charset="0"/>
-              <a:ea typeface="Google Sans"/>
-              <a:cs typeface="Arial" panose="020B0604020202020204" pitchFamily="34" charset="0"/>
-            </a:endParaRPr>
           </a:p>
           <a:p>
             <a:pPr marL="457200" lvl="1" indent="0">
@@ -9123,14 +8820,6 @@
               </a:rPr>
               <a:t>Set the other required values</a:t>
             </a:r>
-            <a:endParaRPr sz="1400" b="0" i="0">
-              <a:solidFill>
-                <a:srgbClr val="001D35"/>
-              </a:solidFill>
-              <a:latin typeface="Arial" panose="020B0604020202020204" pitchFamily="34" charset="0"/>
-              <a:ea typeface="Google Sans"/>
-              <a:cs typeface="Arial" panose="020B0604020202020204" pitchFamily="34" charset="0"/>
-            </a:endParaRPr>
           </a:p>
           <a:p>
             <a:pPr marL="457200" lvl="1" indent="0">
@@ -9156,14 +8845,6 @@
               </a:rPr>
               <a:t>Customize the input message and error alert</a:t>
             </a:r>
-            <a:endParaRPr sz="1400" b="0" i="0">
-              <a:solidFill>
-                <a:srgbClr val="001D35"/>
-              </a:solidFill>
-              <a:latin typeface="Arial" panose="020B0604020202020204" pitchFamily="34" charset="0"/>
-              <a:ea typeface="Google Sans"/>
-              <a:cs typeface="Arial" panose="020B0604020202020204" pitchFamily="34" charset="0"/>
-            </a:endParaRPr>
           </a:p>
           <a:p>
             <a:pPr marL="457200" lvl="1" indent="0">
@@ -9189,14 +8870,6 @@
               </a:rPr>
               <a:t>Select OK </a:t>
             </a:r>
-            <a:endParaRPr sz="1400" b="0" i="0">
-              <a:solidFill>
-                <a:srgbClr val="001D35"/>
-              </a:solidFill>
-              <a:latin typeface="Arial" panose="020B0604020202020204" pitchFamily="34" charset="0"/>
-              <a:ea typeface="Google Sans"/>
-              <a:cs typeface="Arial" panose="020B0604020202020204" pitchFamily="34" charset="0"/>
-            </a:endParaRPr>
           </a:p>
           <a:p>
             <a:pPr marL="0" indent="0">
@@ -9218,14 +8891,6 @@
               </a:rPr>
               <a:t>To remove data validation for a cell, select the cell, then go to Data &gt; Data Tools &gt; Data Validation &gt; Settings &gt; Clear All. </a:t>
             </a:r>
-            <a:endParaRPr sz="1400" b="0" i="0">
-              <a:solidFill>
-                <a:srgbClr val="001D35"/>
-              </a:solidFill>
-              <a:latin typeface="Arial" panose="020B0604020202020204" pitchFamily="34" charset="0"/>
-              <a:ea typeface="Google Sans"/>
-              <a:cs typeface="Arial" panose="020B0604020202020204" pitchFamily="34" charset="0"/>
-            </a:endParaRPr>
           </a:p>
         </p:txBody>
       </p:sp>
@@ -9249,6 +8914,7 @@
           <a:bodyPr wrap="square" rtlCol="0" anchor="t">
             <a:spAutoFit/>
           </a:bodyPr>
+          <a:lstStyle/>
           <a:p>
             <a:r>
               <a:rPr lang="en-US">
@@ -9258,11 +8924,6 @@
               </a:rPr>
               <a:t>https://www.ablebits.com/office-addins-blog/data-validation-excel/</a:t>
             </a:r>
-            <a:endParaRPr lang="en-US">
-              <a:solidFill>
-                <a:srgbClr val="00B0F0"/>
-              </a:solidFill>
-            </a:endParaRPr>
           </a:p>
         </p:txBody>
       </p:sp>
@@ -9286,6 +8947,7 @@
           <a:bodyPr wrap="square" rtlCol="0" anchor="t">
             <a:spAutoFit/>
           </a:bodyPr>
+          <a:lstStyle/>
           <a:p>
             <a:r>
               <a:rPr lang="en-US">
@@ -9295,11 +8957,6 @@
               </a:rPr>
               <a:t>https://www.geeksforgeeks.org/what-is-data-validation-in-excel/</a:t>
             </a:r>
-            <a:endParaRPr lang="en-US">
-              <a:solidFill>
-                <a:srgbClr val="00B0F0"/>
-              </a:solidFill>
-            </a:endParaRPr>
           </a:p>
         </p:txBody>
       </p:sp>
@@ -9323,6 +8980,7 @@
           <a:bodyPr wrap="square" rtlCol="0" anchor="t">
             <a:spAutoFit/>
           </a:bodyPr>
+          <a:lstStyle/>
           <a:p>
             <a:r>
               <a:rPr lang="en-US">
@@ -9332,11 +8990,6 @@
               </a:rPr>
               <a:t>https://www.datacamp.com/tutorial/data-validation-in-excel</a:t>
             </a:r>
-            <a:endParaRPr lang="en-US">
-              <a:solidFill>
-                <a:srgbClr val="00B0F0"/>
-              </a:solidFill>
-            </a:endParaRPr>
           </a:p>
         </p:txBody>
       </p:sp>
@@ -9403,7 +9056,7 @@
                 <a:effectLst/>
                 <a:latin typeface="Arial" panose="020B0604020202020204" pitchFamily="34" charset="0"/>
                 <a:ea typeface="Times New Roman" panose="02020603050405020304" pitchFamily="18" charset="0"/>
-                <a:hlinkClick r:id="rId1"/>
+                <a:hlinkClick r:id="rId2"/>
               </a:rPr>
               <a:t>Pivot Table</a:t>
             </a:r>
@@ -9431,7 +9084,7 @@
                 <a:effectLst/>
                 <a:latin typeface="Arial" panose="020B0604020202020204" pitchFamily="34" charset="0"/>
                 <a:ea typeface="Times New Roman" panose="02020603050405020304" pitchFamily="18" charset="0"/>
-                <a:hlinkClick r:id="rId2"/>
+                <a:hlinkClick r:id="rId3"/>
               </a:rPr>
               <a:t>Create PivotTables</a:t>
             </a:r>
@@ -9459,7 +9112,7 @@
                 <a:effectLst/>
                 <a:latin typeface="Arial" panose="020B0604020202020204" pitchFamily="34" charset="0"/>
                 <a:ea typeface="Times New Roman" panose="02020603050405020304" pitchFamily="18" charset="0"/>
-                <a:hlinkClick r:id="rId3"/>
+                <a:hlinkClick r:id="rId4"/>
               </a:rPr>
               <a:t>Choosing Fields</a:t>
             </a:r>
@@ -9498,7 +9151,7 @@
                 <a:effectLst/>
                 <a:latin typeface="Arial" panose="020B0604020202020204" pitchFamily="34" charset="0"/>
                 <a:ea typeface="Times New Roman" panose="02020603050405020304" pitchFamily="18" charset="0"/>
-                <a:hlinkClick r:id="rId4"/>
+                <a:hlinkClick r:id="rId5"/>
               </a:rPr>
               <a:t>Customizing PivotTables Reports</a:t>
             </a:r>
@@ -9537,7 +9190,7 @@
                 <a:effectLst/>
                 <a:latin typeface="Arial" panose="020B0604020202020204" pitchFamily="34" charset="0"/>
                 <a:ea typeface="Times New Roman" panose="02020603050405020304" pitchFamily="18" charset="0"/>
-                <a:hlinkClick r:id="rId5"/>
+                <a:hlinkClick r:id="rId6"/>
               </a:rPr>
               <a:t>Filtering PivotTables</a:t>
             </a:r>
@@ -9576,7 +9229,7 @@
                 <a:effectLst/>
                 <a:latin typeface="Arial" panose="020B0604020202020204" pitchFamily="34" charset="0"/>
                 <a:ea typeface="Times New Roman" panose="02020603050405020304" pitchFamily="18" charset="0"/>
-                <a:hlinkClick r:id="rId6"/>
+                <a:hlinkClick r:id="rId7"/>
               </a:rPr>
               <a:t>PivotCharts</a:t>
             </a:r>
@@ -9618,19 +9271,18 @@
           <a:bodyPr wrap="square" rtlCol="0" anchor="t">
             <a:spAutoFit/>
           </a:bodyPr>
+          <a:lstStyle/>
           <a:p>
             <a:r>
               <a:rPr lang="en-US"/>
               <a:t>https://www.ablebits.com/office-addins-blog/pivot-charts-excel/</a:t>
             </a:r>
-            <a:endParaRPr lang="en-US"/>
           </a:p>
           <a:p>
             <a:r>
               <a:rPr lang="en-US"/>
               <a:t>https://blog.hubspot.com/marketing/how-to-create-pivot-table-tutorial-ht</a:t>
             </a:r>
-            <a:endParaRPr lang="en-US"/>
           </a:p>
           <a:p>
             <a:endParaRPr lang="en-US"/>
@@ -9657,12 +9309,12 @@
           <a:bodyPr wrap="square" rtlCol="0" anchor="t">
             <a:spAutoFit/>
           </a:bodyPr>
+          <a:lstStyle/>
           <a:p>
             <a:r>
               <a:rPr lang="en-US"/>
               <a:t>https://support.microsoft.com/en-us/office/use-multiple-tables-to-create-a-pivottable-b5e3ff48-2921-4e29-be15-511e09b5cf2d</a:t>
             </a:r>
-            <a:endParaRPr lang="en-US"/>
           </a:p>
         </p:txBody>
       </p:sp>
@@ -9686,12 +9338,12 @@
           <a:bodyPr wrap="square" rtlCol="0" anchor="t">
             <a:spAutoFit/>
           </a:bodyPr>
+          <a:lstStyle/>
           <a:p>
             <a:r>
               <a:rPr lang="en-US"/>
               <a:t>https://www.ablebits.com/office-addins-blog/excel-slicer-pivot-table-chart/</a:t>
             </a:r>
-            <a:endParaRPr lang="en-US"/>
           </a:p>
         </p:txBody>
       </p:sp>
@@ -9715,12 +9367,12 @@
           <a:bodyPr wrap="square" rtlCol="0" anchor="t">
             <a:spAutoFit/>
           </a:bodyPr>
+          <a:lstStyle/>
           <a:p>
             <a:r>
               <a:rPr lang="en-US" b="1"/>
               <a:t>https://www.academyoflearning.com/blog/slicers-in-excel-what-they-are-and-how-to-use-them/</a:t>
             </a:r>
-            <a:endParaRPr lang="en-US" b="1"/>
           </a:p>
         </p:txBody>
       </p:sp>
@@ -9744,12 +9396,12 @@
           <a:bodyPr wrap="square" rtlCol="0" anchor="t">
             <a:spAutoFit/>
           </a:bodyPr>
+          <a:lstStyle/>
           <a:p>
             <a:r>
               <a:rPr lang="en-US"/>
               <a:t>https://www.simplilearn.com/tutorials/excel-tutorial/how-to-create-pivot-table-from-multiple-sheets</a:t>
             </a:r>
-            <a:endParaRPr lang="en-US"/>
           </a:p>
         </p:txBody>
       </p:sp>
@@ -9773,12 +9425,12 @@
           <a:bodyPr wrap="square" rtlCol="0" anchor="t">
             <a:spAutoFit/>
           </a:bodyPr>
+          <a:lstStyle/>
           <a:p>
             <a:r>
               <a:rPr lang="en-US"/>
               <a:t>https://www.geeksforgeeks.org/creating-a-data-model-in-excel/</a:t>
             </a:r>
-            <a:endParaRPr lang="en-US"/>
           </a:p>
         </p:txBody>
       </p:sp>
@@ -9799,7 +9451,14 @@
         <p:cNvGrpSpPr/>
         <p:nvPr/>
       </p:nvGrpSpPr>
-      <p:grpSpPr/>
+      <p:grpSpPr>
+        <a:xfrm>
+          <a:off x="0" y="0"/>
+          <a:ext cx="0" cy="0"/>
+          <a:chOff x="0" y="0"/>
+          <a:chExt cx="0" cy="0"/>
+        </a:xfrm>
+      </p:grpSpPr>
       <p:sp>
         <p:nvSpPr>
           <p:cNvPr id="2" name="Text Box 1"/>
@@ -9819,6 +9478,7 @@
           <a:bodyPr wrap="square">
             <a:spAutoFit/>
           </a:bodyPr>
+          <a:lstStyle/>
           <a:p>
             <a:r>
               <a:rPr sz="2400" b="1">
@@ -9831,14 +9491,6 @@
               </a:rPr>
               <a:t> A PivotTable</a:t>
             </a:r>
-            <a:endParaRPr sz="2400" b="1">
-              <a:solidFill>
-                <a:srgbClr val="C00000"/>
-              </a:solidFill>
-              <a:highlight>
-                <a:srgbClr val="FFFF00"/>
-              </a:highlight>
-            </a:endParaRPr>
           </a:p>
           <a:p>
             <a:r>
@@ -9856,7 +9508,6 @@
               <a:rPr sz="1600"/>
               <a:t>is an Excel tool used to summarize, analyze, and explore large datasets by automatically grouping and organizing data in a dynamic table.</a:t>
             </a:r>
-            <a:endParaRPr sz="1600"/>
           </a:p>
           <a:p>
             <a:endParaRPr sz="1600"/>
@@ -9866,7 +9517,6 @@
               <a:rPr sz="1600"/>
               <a:t>Purpose: PivotTables make it easy to view data from different perspectives, answer specific questions, and extract insights quickly.</a:t>
             </a:r>
-            <a:endParaRPr sz="1600"/>
           </a:p>
         </p:txBody>
       </p:sp>
@@ -9890,6 +9540,7 @@
           <a:bodyPr wrap="square" rtlCol="0">
             <a:spAutoFit/>
           </a:bodyPr>
+          <a:lstStyle/>
           <a:p>
             <a:r>
               <a:rPr lang="en-US" b="1">
@@ -9901,13 +9552,6 @@
               </a:rPr>
               <a:t>2. Creating a PivotTable</a:t>
             </a:r>
-            <a:endParaRPr lang="en-US" b="1">
-              <a:solidFill>
-                <a:srgbClr val="C00000"/>
-              </a:solidFill>
-              <a:latin typeface="Arial" panose="020B0604020202020204" pitchFamily="34" charset="0"/>
-              <a:cs typeface="Arial" panose="020B0604020202020204" pitchFamily="34" charset="0"/>
-            </a:endParaRPr>
           </a:p>
           <a:p>
             <a:r>
@@ -9917,10 +9561,6 @@
               </a:rPr>
               <a:t>Step-by-Step Process:</a:t>
             </a:r>
-            <a:endParaRPr lang="en-US" sz="1400" b="1">
-              <a:latin typeface="Arial" panose="020B0604020202020204" pitchFamily="34" charset="0"/>
-              <a:cs typeface="Arial" panose="020B0604020202020204" pitchFamily="34" charset="0"/>
-            </a:endParaRPr>
           </a:p>
           <a:p>
             <a:endParaRPr lang="en-US" sz="1400">
@@ -9936,10 +9576,6 @@
               </a:rPr>
               <a:t>Select Your Data: Choose the dataset you want to summarize (ideally in a tabular format with headers).</a:t>
             </a:r>
-            <a:endParaRPr lang="en-US" sz="1400">
-              <a:latin typeface="Arial" panose="020B0604020202020204" pitchFamily="34" charset="0"/>
-              <a:cs typeface="Arial" panose="020B0604020202020204" pitchFamily="34" charset="0"/>
-            </a:endParaRPr>
           </a:p>
           <a:p>
             <a:pPr marL="742950" lvl="1" indent="-285750">
@@ -9953,10 +9589,6 @@
               </a:rPr>
               <a:t>Insert a PivotTable:</a:t>
             </a:r>
-            <a:endParaRPr lang="en-US" sz="1400">
-              <a:latin typeface="Arial" panose="020B0604020202020204" pitchFamily="34" charset="0"/>
-              <a:cs typeface="Arial" panose="020B0604020202020204" pitchFamily="34" charset="0"/>
-            </a:endParaRPr>
           </a:p>
           <a:p>
             <a:pPr marL="742950" lvl="1" indent="-285750">
@@ -9970,10 +9602,6 @@
               </a:rPr>
               <a:t>Go to Insert &gt; PivotTable.</a:t>
             </a:r>
-            <a:endParaRPr lang="en-US" sz="1400">
-              <a:latin typeface="Arial" panose="020B0604020202020204" pitchFamily="34" charset="0"/>
-              <a:cs typeface="Arial" panose="020B0604020202020204" pitchFamily="34" charset="0"/>
-            </a:endParaRPr>
           </a:p>
           <a:p>
             <a:pPr marL="742950" lvl="1" indent="-285750">
@@ -9987,10 +9615,6 @@
               </a:rPr>
               <a:t>Select the data range and choose where to place the PivotTable (new worksheet or existing worksheet).</a:t>
             </a:r>
-            <a:endParaRPr lang="en-US" sz="1400">
-              <a:latin typeface="Arial" panose="020B0604020202020204" pitchFamily="34" charset="0"/>
-              <a:cs typeface="Arial" panose="020B0604020202020204" pitchFamily="34" charset="0"/>
-            </a:endParaRPr>
           </a:p>
           <a:p>
             <a:pPr marL="742950" lvl="1" indent="-285750">
@@ -10004,10 +9628,6 @@
               </a:rPr>
               <a:t>Set Up the PivotTable: After creating it, the PivotTable Field List will appear on the right.</a:t>
             </a:r>
-            <a:endParaRPr lang="en-US" sz="1400">
-              <a:latin typeface="Arial" panose="020B0604020202020204" pitchFamily="34" charset="0"/>
-              <a:cs typeface="Arial" panose="020B0604020202020204" pitchFamily="34" charset="0"/>
-            </a:endParaRPr>
           </a:p>
           <a:p>
             <a:pPr marL="742950" lvl="1" indent="-285750">
@@ -10021,10 +9641,6 @@
               </a:rPr>
               <a:t>Practice Activity: Have students create a simple PivotTable from a sample dataset, such as sales data or employee data.</a:t>
             </a:r>
-            <a:endParaRPr lang="en-US" sz="1400">
-              <a:latin typeface="Arial" panose="020B0604020202020204" pitchFamily="34" charset="0"/>
-              <a:cs typeface="Arial" panose="020B0604020202020204" pitchFamily="34" charset="0"/>
-            </a:endParaRPr>
           </a:p>
           <a:p>
             <a:endParaRPr lang="en-US" sz="1400">
@@ -10054,6 +9670,7 @@
           <a:bodyPr wrap="square" rtlCol="0">
             <a:spAutoFit/>
           </a:bodyPr>
+          <a:lstStyle/>
           <a:p>
             <a:r>
               <a:rPr lang="en-US" b="1">
@@ -10065,13 +9682,6 @@
               </a:rPr>
               <a:t>3. Choosing Fields in a PivotTable</a:t>
             </a:r>
-            <a:endParaRPr lang="en-US" b="1">
-              <a:solidFill>
-                <a:srgbClr val="C00000"/>
-              </a:solidFill>
-              <a:latin typeface="Arial" panose="020B0604020202020204" pitchFamily="34" charset="0"/>
-              <a:cs typeface="Arial" panose="020B0604020202020204" pitchFamily="34" charset="0"/>
-            </a:endParaRPr>
           </a:p>
           <a:p>
             <a:r>
@@ -10081,10 +9691,6 @@
               </a:rPr>
               <a:t>Fields and Areas:</a:t>
             </a:r>
-            <a:endParaRPr lang="en-US" sz="1400" b="1">
-              <a:latin typeface="Arial" panose="020B0604020202020204" pitchFamily="34" charset="0"/>
-              <a:cs typeface="Arial" panose="020B0604020202020204" pitchFamily="34" charset="0"/>
-            </a:endParaRPr>
           </a:p>
           <a:p>
             <a:endParaRPr lang="en-US" sz="1400">
@@ -10100,6 +9706,62 @@
               </a:rPr>
               <a:t>The PivotTable Field List shows all the columns (fields) in the dataset.</a:t>
             </a:r>
+          </a:p>
+          <a:p>
+            <a:r>
+              <a:rPr lang="en-US" sz="1400">
+                <a:latin typeface="Arial" panose="020B0604020202020204" pitchFamily="34" charset="0"/>
+                <a:cs typeface="Arial" panose="020B0604020202020204" pitchFamily="34" charset="0"/>
+              </a:rPr>
+              <a:t>Fields are dragged into four areas:</a:t>
+            </a:r>
+          </a:p>
+          <a:p>
+            <a:r>
+              <a:rPr lang="en-US" sz="1400">
+                <a:latin typeface="Arial" panose="020B0604020202020204" pitchFamily="34" charset="0"/>
+                <a:cs typeface="Arial" panose="020B0604020202020204" pitchFamily="34" charset="0"/>
+              </a:rPr>
+              <a:t>Rows: Adds rows to the PivotTable, grouping data vertically.</a:t>
+            </a:r>
+          </a:p>
+          <a:p>
+            <a:r>
+              <a:rPr lang="en-US" sz="1400">
+                <a:latin typeface="Arial" panose="020B0604020202020204" pitchFamily="34" charset="0"/>
+                <a:cs typeface="Arial" panose="020B0604020202020204" pitchFamily="34" charset="0"/>
+              </a:rPr>
+              <a:t>Columns: Adds columns to the PivotTable, grouping data horizontally.</a:t>
+            </a:r>
+          </a:p>
+          <a:p>
+            <a:r>
+              <a:rPr lang="en-US" sz="1400">
+                <a:latin typeface="Arial" panose="020B0604020202020204" pitchFamily="34" charset="0"/>
+                <a:cs typeface="Arial" panose="020B0604020202020204" pitchFamily="34" charset="0"/>
+              </a:rPr>
+              <a:t>Values: Contains the data you want to summarize (usually with counts, sums, averages).</a:t>
+            </a:r>
+          </a:p>
+          <a:p>
+            <a:r>
+              <a:rPr lang="en-US" sz="1400">
+                <a:latin typeface="Arial" panose="020B0604020202020204" pitchFamily="34" charset="0"/>
+                <a:cs typeface="Arial" panose="020B0604020202020204" pitchFamily="34" charset="0"/>
+              </a:rPr>
+              <a:t>Filters: Allows for filtering the entire table by specific values in a chosen field.</a:t>
+            </a:r>
+          </a:p>
+          <a:p>
+            <a:r>
+              <a:rPr lang="en-US" sz="1400">
+                <a:latin typeface="Arial" panose="020B0604020202020204" pitchFamily="34" charset="0"/>
+                <a:cs typeface="Arial" panose="020B0604020202020204" pitchFamily="34" charset="0"/>
+              </a:rPr>
+              <a:t>Example:</a:t>
+            </a:r>
+          </a:p>
+          <a:p>
             <a:endParaRPr lang="en-US" sz="1400">
               <a:latin typeface="Arial" panose="020B0604020202020204" pitchFamily="34" charset="0"/>
               <a:cs typeface="Arial" panose="020B0604020202020204" pitchFamily="34" charset="0"/>
@@ -10111,12 +9773,8 @@
                 <a:latin typeface="Arial" panose="020B0604020202020204" pitchFamily="34" charset="0"/>
                 <a:cs typeface="Arial" panose="020B0604020202020204" pitchFamily="34" charset="0"/>
               </a:rPr>
-              <a:t>Fields are dragged into four areas:</a:t>
-            </a:r>
-            <a:endParaRPr lang="en-US" sz="1400">
-              <a:latin typeface="Arial" panose="020B0604020202020204" pitchFamily="34" charset="0"/>
-              <a:cs typeface="Arial" panose="020B0604020202020204" pitchFamily="34" charset="0"/>
-            </a:endParaRPr>
+              <a:t>Add "Product" to Rows, "Region" to Columns, and "Sales" to Values.</a:t>
+            </a:r>
           </a:p>
           <a:p>
             <a:r>
@@ -10124,96 +9782,8 @@
                 <a:latin typeface="Arial" panose="020B0604020202020204" pitchFamily="34" charset="0"/>
                 <a:cs typeface="Arial" panose="020B0604020202020204" pitchFamily="34" charset="0"/>
               </a:rPr>
-              <a:t>Rows: Adds rows to the PivotTable, grouping data vertically.</a:t>
-            </a:r>
-            <a:endParaRPr lang="en-US" sz="1400">
-              <a:latin typeface="Arial" panose="020B0604020202020204" pitchFamily="34" charset="0"/>
-              <a:cs typeface="Arial" panose="020B0604020202020204" pitchFamily="34" charset="0"/>
-            </a:endParaRPr>
-          </a:p>
-          <a:p>
-            <a:r>
-              <a:rPr lang="en-US" sz="1400">
-                <a:latin typeface="Arial" panose="020B0604020202020204" pitchFamily="34" charset="0"/>
-                <a:cs typeface="Arial" panose="020B0604020202020204" pitchFamily="34" charset="0"/>
-              </a:rPr>
-              <a:t>Columns: Adds columns to the PivotTable, grouping data horizontally.</a:t>
-            </a:r>
-            <a:endParaRPr lang="en-US" sz="1400">
-              <a:latin typeface="Arial" panose="020B0604020202020204" pitchFamily="34" charset="0"/>
-              <a:cs typeface="Arial" panose="020B0604020202020204" pitchFamily="34" charset="0"/>
-            </a:endParaRPr>
-          </a:p>
-          <a:p>
-            <a:r>
-              <a:rPr lang="en-US" sz="1400">
-                <a:latin typeface="Arial" panose="020B0604020202020204" pitchFamily="34" charset="0"/>
-                <a:cs typeface="Arial" panose="020B0604020202020204" pitchFamily="34" charset="0"/>
-              </a:rPr>
-              <a:t>Values: Contains the data you want to summarize (usually with counts, sums, averages).</a:t>
-            </a:r>
-            <a:endParaRPr lang="en-US" sz="1400">
-              <a:latin typeface="Arial" panose="020B0604020202020204" pitchFamily="34" charset="0"/>
-              <a:cs typeface="Arial" panose="020B0604020202020204" pitchFamily="34" charset="0"/>
-            </a:endParaRPr>
-          </a:p>
-          <a:p>
-            <a:r>
-              <a:rPr lang="en-US" sz="1400">
-                <a:latin typeface="Arial" panose="020B0604020202020204" pitchFamily="34" charset="0"/>
-                <a:cs typeface="Arial" panose="020B0604020202020204" pitchFamily="34" charset="0"/>
-              </a:rPr>
-              <a:t>Filters: Allows for filtering the entire table by specific values in a chosen field.</a:t>
-            </a:r>
-            <a:endParaRPr lang="en-US" sz="1400">
-              <a:latin typeface="Arial" panose="020B0604020202020204" pitchFamily="34" charset="0"/>
-              <a:cs typeface="Arial" panose="020B0604020202020204" pitchFamily="34" charset="0"/>
-            </a:endParaRPr>
-          </a:p>
-          <a:p>
-            <a:r>
-              <a:rPr lang="en-US" sz="1400">
-                <a:latin typeface="Arial" panose="020B0604020202020204" pitchFamily="34" charset="0"/>
-                <a:cs typeface="Arial" panose="020B0604020202020204" pitchFamily="34" charset="0"/>
-              </a:rPr>
-              <a:t>Example:</a:t>
-            </a:r>
-            <a:endParaRPr lang="en-US" sz="1400">
-              <a:latin typeface="Arial" panose="020B0604020202020204" pitchFamily="34" charset="0"/>
-              <a:cs typeface="Arial" panose="020B0604020202020204" pitchFamily="34" charset="0"/>
-            </a:endParaRPr>
-          </a:p>
-          <a:p>
-            <a:endParaRPr lang="en-US" sz="1400">
-              <a:latin typeface="Arial" panose="020B0604020202020204" pitchFamily="34" charset="0"/>
-              <a:cs typeface="Arial" panose="020B0604020202020204" pitchFamily="34" charset="0"/>
-            </a:endParaRPr>
-          </a:p>
-          <a:p>
-            <a:r>
-              <a:rPr lang="en-US" sz="1400">
-                <a:latin typeface="Arial" panose="020B0604020202020204" pitchFamily="34" charset="0"/>
-                <a:cs typeface="Arial" panose="020B0604020202020204" pitchFamily="34" charset="0"/>
-              </a:rPr>
-              <a:t>Add "Product" to Rows, "Region" to Columns, and "Sales" to Values.</a:t>
-            </a:r>
-            <a:endParaRPr lang="en-US" sz="1400">
-              <a:latin typeface="Arial" panose="020B0604020202020204" pitchFamily="34" charset="0"/>
-              <a:cs typeface="Arial" panose="020B0604020202020204" pitchFamily="34" charset="0"/>
-            </a:endParaRPr>
-          </a:p>
-          <a:p>
-            <a:r>
-              <a:rPr lang="en-US" sz="1400">
-                <a:latin typeface="Arial" panose="020B0604020202020204" pitchFamily="34" charset="0"/>
-                <a:cs typeface="Arial" panose="020B0604020202020204" pitchFamily="34" charset="0"/>
-              </a:rPr>
               <a:t>This setup shows sales by product and region in a summarized grid format.</a:t>
             </a:r>
-            <a:endParaRPr lang="en-US" sz="1400">
-              <a:latin typeface="Arial" panose="020B0604020202020204" pitchFamily="34" charset="0"/>
-              <a:cs typeface="Arial" panose="020B0604020202020204" pitchFamily="34" charset="0"/>
-            </a:endParaRPr>
           </a:p>
         </p:txBody>
       </p:sp>
@@ -10234,7 +9804,14 @@
         <p:cNvGrpSpPr/>
         <p:nvPr/>
       </p:nvGrpSpPr>
-      <p:grpSpPr/>
+      <p:grpSpPr>
+        <a:xfrm>
+          <a:off x="0" y="0"/>
+          <a:ext cx="0" cy="0"/>
+          <a:chOff x="0" y="0"/>
+          <a:chExt cx="0" cy="0"/>
+        </a:xfrm>
+      </p:grpSpPr>
       <p:sp>
         <p:nvSpPr>
           <p:cNvPr id="3" name="Text Box 2"/>
@@ -10255,6 +9832,7 @@
           <a:bodyPr wrap="square" rtlCol="0">
             <a:spAutoFit/>
           </a:bodyPr>
+          <a:lstStyle/>
           <a:p>
             <a:r>
               <a:rPr lang="en-US" b="1">
@@ -10264,11 +9842,6 @@
               </a:rPr>
               <a:t>4. Customizing PivotTable Reports</a:t>
             </a:r>
-            <a:endParaRPr lang="en-US" b="1">
-              <a:solidFill>
-                <a:srgbClr val="C00000"/>
-              </a:solidFill>
-            </a:endParaRPr>
           </a:p>
           <a:p>
             <a:pPr marL="285750" indent="-285750">
@@ -10279,7 +9852,6 @@
               <a:rPr lang="en-US" sz="1400"/>
               <a:t>Value Field Settings: Customize how data in the Values area is calculated:</a:t>
             </a:r>
-            <a:endParaRPr lang="en-US" sz="1400"/>
           </a:p>
           <a:p>
             <a:pPr marL="285750" indent="-285750">
@@ -10297,7 +9869,6 @@
               <a:rPr lang="en-US" sz="1400"/>
               <a:t>Right-click on a value field &gt; Value Field Settings.</a:t>
             </a:r>
-            <a:endParaRPr lang="en-US" sz="1400"/>
           </a:p>
           <a:p>
             <a:pPr marL="742950" lvl="1" indent="-285750">
@@ -10308,7 +9879,6 @@
               <a:rPr lang="en-US" sz="1400"/>
               <a:t>Options include Sum, Count, Average, Max, Min, etc.</a:t>
             </a:r>
-            <a:endParaRPr lang="en-US" sz="1400"/>
           </a:p>
           <a:p>
             <a:pPr marL="285750" indent="-285750">
@@ -10319,7 +9889,6 @@
               <a:rPr lang="en-US" sz="1400"/>
               <a:t>Formatting: Use the Design tab under PivotTable Tools to change styles and formats.</a:t>
             </a:r>
-            <a:endParaRPr lang="en-US" sz="1400"/>
           </a:p>
           <a:p>
             <a:pPr marL="285750" indent="-285750">
@@ -10337,7 +9906,6 @@
               <a:rPr lang="en-US" sz="1400"/>
               <a:t>Grouping Data: Group dates by month, quarter, or year, or group numerical data by ranges.</a:t>
             </a:r>
-            <a:endParaRPr lang="en-US" sz="1400"/>
           </a:p>
           <a:p>
             <a:pPr marL="285750" indent="-285750">
@@ -10355,7 +9923,6 @@
               <a:rPr lang="en-US" sz="1400"/>
               <a:t>Sorting and Arranging: Sort data by ascending/descending order or by value (e.g., show highest sales first).</a:t>
             </a:r>
-            <a:endParaRPr lang="en-US" sz="1400"/>
           </a:p>
           <a:p>
             <a:pPr indent="0">
@@ -10373,7 +9940,6 @@
               <a:rPr lang="en-US" sz="1400"/>
               <a:t>Practice Activity: Customize a PivotTable to show total and average sales by product and region.</a:t>
             </a:r>
-            <a:endParaRPr lang="en-US" sz="1400"/>
           </a:p>
           <a:p>
             <a:endParaRPr lang="en-US" sz="1400"/>
@@ -10400,6 +9966,7 @@
           <a:bodyPr wrap="square" rtlCol="0">
             <a:spAutoFit/>
           </a:bodyPr>
+          <a:lstStyle/>
           <a:p>
             <a:r>
               <a:rPr lang="en-US" sz="1600" b="1">
@@ -10411,13 +9978,6 @@
               </a:rPr>
               <a:t>5. Filtering PivotTables</a:t>
             </a:r>
-            <a:endParaRPr lang="en-US" sz="1600" b="1">
-              <a:solidFill>
-                <a:srgbClr val="C00000"/>
-              </a:solidFill>
-              <a:latin typeface="Arial" panose="020B0604020202020204" pitchFamily="34" charset="0"/>
-              <a:cs typeface="Arial" panose="020B0604020202020204" pitchFamily="34" charset="0"/>
-            </a:endParaRPr>
           </a:p>
           <a:p>
             <a:r>
@@ -10427,23 +9987,74 @@
               </a:rPr>
               <a:t>Filter Area: Use the Filters area in the PivotTable Field List to add fields that filter the entire report.</a:t>
             </a:r>
+          </a:p>
+          <a:p>
+            <a:r>
+              <a:rPr lang="en-US" sz="1400" b="1">
+                <a:latin typeface="Arial" panose="020B0604020202020204" pitchFamily="34" charset="0"/>
+                <a:cs typeface="Arial" panose="020B0604020202020204" pitchFamily="34" charset="0"/>
+              </a:rPr>
+              <a:t>Label and Value Filters:</a:t>
+            </a:r>
+          </a:p>
+          <a:p>
             <a:endParaRPr lang="en-US" sz="1400">
               <a:latin typeface="Arial" panose="020B0604020202020204" pitchFamily="34" charset="0"/>
               <a:cs typeface="Arial" panose="020B0604020202020204" pitchFamily="34" charset="0"/>
             </a:endParaRPr>
           </a:p>
           <a:p>
+            <a:pPr marL="285750" indent="-285750">
+              <a:buFont typeface="Arial" panose="020B0604020202020204" pitchFamily="34" charset="0"/>
+              <a:buChar char="•"/>
+            </a:pPr>
             <a:r>
               <a:rPr lang="en-US" sz="1400" b="1">
                 <a:latin typeface="Arial" panose="020B0604020202020204" pitchFamily="34" charset="0"/>
                 <a:cs typeface="Arial" panose="020B0604020202020204" pitchFamily="34" charset="0"/>
               </a:rPr>
-              <a:t>Label and Value Filters:</a:t>
-            </a:r>
-            <a:endParaRPr lang="en-US" sz="1400" b="1">
-              <a:latin typeface="Arial" panose="020B0604020202020204" pitchFamily="34" charset="0"/>
-              <a:cs typeface="Arial" panose="020B0604020202020204" pitchFamily="34" charset="0"/>
-            </a:endParaRPr>
+              <a:t>Label Filters: </a:t>
+            </a:r>
+            <a:r>
+              <a:rPr lang="en-US" sz="1400">
+                <a:latin typeface="Arial" panose="020B0604020202020204" pitchFamily="34" charset="0"/>
+                <a:cs typeface="Arial" panose="020B0604020202020204" pitchFamily="34" charset="0"/>
+              </a:rPr>
+              <a:t>Filter by criteria based on labels (e.g., show only products that start with "A").</a:t>
+            </a:r>
+          </a:p>
+          <a:p>
+            <a:pPr marL="285750" indent="-285750">
+              <a:buFont typeface="Arial" panose="020B0604020202020204" pitchFamily="34" charset="0"/>
+              <a:buChar char="•"/>
+            </a:pPr>
+            <a:r>
+              <a:rPr lang="en-US" sz="1400" b="1">
+                <a:latin typeface="Arial" panose="020B0604020202020204" pitchFamily="34" charset="0"/>
+                <a:cs typeface="Arial" panose="020B0604020202020204" pitchFamily="34" charset="0"/>
+              </a:rPr>
+              <a:t>Value Filters: </a:t>
+            </a:r>
+            <a:r>
+              <a:rPr lang="en-US" sz="1400">
+                <a:latin typeface="Arial" panose="020B0604020202020204" pitchFamily="34" charset="0"/>
+                <a:cs typeface="Arial" panose="020B0604020202020204" pitchFamily="34" charset="0"/>
+              </a:rPr>
+              <a:t>Filter data by numerical criteria (e.g., show only items with sales &gt; $5000).</a:t>
+            </a:r>
+          </a:p>
+          <a:p>
+            <a:pPr marL="285750" indent="-285750">
+              <a:buFont typeface="Arial" panose="020B0604020202020204" pitchFamily="34" charset="0"/>
+              <a:buChar char="•"/>
+            </a:pPr>
+            <a:r>
+              <a:rPr lang="en-US" sz="1400" b="1">
+                <a:latin typeface="Arial" panose="020B0604020202020204" pitchFamily="34" charset="0"/>
+                <a:cs typeface="Arial" panose="020B0604020202020204" pitchFamily="34" charset="0"/>
+              </a:rPr>
+              <a:t>Slicers:</a:t>
+            </a:r>
           </a:p>
           <a:p>
             <a:endParaRPr lang="en-US" sz="1400">
@@ -10452,133 +10063,46 @@
             </a:endParaRPr>
           </a:p>
           <a:p>
-            <a:pPr marL="285750" indent="-285750">
-              <a:buFont typeface="Arial" panose="020B0604020202020204" pitchFamily="34" charset="0"/>
-              <a:buChar char="•"/>
-            </a:pPr>
-            <a:r>
-              <a:rPr lang="en-US" sz="1400" b="1">
+            <a:r>
+              <a:rPr lang="en-US" sz="1400">
                 <a:latin typeface="Arial" panose="020B0604020202020204" pitchFamily="34" charset="0"/>
                 <a:cs typeface="Arial" panose="020B0604020202020204" pitchFamily="34" charset="0"/>
               </a:rPr>
-              <a:t>Label Filters: </a:t>
-            </a:r>
+              <a:t>Definition: Slicers are visual, clickable buttons used to filter PivotTables.</a:t>
+            </a:r>
+          </a:p>
+          <a:p>
             <a:r>
               <a:rPr lang="en-US" sz="1400">
                 <a:latin typeface="Arial" panose="020B0604020202020204" pitchFamily="34" charset="0"/>
                 <a:cs typeface="Arial" panose="020B0604020202020204" pitchFamily="34" charset="0"/>
               </a:rPr>
-              <a:t>Filter by criteria based on labels (e.g., show only products that start with "A").</a:t>
-            </a:r>
+              <a:t>Adding Slicers: Go to PivotTable Analyze &gt; Insert Slicer and select fields.</a:t>
+            </a:r>
+          </a:p>
+          <a:p>
+            <a:r>
+              <a:rPr lang="en-US" sz="1400">
+                <a:latin typeface="Arial" panose="020B0604020202020204" pitchFamily="34" charset="0"/>
+                <a:cs typeface="Arial" panose="020B0604020202020204" pitchFamily="34" charset="0"/>
+              </a:rPr>
+              <a:t>Timeline: Use for date-based filtering in PivotTables. Useful for filtering data by time ranges (months, quarters, years).</a:t>
+            </a:r>
+          </a:p>
+          <a:p>
             <a:endParaRPr lang="en-US" sz="1400">
               <a:latin typeface="Arial" panose="020B0604020202020204" pitchFamily="34" charset="0"/>
               <a:cs typeface="Arial" panose="020B0604020202020204" pitchFamily="34" charset="0"/>
             </a:endParaRPr>
           </a:p>
           <a:p>
-            <a:pPr marL="285750" indent="-285750">
-              <a:buFont typeface="Arial" panose="020B0604020202020204" pitchFamily="34" charset="0"/>
-              <a:buChar char="•"/>
-            </a:pPr>
-            <a:r>
-              <a:rPr lang="en-US" sz="1400" b="1">
+            <a:r>
+              <a:rPr lang="en-US" sz="1400">
                 <a:latin typeface="Arial" panose="020B0604020202020204" pitchFamily="34" charset="0"/>
                 <a:cs typeface="Arial" panose="020B0604020202020204" pitchFamily="34" charset="0"/>
               </a:rPr>
-              <a:t>Value Filters: </a:t>
-            </a:r>
-            <a:r>
-              <a:rPr lang="en-US" sz="1400">
-                <a:latin typeface="Arial" panose="020B0604020202020204" pitchFamily="34" charset="0"/>
-                <a:cs typeface="Arial" panose="020B0604020202020204" pitchFamily="34" charset="0"/>
-              </a:rPr>
-              <a:t>Filter data by numerical criteria (e.g., show only items with sales &gt; $5000).</a:t>
-            </a:r>
-            <a:endParaRPr lang="en-US" sz="1400">
-              <a:latin typeface="Arial" panose="020B0604020202020204" pitchFamily="34" charset="0"/>
-              <a:cs typeface="Arial" panose="020B0604020202020204" pitchFamily="34" charset="0"/>
-            </a:endParaRPr>
-          </a:p>
-          <a:p>
-            <a:pPr marL="285750" indent="-285750">
-              <a:buFont typeface="Arial" panose="020B0604020202020204" pitchFamily="34" charset="0"/>
-              <a:buChar char="•"/>
-            </a:pPr>
-            <a:r>
-              <a:rPr lang="en-US" sz="1400" b="1">
-                <a:latin typeface="Arial" panose="020B0604020202020204" pitchFamily="34" charset="0"/>
-                <a:cs typeface="Arial" panose="020B0604020202020204" pitchFamily="34" charset="0"/>
-              </a:rPr>
-              <a:t>Slicers:</a:t>
-            </a:r>
-            <a:endParaRPr lang="en-US" sz="1400" b="1">
-              <a:latin typeface="Arial" panose="020B0604020202020204" pitchFamily="34" charset="0"/>
-              <a:cs typeface="Arial" panose="020B0604020202020204" pitchFamily="34" charset="0"/>
-            </a:endParaRPr>
-          </a:p>
-          <a:p>
-            <a:endParaRPr lang="en-US" sz="1400">
-              <a:latin typeface="Arial" panose="020B0604020202020204" pitchFamily="34" charset="0"/>
-              <a:cs typeface="Arial" panose="020B0604020202020204" pitchFamily="34" charset="0"/>
-            </a:endParaRPr>
-          </a:p>
-          <a:p>
-            <a:r>
-              <a:rPr lang="en-US" sz="1400">
-                <a:latin typeface="Arial" panose="020B0604020202020204" pitchFamily="34" charset="0"/>
-                <a:cs typeface="Arial" panose="020B0604020202020204" pitchFamily="34" charset="0"/>
-              </a:rPr>
-              <a:t>Definition: Slicers are visual, clickable buttons used to filter PivotTables.</a:t>
-            </a:r>
-            <a:endParaRPr lang="en-US" sz="1400">
-              <a:latin typeface="Arial" panose="020B0604020202020204" pitchFamily="34" charset="0"/>
-              <a:cs typeface="Arial" panose="020B0604020202020204" pitchFamily="34" charset="0"/>
-            </a:endParaRPr>
-          </a:p>
-          <a:p>
-            <a:r>
-              <a:rPr lang="en-US" sz="1400">
-                <a:latin typeface="Arial" panose="020B0604020202020204" pitchFamily="34" charset="0"/>
-                <a:cs typeface="Arial" panose="020B0604020202020204" pitchFamily="34" charset="0"/>
-              </a:rPr>
-              <a:t>Adding Slicers: Go to PivotTable Analyze &gt; Insert Slicer and select fields.</a:t>
-            </a:r>
-            <a:endParaRPr lang="en-US" sz="1400">
-              <a:latin typeface="Arial" panose="020B0604020202020204" pitchFamily="34" charset="0"/>
-              <a:cs typeface="Arial" panose="020B0604020202020204" pitchFamily="34" charset="0"/>
-            </a:endParaRPr>
-          </a:p>
-          <a:p>
-            <a:r>
-              <a:rPr lang="en-US" sz="1400">
-                <a:latin typeface="Arial" panose="020B0604020202020204" pitchFamily="34" charset="0"/>
-                <a:cs typeface="Arial" panose="020B0604020202020204" pitchFamily="34" charset="0"/>
-              </a:rPr>
-              <a:t>Timeline: Use for date-based filtering in PivotTables. Useful for filtering data by time ranges (months, quarters, years).</a:t>
-            </a:r>
-            <a:endParaRPr lang="en-US" sz="1400">
-              <a:latin typeface="Arial" panose="020B0604020202020204" pitchFamily="34" charset="0"/>
-              <a:cs typeface="Arial" panose="020B0604020202020204" pitchFamily="34" charset="0"/>
-            </a:endParaRPr>
-          </a:p>
-          <a:p>
-            <a:endParaRPr lang="en-US" sz="1400">
-              <a:latin typeface="Arial" panose="020B0604020202020204" pitchFamily="34" charset="0"/>
-              <a:cs typeface="Arial" panose="020B0604020202020204" pitchFamily="34" charset="0"/>
-            </a:endParaRPr>
-          </a:p>
-          <a:p>
-            <a:r>
-              <a:rPr lang="en-US" sz="1400">
-                <a:latin typeface="Arial" panose="020B0604020202020204" pitchFamily="34" charset="0"/>
-                <a:cs typeface="Arial" panose="020B0604020202020204" pitchFamily="34" charset="0"/>
-              </a:rPr>
               <a:t>Practice Activity: Add a filter for "Region" and use slicers for "Product" in a sales data PivotTable.</a:t>
             </a:r>
-            <a:endParaRPr lang="en-US" sz="1400">
-              <a:latin typeface="Arial" panose="020B0604020202020204" pitchFamily="34" charset="0"/>
-              <a:cs typeface="Arial" panose="020B0604020202020204" pitchFamily="34" charset="0"/>
-            </a:endParaRPr>
           </a:p>
           <a:p>
             <a:endParaRPr lang="en-US" sz="1400">
@@ -10605,7 +10129,14 @@
         <p:cNvGrpSpPr/>
         <p:nvPr/>
       </p:nvGrpSpPr>
-      <p:grpSpPr/>
+      <p:grpSpPr>
+        <a:xfrm>
+          <a:off x="0" y="0"/>
+          <a:ext cx="0" cy="0"/>
+          <a:chOff x="0" y="0"/>
+          <a:chExt cx="0" cy="0"/>
+        </a:xfrm>
+      </p:grpSpPr>
       <p:sp>
         <p:nvSpPr>
           <p:cNvPr id="5" name="Text Box 4"/>
@@ -10626,6 +10157,7 @@
           <a:bodyPr wrap="square" rtlCol="0">
             <a:spAutoFit/>
           </a:bodyPr>
+          <a:lstStyle/>
           <a:p>
             <a:r>
               <a:rPr lang="en-US" b="1">
@@ -10637,13 +10169,6 @@
               </a:rPr>
               <a:t>6. Creating PivotCharts</a:t>
             </a:r>
-            <a:endParaRPr lang="en-US" b="1">
-              <a:solidFill>
-                <a:srgbClr val="C00000"/>
-              </a:solidFill>
-              <a:latin typeface="Arial" panose="020B0604020202020204" pitchFamily="34" charset="0"/>
-              <a:cs typeface="Arial" panose="020B0604020202020204" pitchFamily="34" charset="0"/>
-            </a:endParaRPr>
           </a:p>
           <a:p>
             <a:r>
@@ -10653,31 +10178,72 @@
               </a:rPr>
               <a:t>Definition: A PivotChart is a dynamic chart based on PivotTable data, allowing visual analysis and data exploration.</a:t>
             </a:r>
+          </a:p>
+          <a:p>
             <a:endParaRPr lang="en-US" sz="1400">
               <a:latin typeface="Arial" panose="020B0604020202020204" pitchFamily="34" charset="0"/>
               <a:cs typeface="Arial" panose="020B0604020202020204" pitchFamily="34" charset="0"/>
             </a:endParaRPr>
           </a:p>
           <a:p>
+            <a:r>
+              <a:rPr lang="en-US" sz="1400" b="1">
+                <a:latin typeface="Arial" panose="020B0604020202020204" pitchFamily="34" charset="0"/>
+                <a:cs typeface="Arial" panose="020B0604020202020204" pitchFamily="34" charset="0"/>
+              </a:rPr>
+              <a:t>Steps to Create:</a:t>
+            </a:r>
+          </a:p>
+          <a:p>
             <a:endParaRPr lang="en-US" sz="1400">
               <a:latin typeface="Arial" panose="020B0604020202020204" pitchFamily="34" charset="0"/>
               <a:cs typeface="Arial" panose="020B0604020202020204" pitchFamily="34" charset="0"/>
             </a:endParaRPr>
           </a:p>
           <a:p>
-            <a:r>
-              <a:rPr lang="en-US" sz="1400" b="1">
+            <a:pPr marL="285750" indent="-285750">
+              <a:buFont typeface="Arial" panose="020B0604020202020204" pitchFamily="34" charset="0"/>
+              <a:buChar char="•"/>
+            </a:pPr>
+            <a:r>
+              <a:rPr lang="en-US" sz="1400">
                 <a:latin typeface="Arial" panose="020B0604020202020204" pitchFamily="34" charset="0"/>
                 <a:cs typeface="Arial" panose="020B0604020202020204" pitchFamily="34" charset="0"/>
               </a:rPr>
-              <a:t>Steps to Create:</a:t>
-            </a:r>
-            <a:endParaRPr lang="en-US" sz="1400" b="1">
-              <a:latin typeface="Arial" panose="020B0604020202020204" pitchFamily="34" charset="0"/>
-              <a:cs typeface="Arial" panose="020B0604020202020204" pitchFamily="34" charset="0"/>
-            </a:endParaRPr>
-          </a:p>
-          <a:p>
+              <a:t>Select a PivotTable, then go to PivotTable Analyze &gt; PivotChart.</a:t>
+            </a:r>
+          </a:p>
+          <a:p>
+            <a:pPr marL="285750" indent="-285750">
+              <a:buFont typeface="Arial" panose="020B0604020202020204" pitchFamily="34" charset="0"/>
+              <a:buChar char="•"/>
+            </a:pPr>
+            <a:r>
+              <a:rPr lang="en-US" sz="1400">
+                <a:latin typeface="Arial" panose="020B0604020202020204" pitchFamily="34" charset="0"/>
+                <a:cs typeface="Arial" panose="020B0604020202020204" pitchFamily="34" charset="0"/>
+              </a:rPr>
+              <a:t>Choose a chart type (e.g., bar, column, line) that best represents the data.</a:t>
+            </a:r>
+          </a:p>
+          <a:p>
+            <a:pPr marL="285750" indent="-285750">
+              <a:buFont typeface="Arial" panose="020B0604020202020204" pitchFamily="34" charset="0"/>
+              <a:buChar char="•"/>
+            </a:pPr>
+            <a:r>
+              <a:rPr lang="en-US" sz="1400">
+                <a:latin typeface="Arial" panose="020B0604020202020204" pitchFamily="34" charset="0"/>
+                <a:cs typeface="Arial" panose="020B0604020202020204" pitchFamily="34" charset="0"/>
+              </a:rPr>
+              <a:t>Linking with PivotTables: PivotCharts are linked to PivotTables, so any change in the PivotTable (filtering, field adjustments) updates the PivotChart.</a:t>
+            </a:r>
+          </a:p>
+          <a:p>
+            <a:pPr marL="285750" indent="-285750">
+              <a:buFont typeface="Arial" panose="020B0604020202020204" pitchFamily="34" charset="0"/>
+              <a:buChar char="•"/>
+            </a:pPr>
             <a:endParaRPr lang="en-US" sz="1400">
               <a:latin typeface="Arial" panose="020B0604020202020204" pitchFamily="34" charset="0"/>
               <a:cs typeface="Arial" panose="020B0604020202020204" pitchFamily="34" charset="0"/>
@@ -10693,92 +10259,23 @@
                 <a:latin typeface="Arial" panose="020B0604020202020204" pitchFamily="34" charset="0"/>
                 <a:cs typeface="Arial" panose="020B0604020202020204" pitchFamily="34" charset="0"/>
               </a:rPr>
-              <a:t>Select a PivotTable, then go to PivotTable Analyze &gt; PivotChart.</a:t>
-            </a:r>
+              <a:t>Customization Options: Use the Chart Design tab to change the chart style, layout, and formatting.</a:t>
+            </a:r>
+          </a:p>
+          <a:p>
             <a:endParaRPr lang="en-US" sz="1400">
               <a:latin typeface="Arial" panose="020B0604020202020204" pitchFamily="34" charset="0"/>
               <a:cs typeface="Arial" panose="020B0604020202020204" pitchFamily="34" charset="0"/>
             </a:endParaRPr>
           </a:p>
           <a:p>
-            <a:pPr marL="285750" indent="-285750">
-              <a:buFont typeface="Arial" panose="020B0604020202020204" pitchFamily="34" charset="0"/>
-              <a:buChar char="•"/>
-            </a:pPr>
             <a:r>
               <a:rPr lang="en-US" sz="1400">
                 <a:latin typeface="Arial" panose="020B0604020202020204" pitchFamily="34" charset="0"/>
                 <a:cs typeface="Arial" panose="020B0604020202020204" pitchFamily="34" charset="0"/>
               </a:rPr>
-              <a:t>Choose a chart type (e.g., bar, column, line) that best represents the data.</a:t>
-            </a:r>
-            <a:endParaRPr lang="en-US" sz="1400">
-              <a:latin typeface="Arial" panose="020B0604020202020204" pitchFamily="34" charset="0"/>
-              <a:cs typeface="Arial" panose="020B0604020202020204" pitchFamily="34" charset="0"/>
-            </a:endParaRPr>
-          </a:p>
-          <a:p>
-            <a:pPr marL="285750" indent="-285750">
-              <a:buFont typeface="Arial" panose="020B0604020202020204" pitchFamily="34" charset="0"/>
-              <a:buChar char="•"/>
-            </a:pPr>
-            <a:r>
-              <a:rPr lang="en-US" sz="1400">
-                <a:latin typeface="Arial" panose="020B0604020202020204" pitchFamily="34" charset="0"/>
-                <a:cs typeface="Arial" panose="020B0604020202020204" pitchFamily="34" charset="0"/>
-              </a:rPr>
-              <a:t>Linking with PivotTables: PivotCharts are linked to PivotTables, so any change in the PivotTable (filtering, field adjustments) updates the PivotChart.</a:t>
-            </a:r>
-            <a:endParaRPr lang="en-US" sz="1400">
-              <a:latin typeface="Arial" panose="020B0604020202020204" pitchFamily="34" charset="0"/>
-              <a:cs typeface="Arial" panose="020B0604020202020204" pitchFamily="34" charset="0"/>
-            </a:endParaRPr>
-          </a:p>
-          <a:p>
-            <a:pPr marL="285750" indent="-285750">
-              <a:buFont typeface="Arial" panose="020B0604020202020204" pitchFamily="34" charset="0"/>
-              <a:buChar char="•"/>
-            </a:pPr>
-            <a:endParaRPr lang="en-US" sz="1400">
-              <a:latin typeface="Arial" panose="020B0604020202020204" pitchFamily="34" charset="0"/>
-              <a:cs typeface="Arial" panose="020B0604020202020204" pitchFamily="34" charset="0"/>
-            </a:endParaRPr>
-          </a:p>
-          <a:p>
-            <a:pPr marL="285750" indent="-285750">
-              <a:buFont typeface="Arial" panose="020B0604020202020204" pitchFamily="34" charset="0"/>
-              <a:buChar char="•"/>
-            </a:pPr>
-            <a:r>
-              <a:rPr lang="en-US" sz="1400">
-                <a:latin typeface="Arial" panose="020B0604020202020204" pitchFamily="34" charset="0"/>
-                <a:cs typeface="Arial" panose="020B0604020202020204" pitchFamily="34" charset="0"/>
-              </a:rPr>
-              <a:t>Customization Options: Use the Chart Design tab to change the chart style, layout, and formatting.</a:t>
-            </a:r>
-            <a:endParaRPr lang="en-US" sz="1400">
-              <a:latin typeface="Arial" panose="020B0604020202020204" pitchFamily="34" charset="0"/>
-              <a:cs typeface="Arial" panose="020B0604020202020204" pitchFamily="34" charset="0"/>
-            </a:endParaRPr>
-          </a:p>
-          <a:p>
-            <a:endParaRPr lang="en-US" sz="1400">
-              <a:latin typeface="Arial" panose="020B0604020202020204" pitchFamily="34" charset="0"/>
-              <a:cs typeface="Arial" panose="020B0604020202020204" pitchFamily="34" charset="0"/>
-            </a:endParaRPr>
-          </a:p>
-          <a:p>
-            <a:r>
-              <a:rPr lang="en-US" sz="1400">
-                <a:latin typeface="Arial" panose="020B0604020202020204" pitchFamily="34" charset="0"/>
-                <a:cs typeface="Arial" panose="020B0604020202020204" pitchFamily="34" charset="0"/>
-              </a:rPr>
               <a:t>Practice Activity: Create a PivotChart based on the sales PivotTable, showing sales by product in a bar chart.</a:t>
             </a:r>
-            <a:endParaRPr lang="en-US" sz="1400">
-              <a:latin typeface="Arial" panose="020B0604020202020204" pitchFamily="34" charset="0"/>
-              <a:cs typeface="Arial" panose="020B0604020202020204" pitchFamily="34" charset="0"/>
-            </a:endParaRPr>
           </a:p>
         </p:txBody>
       </p:sp>
@@ -10802,6 +10299,7 @@
           <a:bodyPr wrap="square" rtlCol="0">
             <a:spAutoFit/>
           </a:bodyPr>
+          <a:lstStyle/>
           <a:p>
             <a:r>
               <a:rPr lang="en-US" b="1">
@@ -10811,18 +10309,12 @@
               </a:rPr>
               <a:t>7. Summary and Best Practices</a:t>
             </a:r>
-            <a:endParaRPr lang="en-US" b="1">
-              <a:solidFill>
-                <a:srgbClr val="C00000"/>
-              </a:solidFill>
-            </a:endParaRPr>
           </a:p>
           <a:p>
             <a:r>
               <a:rPr lang="en-US" sz="1400" b="1"/>
               <a:t>Best Practices:</a:t>
             </a:r>
-            <a:endParaRPr lang="en-US" sz="1400" b="1"/>
           </a:p>
           <a:p>
             <a:pPr marL="285750" indent="-285750">
@@ -10833,7 +10325,6 @@
               <a:rPr lang="en-US" sz="1400"/>
               <a:t>Ensure data is in a clean, tabular format before creating a PivotTable.</a:t>
             </a:r>
-            <a:endParaRPr lang="en-US" sz="1400"/>
           </a:p>
           <a:p>
             <a:pPr marL="285750" indent="-285750">
@@ -10844,7 +10335,6 @@
               <a:rPr lang="en-US" sz="1400"/>
               <a:t>Use meaningful field names and avoid merged cells in your dataset.</a:t>
             </a:r>
-            <a:endParaRPr lang="en-US" sz="1400"/>
           </a:p>
           <a:p>
             <a:pPr marL="285750" indent="-285750">
@@ -10855,7 +10345,6 @@
               <a:rPr lang="en-US" sz="1400"/>
               <a:t>Use filters and slicers for quick and interactive analysis.</a:t>
             </a:r>
-            <a:endParaRPr lang="en-US" sz="1400"/>
           </a:p>
           <a:p>
             <a:pPr marL="285750" indent="-285750">
@@ -10866,7 +10355,6 @@
               <a:rPr lang="en-US" sz="1400"/>
               <a:t>Regularly update the data source if the dataset grows.</a:t>
             </a:r>
-            <a:endParaRPr lang="en-US" sz="1400"/>
           </a:p>
           <a:p>
             <a:pPr marL="285750" indent="-285750">
@@ -10895,7 +10383,6 @@
               <a:rPr lang="en-US" sz="1400"/>
               <a:t>PivotTables and PivotCharts help users quickly summarize, filter, and visualize data.</a:t>
             </a:r>
-            <a:endParaRPr lang="en-US" sz="1400"/>
           </a:p>
           <a:p>
             <a:pPr marL="285750" indent="-285750">
@@ -10906,7 +10393,6 @@
               <a:rPr lang="en-US" sz="1400"/>
               <a:t>Customization options provide flexibility for different data analysis needs.</a:t>
             </a:r>
-            <a:endParaRPr lang="en-US" sz="1400"/>
           </a:p>
           <a:p>
             <a:pPr marL="285750" indent="-285750">
@@ -10917,7 +10403,6 @@
               <a:rPr lang="en-US" sz="1400"/>
               <a:t>PivotTables are a powerful tool for data-driven decision-making in Excel.</a:t>
             </a:r>
-            <a:endParaRPr lang="en-US" sz="1400"/>
           </a:p>
         </p:txBody>
       </p:sp>
@@ -10984,7 +10469,7 @@
                 <a:effectLst/>
                 <a:latin typeface="Arial" panose="020B0604020202020204" pitchFamily="34" charset="0"/>
                 <a:ea typeface="Times New Roman" panose="02020603050405020304" pitchFamily="18" charset="0"/>
-                <a:hlinkClick r:id="rId1"/>
+                <a:hlinkClick r:id="rId2"/>
               </a:rPr>
               <a:t>Data Visualization</a:t>
             </a:r>
@@ -11292,6 +10777,7 @@
           <a:bodyPr wrap="square" rtlCol="0" anchor="t">
             <a:spAutoFit/>
           </a:bodyPr>
+          <a:lstStyle/>
           <a:p>
             <a:r>
               <a:rPr lang="en-US">
@@ -11301,11 +10787,6 @@
               </a:rPr>
               <a:t>https://blog.hubspot.com/marketing/how-to-build-excel-graph</a:t>
             </a:r>
-            <a:endParaRPr lang="en-US">
-              <a:solidFill>
-                <a:srgbClr val="00B0F0"/>
-              </a:solidFill>
-            </a:endParaRPr>
           </a:p>
         </p:txBody>
       </p:sp>
@@ -11329,6 +10810,7 @@
           <a:bodyPr wrap="square" rtlCol="0">
             <a:spAutoFit/>
           </a:bodyPr>
+          <a:lstStyle/>
           <a:p>
             <a:r>
               <a:rPr lang="en-US" sz="1400" b="1">
@@ -11340,13 +10822,6 @@
               </a:rPr>
               <a:t>1. Creating Graphs</a:t>
             </a:r>
-            <a:endParaRPr lang="en-US" sz="1400" b="1">
-              <a:solidFill>
-                <a:srgbClr val="C00000"/>
-              </a:solidFill>
-              <a:latin typeface="Arial" panose="020B0604020202020204" pitchFamily="34" charset="0"/>
-              <a:cs typeface="Arial" panose="020B0604020202020204" pitchFamily="34" charset="0"/>
-            </a:endParaRPr>
           </a:p>
           <a:p>
             <a:r>
@@ -11356,10 +10831,6 @@
               </a:rPr>
               <a:t>Definition: Graphs in Excel represent data visually, helping to convey insights more effectively.</a:t>
             </a:r>
-            <a:endParaRPr lang="en-US" sz="1400">
-              <a:latin typeface="Arial" panose="020B0604020202020204" pitchFamily="34" charset="0"/>
-              <a:cs typeface="Arial" panose="020B0604020202020204" pitchFamily="34" charset="0"/>
-            </a:endParaRPr>
           </a:p>
           <a:p>
             <a:r>
@@ -11369,10 +10840,6 @@
               </a:rPr>
               <a:t>Steps to Create a Graph:</a:t>
             </a:r>
-            <a:endParaRPr lang="en-US" sz="1400" b="1">
-              <a:latin typeface="Arial" panose="020B0604020202020204" pitchFamily="34" charset="0"/>
-              <a:cs typeface="Arial" panose="020B0604020202020204" pitchFamily="34" charset="0"/>
-            </a:endParaRPr>
           </a:p>
           <a:p>
             <a:pPr marL="742950" lvl="1" indent="-285750">
@@ -11393,10 +10860,6 @@
               </a:rPr>
               <a:t> Highlight the dataset to visualize.</a:t>
             </a:r>
-            <a:endParaRPr lang="en-US" sz="1400">
-              <a:latin typeface="Arial" panose="020B0604020202020204" pitchFamily="34" charset="0"/>
-              <a:cs typeface="Arial" panose="020B0604020202020204" pitchFamily="34" charset="0"/>
-            </a:endParaRPr>
           </a:p>
           <a:p>
             <a:pPr marL="742950" lvl="1" indent="-285750">
@@ -11417,10 +10880,6 @@
               </a:rPr>
               <a:t> Go to Insert &gt; Charts and select a chart type.</a:t>
             </a:r>
-            <a:endParaRPr lang="en-US" sz="1400">
-              <a:latin typeface="Arial" panose="020B0604020202020204" pitchFamily="34" charset="0"/>
-              <a:cs typeface="Arial" panose="020B0604020202020204" pitchFamily="34" charset="0"/>
-            </a:endParaRPr>
           </a:p>
           <a:p>
             <a:pPr marL="742950" lvl="1" indent="-285750">
@@ -11441,10 +10900,6 @@
               </a:rPr>
               <a:t> Have students create a basic chart from a sample dataset, like monthly sales or budget data.</a:t>
             </a:r>
-            <a:endParaRPr lang="en-US" sz="1400">
-              <a:latin typeface="Arial" panose="020B0604020202020204" pitchFamily="34" charset="0"/>
-              <a:cs typeface="Arial" panose="020B0604020202020204" pitchFamily="34" charset="0"/>
-            </a:endParaRPr>
           </a:p>
         </p:txBody>
       </p:sp>
@@ -11468,6 +10923,7 @@
           <a:bodyPr wrap="square" rtlCol="0">
             <a:spAutoFit/>
           </a:bodyPr>
+          <a:lstStyle/>
           <a:p>
             <a:r>
               <a:rPr lang="en-US" sz="1600" b="1">
@@ -11477,11 +10933,6 @@
               </a:rPr>
               <a:t>2. Chart Types</a:t>
             </a:r>
-            <a:endParaRPr lang="en-US" sz="1600" b="1">
-              <a:solidFill>
-                <a:srgbClr val="C00000"/>
-              </a:solidFill>
-            </a:endParaRPr>
           </a:p>
           <a:p>
             <a:pPr marL="285750" indent="-285750">
@@ -11492,7 +10943,6 @@
               <a:rPr lang="en-US" sz="1400"/>
               <a:t>Column Chart: Compares data across categories.</a:t>
             </a:r>
-            <a:endParaRPr lang="en-US" sz="1400"/>
           </a:p>
           <a:p>
             <a:pPr marL="285750" indent="-285750">
@@ -11503,7 +10953,6 @@
               <a:rPr lang="en-US" sz="1400"/>
               <a:t>Bar Chart: Similar to a column chart but horizontal.</a:t>
             </a:r>
-            <a:endParaRPr lang="en-US" sz="1400"/>
           </a:p>
           <a:p>
             <a:pPr marL="285750" indent="-285750">
@@ -11514,7 +10963,6 @@
               <a:rPr lang="en-US" sz="1400"/>
               <a:t>Line Chart: Ideal for showing trends over time.</a:t>
             </a:r>
-            <a:endParaRPr lang="en-US" sz="1400"/>
           </a:p>
           <a:p>
             <a:pPr marL="285750" indent="-285750">
@@ -11525,7 +10973,6 @@
               <a:rPr lang="en-US" sz="1400"/>
               <a:t>Pie Chart: Shows parts of a whole, useful for percentages.</a:t>
             </a:r>
-            <a:endParaRPr lang="en-US" sz="1400"/>
           </a:p>
           <a:p>
             <a:pPr marL="285750" indent="-285750">
@@ -11536,7 +10983,6 @@
               <a:rPr lang="en-US" sz="1400"/>
               <a:t>Scatter Plot: Displays relationships between two variables.</a:t>
             </a:r>
-            <a:endParaRPr lang="en-US" sz="1400"/>
           </a:p>
           <a:p>
             <a:pPr marL="285750" indent="-285750">
@@ -11547,7 +10993,6 @@
               <a:rPr lang="en-US" sz="1400"/>
               <a:t>Area Chart: Highlights changes over time.</a:t>
             </a:r>
-            <a:endParaRPr lang="en-US" sz="1400"/>
           </a:p>
           <a:p>
             <a:pPr marL="285750" indent="-285750">
@@ -11558,7 +11003,6 @@
               <a:rPr lang="en-US" sz="1400"/>
               <a:t>Activity: Select an appropriate chart type for a given dataset and explain why it’s a good fit.</a:t>
             </a:r>
-            <a:endParaRPr lang="en-US" sz="1400"/>
           </a:p>
         </p:txBody>
       </p:sp>
@@ -11582,6 +11026,7 @@
           <a:bodyPr wrap="square" rtlCol="0">
             <a:spAutoFit/>
           </a:bodyPr>
+          <a:lstStyle/>
           <a:p>
             <a:r>
               <a:rPr lang="en-US" sz="1400" b="1">
@@ -11593,13 +11038,6 @@
               </a:rPr>
               <a:t>3. Identifying Chart Components</a:t>
             </a:r>
-            <a:endParaRPr lang="en-US" sz="1400" b="1">
-              <a:solidFill>
-                <a:srgbClr val="C00000"/>
-              </a:solidFill>
-              <a:latin typeface="Arial" panose="020B0604020202020204" pitchFamily="34" charset="0"/>
-              <a:cs typeface="Arial" panose="020B0604020202020204" pitchFamily="34" charset="0"/>
-            </a:endParaRPr>
           </a:p>
           <a:p>
             <a:pPr marL="285750" indent="-285750">
@@ -11613,10 +11051,6 @@
               </a:rPr>
               <a:t>Title: Explains what the chart represents.</a:t>
             </a:r>
-            <a:endParaRPr lang="en-US" sz="1400">
-              <a:latin typeface="Arial" panose="020B0604020202020204" pitchFamily="34" charset="0"/>
-              <a:cs typeface="Arial" panose="020B0604020202020204" pitchFamily="34" charset="0"/>
-            </a:endParaRPr>
           </a:p>
           <a:p>
             <a:pPr marL="285750" indent="-285750">
@@ -11630,10 +11064,6 @@
               </a:rPr>
               <a:t>Axes: Horizontal (X-axis) and vertical (Y-axis) lines showing data scales.</a:t>
             </a:r>
-            <a:endParaRPr lang="en-US" sz="1400">
-              <a:latin typeface="Arial" panose="020B0604020202020204" pitchFamily="34" charset="0"/>
-              <a:cs typeface="Arial" panose="020B0604020202020204" pitchFamily="34" charset="0"/>
-            </a:endParaRPr>
           </a:p>
           <a:p>
             <a:pPr marL="285750" indent="-285750">
@@ -11647,10 +11077,6 @@
               </a:rPr>
               <a:t>Legend: Describes colors/patterns used in the chart.</a:t>
             </a:r>
-            <a:endParaRPr lang="en-US" sz="1400">
-              <a:latin typeface="Arial" panose="020B0604020202020204" pitchFamily="34" charset="0"/>
-              <a:cs typeface="Arial" panose="020B0604020202020204" pitchFamily="34" charset="0"/>
-            </a:endParaRPr>
           </a:p>
           <a:p>
             <a:pPr marL="285750" indent="-285750">
@@ -11664,10 +11090,6 @@
               </a:rPr>
               <a:t>Data Labels: Displays specific values directly on the chart.</a:t>
             </a:r>
-            <a:endParaRPr lang="en-US" sz="1400">
-              <a:latin typeface="Arial" panose="020B0604020202020204" pitchFamily="34" charset="0"/>
-              <a:cs typeface="Arial" panose="020B0604020202020204" pitchFamily="34" charset="0"/>
-            </a:endParaRPr>
           </a:p>
           <a:p>
             <a:pPr marL="285750" indent="-285750">
@@ -11681,10 +11103,6 @@
               </a:rPr>
               <a:t>Gridlines: Provides reference lines for data points.</a:t>
             </a:r>
-            <a:endParaRPr lang="en-US" sz="1400">
-              <a:latin typeface="Arial" panose="020B0604020202020204" pitchFamily="34" charset="0"/>
-              <a:cs typeface="Arial" panose="020B0604020202020204" pitchFamily="34" charset="0"/>
-            </a:endParaRPr>
           </a:p>
           <a:p>
             <a:pPr marL="285750" indent="-285750">
@@ -11698,10 +11116,6 @@
               </a:rPr>
               <a:t>Activity: Label components of an existing chart to reinforce understanding.</a:t>
             </a:r>
-            <a:endParaRPr lang="en-US" sz="1400">
-              <a:latin typeface="Arial" panose="020B0604020202020204" pitchFamily="34" charset="0"/>
-              <a:cs typeface="Arial" panose="020B0604020202020204" pitchFamily="34" charset="0"/>
-            </a:endParaRPr>
           </a:p>
         </p:txBody>
       </p:sp>
@@ -11779,7 +11193,7 @@
                 <a:effectLst/>
                 <a:latin typeface="Arial" panose="020B0604020202020204" pitchFamily="34" charset="0"/>
                 <a:ea typeface="Times New Roman" panose="02020603050405020304" pitchFamily="18" charset="0"/>
-                <a:hlinkClick r:id="rId1"/>
+                <a:hlinkClick r:id="rId2"/>
               </a:rPr>
               <a:t>Introduction To Excel</a:t>
             </a:r>
@@ -11807,7 +11221,7 @@
                 <a:effectLst/>
                 <a:latin typeface="Arial" panose="020B0604020202020204" pitchFamily="34" charset="0"/>
                 <a:ea typeface="Times New Roman" panose="02020603050405020304" pitchFamily="18" charset="0"/>
-                <a:hlinkClick r:id="rId2"/>
+                <a:hlinkClick r:id="rId3"/>
               </a:rPr>
               <a:t>Introduction</a:t>
             </a:r>
@@ -11835,7 +11249,7 @@
                 <a:effectLst/>
                 <a:latin typeface="Arial" panose="020B0604020202020204" pitchFamily="34" charset="0"/>
                 <a:ea typeface="Times New Roman" panose="02020603050405020304" pitchFamily="18" charset="0"/>
-                <a:hlinkClick r:id="rId3"/>
+                <a:hlinkClick r:id="rId4"/>
               </a:rPr>
               <a:t>Interface</a:t>
             </a:r>
@@ -11863,7 +11277,7 @@
                 <a:effectLst/>
                 <a:latin typeface="Arial" panose="020B0604020202020204" pitchFamily="34" charset="0"/>
                 <a:ea typeface="Times New Roman" panose="02020603050405020304" pitchFamily="18" charset="0"/>
-                <a:hlinkClick r:id="rId4"/>
+                <a:hlinkClick r:id="rId5"/>
               </a:rPr>
               <a:t>Tabs and Ribbons</a:t>
             </a:r>
@@ -11891,7 +11305,7 @@
                 <a:effectLst/>
                 <a:latin typeface="Arial" panose="020B0604020202020204" pitchFamily="34" charset="0"/>
                 <a:ea typeface="Times New Roman" panose="02020603050405020304" pitchFamily="18" charset="0"/>
-                <a:hlinkClick r:id="rId5"/>
+                <a:hlinkClick r:id="rId6"/>
               </a:rPr>
               <a:t>Document Windows</a:t>
             </a:r>
@@ -11919,7 +11333,7 @@
                 <a:effectLst/>
                 <a:latin typeface="Arial" panose="020B0604020202020204" pitchFamily="34" charset="0"/>
                 <a:ea typeface="Times New Roman" panose="02020603050405020304" pitchFamily="18" charset="0"/>
-                <a:hlinkClick r:id="rId6"/>
+                <a:hlinkClick r:id="rId7"/>
               </a:rPr>
               <a:t>Navigation Tips</a:t>
             </a:r>
@@ -11947,7 +11361,7 @@
                 <a:effectLst/>
                 <a:latin typeface="Arial" panose="020B0604020202020204" pitchFamily="34" charset="0"/>
                 <a:ea typeface="Times New Roman" panose="02020603050405020304" pitchFamily="18" charset="0"/>
-                <a:hlinkClick r:id="rId7"/>
+                <a:hlinkClick r:id="rId8"/>
               </a:rPr>
               <a:t>File Menu and Save</a:t>
             </a:r>
@@ -11975,7 +11389,7 @@
                 <a:effectLst/>
                 <a:latin typeface="Arial" panose="020B0604020202020204" pitchFamily="34" charset="0"/>
                 <a:ea typeface="Times New Roman" panose="02020603050405020304" pitchFamily="18" charset="0"/>
-                <a:hlinkClick r:id="rId8"/>
+                <a:hlinkClick r:id="rId9"/>
               </a:rPr>
               <a:t>Entering Data and Importing Data</a:t>
             </a:r>
@@ -12003,7 +11417,7 @@
                 <a:effectLst/>
                 <a:latin typeface="Arial" panose="020B0604020202020204" pitchFamily="34" charset="0"/>
                 <a:ea typeface="Times New Roman" panose="02020603050405020304" pitchFamily="18" charset="0"/>
-                <a:hlinkClick r:id="rId9"/>
+                <a:hlinkClick r:id="rId10"/>
               </a:rPr>
               <a:t>Fonts and Alignment</a:t>
             </a:r>
@@ -12031,7 +11445,7 @@
                 <a:effectLst/>
                 <a:latin typeface="Arial" panose="020B0604020202020204" pitchFamily="34" charset="0"/>
                 <a:ea typeface="Times New Roman" panose="02020603050405020304" pitchFamily="18" charset="0"/>
-                <a:hlinkClick r:id="rId10"/>
+                <a:hlinkClick r:id="rId11"/>
               </a:rPr>
               <a:t>Cut, Copy and Paste</a:t>
             </a:r>
@@ -12059,7 +11473,7 @@
                 <a:effectLst/>
                 <a:latin typeface="Arial" panose="020B0604020202020204" pitchFamily="34" charset="0"/>
                 <a:ea typeface="Times New Roman" panose="02020603050405020304" pitchFamily="18" charset="0"/>
-                <a:hlinkClick r:id="rId11"/>
+                <a:hlinkClick r:id="rId12"/>
               </a:rPr>
               <a:t>Paste Special</a:t>
             </a:r>
@@ -12087,7 +11501,7 @@
                 <a:effectLst/>
                 <a:latin typeface="Arial" panose="020B0604020202020204" pitchFamily="34" charset="0"/>
                 <a:ea typeface="Times New Roman" panose="02020603050405020304" pitchFamily="18" charset="0"/>
-                <a:hlinkClick r:id="rId12"/>
+                <a:hlinkClick r:id="rId13"/>
               </a:rPr>
               <a:t>Undo and Redo</a:t>
             </a:r>
@@ -12115,7 +11529,7 @@
                 <a:effectLst/>
                 <a:latin typeface="Arial" panose="020B0604020202020204" pitchFamily="34" charset="0"/>
                 <a:ea typeface="Times New Roman" panose="02020603050405020304" pitchFamily="18" charset="0"/>
-                <a:hlinkClick r:id="rId13"/>
+                <a:hlinkClick r:id="rId14"/>
               </a:rPr>
               <a:t>Finding and Replacing a Value</a:t>
             </a:r>
@@ -12143,7 +11557,7 @@
                 <a:effectLst/>
                 <a:latin typeface="Arial" panose="020B0604020202020204" pitchFamily="34" charset="0"/>
                 <a:ea typeface="Times New Roman" panose="02020603050405020304" pitchFamily="18" charset="0"/>
-                <a:hlinkClick r:id="rId14"/>
+                <a:hlinkClick r:id="rId15"/>
               </a:rPr>
               <a:t>Cell Styles</a:t>
             </a:r>
@@ -12171,7 +11585,7 @@
                 <a:effectLst/>
                 <a:latin typeface="Arial" panose="020B0604020202020204" pitchFamily="34" charset="0"/>
                 <a:ea typeface="Times New Roman" panose="02020603050405020304" pitchFamily="18" charset="0"/>
-                <a:hlinkClick r:id="rId15"/>
+                <a:hlinkClick r:id="rId16"/>
               </a:rPr>
               <a:t>Formatting Numbers and Dates</a:t>
             </a:r>
@@ -12199,7 +11613,7 @@
                 <a:effectLst/>
                 <a:latin typeface="Arial" panose="020B0604020202020204" pitchFamily="34" charset="0"/>
                 <a:ea typeface="Times New Roman" panose="02020603050405020304" pitchFamily="18" charset="0"/>
-                <a:hlinkClick r:id="rId16"/>
+                <a:hlinkClick r:id="rId17"/>
               </a:rPr>
               <a:t>Comments</a:t>
             </a:r>
@@ -12214,14 +11628,6 @@
               </a:rPr>
               <a:t>  </a:t>
             </a:r>
-            <a:endParaRPr lang="en-US" sz="1400" dirty="0">
-              <a:solidFill>
-                <a:srgbClr val="333333"/>
-              </a:solidFill>
-              <a:effectLst/>
-              <a:latin typeface="Arial" panose="020B0604020202020204" pitchFamily="34" charset="0"/>
-              <a:ea typeface="Times New Roman" panose="02020603050405020304" pitchFamily="18" charset="0"/>
-            </a:endParaRPr>
           </a:p>
           <a:p>
             <a:pPr marL="342900" lvl="0" indent="-342900" algn="l">
@@ -12242,7 +11648,7 @@
                 <a:effectLst/>
                 <a:latin typeface="Arial" panose="020B0604020202020204" pitchFamily="34" charset="0"/>
                 <a:ea typeface="Times New Roman" panose="02020603050405020304" pitchFamily="18" charset="0"/>
-                <a:hlinkClick r:id="rId17"/>
+                <a:hlinkClick r:id="rId18"/>
               </a:rPr>
               <a:t>Assignment</a:t>
             </a:r>
@@ -12270,7 +11676,14 @@
         <p:cNvGrpSpPr/>
         <p:nvPr/>
       </p:nvGrpSpPr>
-      <p:grpSpPr/>
+      <p:grpSpPr>
+        <a:xfrm>
+          <a:off x="0" y="0"/>
+          <a:ext cx="0" cy="0"/>
+          <a:chOff x="0" y="0"/>
+          <a:chExt cx="0" cy="0"/>
+        </a:xfrm>
+      </p:grpSpPr>
       <p:sp>
         <p:nvSpPr>
           <p:cNvPr id="2" name="Text Box 1"/>
@@ -12291,6 +11704,7 @@
           <a:bodyPr wrap="square" rtlCol="0">
             <a:spAutoFit/>
           </a:bodyPr>
+          <a:lstStyle/>
           <a:p>
             <a:r>
               <a:rPr lang="en-US" sz="1600" b="1">
@@ -12302,20 +11716,12 @@
               </a:rPr>
               <a:t>4. Inserting a Chart in a Worksheet</a:t>
             </a:r>
-            <a:endParaRPr lang="en-US" sz="1600" b="1">
-              <a:solidFill>
-                <a:srgbClr val="C00000"/>
-              </a:solidFill>
-              <a:latin typeface="Arial" panose="020B0604020202020204" pitchFamily="34" charset="0"/>
-              <a:cs typeface="Arial" panose="020B0604020202020204" pitchFamily="34" charset="0"/>
-            </a:endParaRPr>
           </a:p>
           <a:p>
             <a:r>
               <a:rPr lang="en-US" sz="1400"/>
               <a:t>Steps to Insert:</a:t>
             </a:r>
-            <a:endParaRPr lang="en-US" sz="1400"/>
           </a:p>
           <a:p>
             <a:pPr marL="742950" lvl="1" indent="-285750">
@@ -12326,7 +11732,6 @@
               <a:rPr lang="en-US" sz="1400"/>
               <a:t>Select Data: Highlight your data range.</a:t>
             </a:r>
-            <a:endParaRPr lang="en-US" sz="1400"/>
           </a:p>
           <a:p>
             <a:pPr marL="742950" lvl="1" indent="-285750">
@@ -12337,7 +11742,6 @@
               <a:rPr lang="en-US" sz="1400"/>
               <a:t>Go to Insert &gt; Charts: Choose the desired chart.</a:t>
             </a:r>
-            <a:endParaRPr lang="en-US" sz="1400"/>
           </a:p>
           <a:p>
             <a:pPr marL="742950" lvl="1" indent="-285750">
@@ -12348,7 +11752,6 @@
               <a:rPr lang="en-US" sz="1400"/>
               <a:t>Position Chart: Drag the chart to place it within the worksheet.</a:t>
             </a:r>
-            <a:endParaRPr lang="en-US" sz="1400"/>
           </a:p>
           <a:p>
             <a:pPr marL="0" lvl="0"/>
@@ -12356,7 +11759,6 @@
               <a:rPr lang="en-US" sz="1400"/>
               <a:t>Activity: Insert and position a chart in the worksheet.</a:t>
             </a:r>
-            <a:endParaRPr lang="en-US" sz="1400"/>
           </a:p>
         </p:txBody>
       </p:sp>
@@ -12380,6 +11782,7 @@
           <a:bodyPr wrap="square" rtlCol="0">
             <a:spAutoFit/>
           </a:bodyPr>
+          <a:lstStyle/>
           <a:p>
             <a:r>
               <a:rPr lang="en-US" b="1">
@@ -12389,18 +11792,12 @@
               </a:rPr>
               <a:t>5. Customizing Graphs</a:t>
             </a:r>
-            <a:endParaRPr lang="en-US" b="1">
-              <a:solidFill>
-                <a:srgbClr val="C00000"/>
-              </a:solidFill>
-            </a:endParaRPr>
           </a:p>
           <a:p>
             <a:r>
               <a:rPr lang="en-US" sz="1600"/>
               <a:t>Customization Options:</a:t>
             </a:r>
-            <a:endParaRPr lang="en-US" sz="1600"/>
           </a:p>
           <a:p>
             <a:pPr marL="742950" lvl="1" indent="-285750">
@@ -12411,7 +11808,6 @@
               <a:rPr lang="en-US" sz="1600"/>
               <a:t>Chart Design Tab: Modify colors, styles, and layout.</a:t>
             </a:r>
-            <a:endParaRPr lang="en-US" sz="1600"/>
           </a:p>
           <a:p>
             <a:pPr marL="742950" lvl="1" indent="-285750">
@@ -12422,7 +11818,6 @@
               <a:rPr lang="en-US" sz="1600"/>
               <a:t>Format Axis: Adjust scales and label formats.</a:t>
             </a:r>
-            <a:endParaRPr lang="en-US" sz="1600"/>
           </a:p>
           <a:p>
             <a:pPr marL="742950" lvl="1" indent="-285750">
@@ -12433,7 +11828,6 @@
               <a:rPr lang="en-US" sz="1600"/>
               <a:t>Legend and Data Labels: Add or reposition for clarity.</a:t>
             </a:r>
-            <a:endParaRPr lang="en-US" sz="1600"/>
           </a:p>
           <a:p>
             <a:pPr marL="742950" lvl="1" indent="-285750">
@@ -12444,14 +11838,12 @@
               <a:rPr lang="en-US" sz="1600"/>
               <a:t>Themes: Apply Excel themes for a consistent look.</a:t>
             </a:r>
-            <a:endParaRPr lang="en-US" sz="1600"/>
           </a:p>
           <a:p>
             <a:r>
               <a:rPr lang="en-US" sz="1600"/>
               <a:t>Activity: Customize a chart’s appearance to improve readability.</a:t>
             </a:r>
-            <a:endParaRPr lang="en-US" sz="1600"/>
           </a:p>
         </p:txBody>
       </p:sp>
@@ -12474,6 +11866,7 @@
           <a:bodyPr wrap="square">
             <a:spAutoFit/>
           </a:bodyPr>
+          <a:lstStyle/>
           <a:p>
             <a:pPr>
               <a:spcAft>
@@ -12490,13 +11883,6 @@
               </a:rPr>
               <a:t>6. Using Graph Templates</a:t>
             </a:r>
-            <a:endParaRPr sz="1600" b="1">
-              <a:solidFill>
-                <a:srgbClr val="C00000"/>
-              </a:solidFill>
-              <a:latin typeface="Arial" panose="020B0604020202020204" pitchFamily="34" charset="0"/>
-              <a:cs typeface="Arial" panose="020B0604020202020204" pitchFamily="34" charset="0"/>
-            </a:endParaRPr>
           </a:p>
           <a:p>
             <a:pPr>
@@ -12510,10 +11896,6 @@
               </a:rPr>
               <a:t>Purpose: Graph templates allow saving and reusing custom chart designs.</a:t>
             </a:r>
-            <a:endParaRPr sz="1400">
-              <a:latin typeface="Arial" panose="020B0604020202020204" pitchFamily="34" charset="0"/>
-              <a:cs typeface="Arial" panose="020B0604020202020204" pitchFamily="34" charset="0"/>
-            </a:endParaRPr>
           </a:p>
           <a:p>
             <a:pPr>
@@ -12527,10 +11909,6 @@
               </a:rPr>
               <a:t>How to Create a Template:</a:t>
             </a:r>
-            <a:endParaRPr sz="1400">
-              <a:latin typeface="Arial" panose="020B0604020202020204" pitchFamily="34" charset="0"/>
-              <a:cs typeface="Arial" panose="020B0604020202020204" pitchFamily="34" charset="0"/>
-            </a:endParaRPr>
           </a:p>
           <a:p>
             <a:pPr>
@@ -12544,10 +11922,6 @@
               </a:rPr>
               <a:t>Activity: Create a custom chart template and apply it to a new chart.</a:t>
             </a:r>
-            <a:endParaRPr sz="1400">
-              <a:latin typeface="Arial" panose="020B0604020202020204" pitchFamily="34" charset="0"/>
-              <a:cs typeface="Arial" panose="020B0604020202020204" pitchFamily="34" charset="0"/>
-            </a:endParaRPr>
           </a:p>
         </p:txBody>
       </p:sp>
@@ -12571,6 +11945,7 @@
           <a:bodyPr wrap="square" rtlCol="0">
             <a:spAutoFit/>
           </a:bodyPr>
+          <a:lstStyle/>
           <a:p>
             <a:r>
               <a:rPr lang="en-US" b="1">
@@ -12582,21 +11957,29 @@
               </a:rPr>
               <a:t>7. Sparklines</a:t>
             </a:r>
-            <a:endParaRPr lang="en-US" b="1">
-              <a:solidFill>
-                <a:srgbClr val="C00000"/>
-              </a:solidFill>
+          </a:p>
+          <a:p>
+            <a:r>
+              <a:rPr lang="en-US" sz="1400">
+                <a:latin typeface="Arial" panose="020B0604020202020204" pitchFamily="34" charset="0"/>
+                <a:cs typeface="Arial" panose="020B0604020202020204" pitchFamily="34" charset="0"/>
+              </a:rPr>
+              <a:t>Definition: Sparklines are small, in-cell charts that show trends in a row of data.</a:t>
+            </a:r>
+          </a:p>
+          <a:p>
+            <a:endParaRPr lang="en-US" sz="1400" b="1">
               <a:latin typeface="Arial" panose="020B0604020202020204" pitchFamily="34" charset="0"/>
               <a:cs typeface="Arial" panose="020B0604020202020204" pitchFamily="34" charset="0"/>
             </a:endParaRPr>
           </a:p>
           <a:p>
             <a:r>
-              <a:rPr lang="en-US" sz="1400">
+              <a:rPr lang="en-US" sz="1400" b="1">
                 <a:latin typeface="Arial" panose="020B0604020202020204" pitchFamily="34" charset="0"/>
                 <a:cs typeface="Arial" panose="020B0604020202020204" pitchFamily="34" charset="0"/>
               </a:rPr>
-              <a:t>Definition: Sparklines are small, in-cell charts that show trends in a row of data.</a:t>
+              <a:t>Types:</a:t>
             </a:r>
             <a:endParaRPr lang="en-US" sz="1400">
               <a:latin typeface="Arial" panose="020B0604020202020204" pitchFamily="34" charset="0"/>
@@ -12604,19 +11987,42 @@
             </a:endParaRPr>
           </a:p>
           <a:p>
-            <a:endParaRPr lang="en-US" sz="1400" b="1">
-              <a:latin typeface="Arial" panose="020B0604020202020204" pitchFamily="34" charset="0"/>
-              <a:cs typeface="Arial" panose="020B0604020202020204" pitchFamily="34" charset="0"/>
-            </a:endParaRPr>
-          </a:p>
-          <a:p>
-            <a:r>
-              <a:rPr lang="en-US" sz="1400" b="1">
+            <a:r>
+              <a:rPr lang="en-US" sz="1400">
                 <a:latin typeface="Arial" panose="020B0604020202020204" pitchFamily="34" charset="0"/>
                 <a:cs typeface="Arial" panose="020B0604020202020204" pitchFamily="34" charset="0"/>
               </a:rPr>
-              <a:t>Types:</a:t>
-            </a:r>
+              <a:t>Line: Shows trends over time.</a:t>
+            </a:r>
+          </a:p>
+          <a:p>
+            <a:r>
+              <a:rPr lang="en-US" sz="1400">
+                <a:latin typeface="Arial" panose="020B0604020202020204" pitchFamily="34" charset="0"/>
+                <a:cs typeface="Arial" panose="020B0604020202020204" pitchFamily="34" charset="0"/>
+              </a:rPr>
+              <a:t>Column: Visualizes values as bars.</a:t>
+            </a:r>
+          </a:p>
+          <a:p>
+            <a:r>
+              <a:rPr lang="en-US" sz="1400">
+                <a:latin typeface="Arial" panose="020B0604020202020204" pitchFamily="34" charset="0"/>
+                <a:cs typeface="Arial" panose="020B0604020202020204" pitchFamily="34" charset="0"/>
+              </a:rPr>
+              <a:t>Win/Loss: Highlights positive and negative values.</a:t>
+            </a:r>
+          </a:p>
+          <a:p>
+            <a:r>
+              <a:rPr lang="en-US" sz="1400">
+                <a:latin typeface="Arial" panose="020B0604020202020204" pitchFamily="34" charset="0"/>
+                <a:cs typeface="Arial" panose="020B0604020202020204" pitchFamily="34" charset="0"/>
+              </a:rPr>
+              <a:t>Steps to Insert:</a:t>
+            </a:r>
+          </a:p>
+          <a:p>
             <a:endParaRPr lang="en-US" sz="1400">
               <a:latin typeface="Arial" panose="020B0604020202020204" pitchFamily="34" charset="0"/>
               <a:cs typeface="Arial" panose="020B0604020202020204" pitchFamily="34" charset="0"/>
@@ -12628,12 +12034,8 @@
                 <a:latin typeface="Arial" panose="020B0604020202020204" pitchFamily="34" charset="0"/>
                 <a:cs typeface="Arial" panose="020B0604020202020204" pitchFamily="34" charset="0"/>
               </a:rPr>
-              <a:t>Line: Shows trends over time.</a:t>
-            </a:r>
-            <a:endParaRPr lang="en-US" sz="1400">
-              <a:latin typeface="Arial" panose="020B0604020202020204" pitchFamily="34" charset="0"/>
-              <a:cs typeface="Arial" panose="020B0604020202020204" pitchFamily="34" charset="0"/>
-            </a:endParaRPr>
+              <a:t>Go to Insert &gt; Sparklines and select the data range.</a:t>
+            </a:r>
           </a:p>
           <a:p>
             <a:r>
@@ -12641,70 +12043,8 @@
                 <a:latin typeface="Arial" panose="020B0604020202020204" pitchFamily="34" charset="0"/>
                 <a:cs typeface="Arial" panose="020B0604020202020204" pitchFamily="34" charset="0"/>
               </a:rPr>
-              <a:t>Column: Visualizes values as bars.</a:t>
-            </a:r>
-            <a:endParaRPr lang="en-US" sz="1400">
-              <a:latin typeface="Arial" panose="020B0604020202020204" pitchFamily="34" charset="0"/>
-              <a:cs typeface="Arial" panose="020B0604020202020204" pitchFamily="34" charset="0"/>
-            </a:endParaRPr>
-          </a:p>
-          <a:p>
-            <a:r>
-              <a:rPr lang="en-US" sz="1400">
-                <a:latin typeface="Arial" panose="020B0604020202020204" pitchFamily="34" charset="0"/>
-                <a:cs typeface="Arial" panose="020B0604020202020204" pitchFamily="34" charset="0"/>
-              </a:rPr>
-              <a:t>Win/Loss: Highlights positive and negative values.</a:t>
-            </a:r>
-            <a:endParaRPr lang="en-US" sz="1400">
-              <a:latin typeface="Arial" panose="020B0604020202020204" pitchFamily="34" charset="0"/>
-              <a:cs typeface="Arial" panose="020B0604020202020204" pitchFamily="34" charset="0"/>
-            </a:endParaRPr>
-          </a:p>
-          <a:p>
-            <a:r>
-              <a:rPr lang="en-US" sz="1400">
-                <a:latin typeface="Arial" panose="020B0604020202020204" pitchFamily="34" charset="0"/>
-                <a:cs typeface="Arial" panose="020B0604020202020204" pitchFamily="34" charset="0"/>
-              </a:rPr>
-              <a:t>Steps to Insert:</a:t>
-            </a:r>
-            <a:endParaRPr lang="en-US" sz="1400">
-              <a:latin typeface="Arial" panose="020B0604020202020204" pitchFamily="34" charset="0"/>
-              <a:cs typeface="Arial" panose="020B0604020202020204" pitchFamily="34" charset="0"/>
-            </a:endParaRPr>
-          </a:p>
-          <a:p>
-            <a:endParaRPr lang="en-US" sz="1400">
-              <a:latin typeface="Arial" panose="020B0604020202020204" pitchFamily="34" charset="0"/>
-              <a:cs typeface="Arial" panose="020B0604020202020204" pitchFamily="34" charset="0"/>
-            </a:endParaRPr>
-          </a:p>
-          <a:p>
-            <a:r>
-              <a:rPr lang="en-US" sz="1400">
-                <a:latin typeface="Arial" panose="020B0604020202020204" pitchFamily="34" charset="0"/>
-                <a:cs typeface="Arial" panose="020B0604020202020204" pitchFamily="34" charset="0"/>
-              </a:rPr>
-              <a:t>Go to Insert &gt; Sparklines and select the data range.</a:t>
-            </a:r>
-            <a:endParaRPr lang="en-US" sz="1400">
-              <a:latin typeface="Arial" panose="020B0604020202020204" pitchFamily="34" charset="0"/>
-              <a:cs typeface="Arial" panose="020B0604020202020204" pitchFamily="34" charset="0"/>
-            </a:endParaRPr>
-          </a:p>
-          <a:p>
-            <a:r>
-              <a:rPr lang="en-US" sz="1400">
-                <a:latin typeface="Arial" panose="020B0604020202020204" pitchFamily="34" charset="0"/>
-                <a:cs typeface="Arial" panose="020B0604020202020204" pitchFamily="34" charset="0"/>
-              </a:rPr>
               <a:t>Activity: Insert sparklines in a table to show monthly sales trends.</a:t>
             </a:r>
-            <a:endParaRPr lang="en-US" sz="1400">
-              <a:latin typeface="Arial" panose="020B0604020202020204" pitchFamily="34" charset="0"/>
-              <a:cs typeface="Arial" panose="020B0604020202020204" pitchFamily="34" charset="0"/>
-            </a:endParaRPr>
           </a:p>
         </p:txBody>
       </p:sp>
@@ -12728,6 +12068,7 @@
           <a:bodyPr wrap="square" rtlCol="0">
             <a:spAutoFit/>
           </a:bodyPr>
+          <a:lstStyle/>
           <a:p>
             <a:r>
               <a:rPr lang="en-US" sz="1600" b="1">
@@ -12739,13 +12080,6 @@
               </a:rPr>
               <a:t>8. Trendlines and Forecast Sheet</a:t>
             </a:r>
-            <a:endParaRPr lang="en-US" sz="1600" b="1">
-              <a:solidFill>
-                <a:srgbClr val="C00000"/>
-              </a:solidFill>
-              <a:latin typeface="Arial" panose="020B0604020202020204" pitchFamily="34" charset="0"/>
-              <a:cs typeface="Arial" panose="020B0604020202020204" pitchFamily="34" charset="0"/>
-            </a:endParaRPr>
           </a:p>
           <a:p>
             <a:r>
@@ -12758,13 +12092,6 @@
               </a:rPr>
               <a:t>Trendlines:</a:t>
             </a:r>
-            <a:endParaRPr lang="en-US" sz="1600" b="1">
-              <a:solidFill>
-                <a:srgbClr val="C00000"/>
-              </a:solidFill>
-              <a:latin typeface="Arial" panose="020B0604020202020204" pitchFamily="34" charset="0"/>
-              <a:cs typeface="Arial" panose="020B0604020202020204" pitchFamily="34" charset="0"/>
-            </a:endParaRPr>
           </a:p>
           <a:p>
             <a:endParaRPr lang="en-US" sz="1400">
@@ -12780,6 +12107,35 @@
               </a:rPr>
               <a:t>Purpose: Show data trends over time.</a:t>
             </a:r>
+          </a:p>
+          <a:p>
+            <a:r>
+              <a:rPr lang="en-US" sz="1400">
+                <a:latin typeface="Arial" panose="020B0604020202020204" pitchFamily="34" charset="0"/>
+                <a:cs typeface="Arial" panose="020B0604020202020204" pitchFamily="34" charset="0"/>
+              </a:rPr>
+              <a:t>How to Add: Select the chart &gt; Chart Elements &gt; Trendline.</a:t>
+            </a:r>
+          </a:p>
+          <a:p>
+            <a:r>
+              <a:rPr lang="en-US" sz="1400">
+                <a:latin typeface="Arial" panose="020B0604020202020204" pitchFamily="34" charset="0"/>
+                <a:cs typeface="Arial" panose="020B0604020202020204" pitchFamily="34" charset="0"/>
+              </a:rPr>
+              <a:t>Types: Linear, exponential, moving average.</a:t>
+            </a:r>
+          </a:p>
+          <a:p>
+            <a:r>
+              <a:rPr lang="en-US" sz="1400">
+                <a:latin typeface="Arial" panose="020B0604020202020204" pitchFamily="34" charset="0"/>
+                <a:cs typeface="Arial" panose="020B0604020202020204" pitchFamily="34" charset="0"/>
+              </a:rPr>
+              <a:t>Forecast Sheets:</a:t>
+            </a:r>
+          </a:p>
+          <a:p>
             <a:endParaRPr lang="en-US" sz="1400">
               <a:latin typeface="Arial" panose="020B0604020202020204" pitchFamily="34" charset="0"/>
               <a:cs typeface="Arial" panose="020B0604020202020204" pitchFamily="34" charset="0"/>
@@ -12791,12 +12147,8 @@
                 <a:latin typeface="Arial" panose="020B0604020202020204" pitchFamily="34" charset="0"/>
                 <a:cs typeface="Arial" panose="020B0604020202020204" pitchFamily="34" charset="0"/>
               </a:rPr>
-              <a:t>How to Add: Select the chart &gt; Chart Elements &gt; Trendline.</a:t>
-            </a:r>
-            <a:endParaRPr lang="en-US" sz="1400">
-              <a:latin typeface="Arial" panose="020B0604020202020204" pitchFamily="34" charset="0"/>
-              <a:cs typeface="Arial" panose="020B0604020202020204" pitchFamily="34" charset="0"/>
-            </a:endParaRPr>
+              <a:t>Purpose: Projects future data based on historical trends.</a:t>
+            </a:r>
           </a:p>
           <a:p>
             <a:r>
@@ -12804,12 +12156,8 @@
                 <a:latin typeface="Arial" panose="020B0604020202020204" pitchFamily="34" charset="0"/>
                 <a:cs typeface="Arial" panose="020B0604020202020204" pitchFamily="34" charset="0"/>
               </a:rPr>
-              <a:t>Types: Linear, exponential, moving average.</a:t>
-            </a:r>
-            <a:endParaRPr lang="en-US" sz="1400">
-              <a:latin typeface="Arial" panose="020B0604020202020204" pitchFamily="34" charset="0"/>
-              <a:cs typeface="Arial" panose="020B0604020202020204" pitchFamily="34" charset="0"/>
-            </a:endParaRPr>
+              <a:t>How to Create:</a:t>
+            </a:r>
           </a:p>
           <a:p>
             <a:r>
@@ -12817,18 +12165,8 @@
                 <a:latin typeface="Arial" panose="020B0604020202020204" pitchFamily="34" charset="0"/>
                 <a:cs typeface="Arial" panose="020B0604020202020204" pitchFamily="34" charset="0"/>
               </a:rPr>
-              <a:t>Forecast Sheets:</a:t>
-            </a:r>
-            <a:endParaRPr lang="en-US" sz="1400">
-              <a:latin typeface="Arial" panose="020B0604020202020204" pitchFamily="34" charset="0"/>
-              <a:cs typeface="Arial" panose="020B0604020202020204" pitchFamily="34" charset="0"/>
-            </a:endParaRPr>
-          </a:p>
-          <a:p>
-            <a:endParaRPr lang="en-US" sz="1400">
-              <a:latin typeface="Arial" panose="020B0604020202020204" pitchFamily="34" charset="0"/>
-              <a:cs typeface="Arial" panose="020B0604020202020204" pitchFamily="34" charset="0"/>
-            </a:endParaRPr>
+              <a:t>Go to Data &gt; Forecast Sheet and select forecast settings.</a:t>
+            </a:r>
           </a:p>
           <a:p>
             <a:r>
@@ -12836,51 +12174,8 @@
                 <a:latin typeface="Arial" panose="020B0604020202020204" pitchFamily="34" charset="0"/>
                 <a:cs typeface="Arial" panose="020B0604020202020204" pitchFamily="34" charset="0"/>
               </a:rPr>
-              <a:t>Purpose: Projects future data based on historical trends.</a:t>
-            </a:r>
-            <a:endParaRPr lang="en-US" sz="1400">
-              <a:latin typeface="Arial" panose="020B0604020202020204" pitchFamily="34" charset="0"/>
-              <a:cs typeface="Arial" panose="020B0604020202020204" pitchFamily="34" charset="0"/>
-            </a:endParaRPr>
-          </a:p>
-          <a:p>
-            <a:r>
-              <a:rPr lang="en-US" sz="1400">
-                <a:latin typeface="Arial" panose="020B0604020202020204" pitchFamily="34" charset="0"/>
-                <a:cs typeface="Arial" panose="020B0604020202020204" pitchFamily="34" charset="0"/>
-              </a:rPr>
-              <a:t>How to Create:</a:t>
-            </a:r>
-            <a:endParaRPr lang="en-US" sz="1400">
-              <a:latin typeface="Arial" panose="020B0604020202020204" pitchFamily="34" charset="0"/>
-              <a:cs typeface="Arial" panose="020B0604020202020204" pitchFamily="34" charset="0"/>
-            </a:endParaRPr>
-          </a:p>
-          <a:p>
-            <a:r>
-              <a:rPr lang="en-US" sz="1400">
-                <a:latin typeface="Arial" panose="020B0604020202020204" pitchFamily="34" charset="0"/>
-                <a:cs typeface="Arial" panose="020B0604020202020204" pitchFamily="34" charset="0"/>
-              </a:rPr>
-              <a:t>Go to Data &gt; Forecast Sheet and select forecast settings.</a:t>
-            </a:r>
-            <a:endParaRPr lang="en-US" sz="1400">
-              <a:latin typeface="Arial" panose="020B0604020202020204" pitchFamily="34" charset="0"/>
-              <a:cs typeface="Arial" panose="020B0604020202020204" pitchFamily="34" charset="0"/>
-            </a:endParaRPr>
-          </a:p>
-          <a:p>
-            <a:r>
-              <a:rPr lang="en-US" sz="1400">
-                <a:latin typeface="Arial" panose="020B0604020202020204" pitchFamily="34" charset="0"/>
-                <a:cs typeface="Arial" panose="020B0604020202020204" pitchFamily="34" charset="0"/>
-              </a:rPr>
               <a:t>Activity: Add a trendline to a chart and create a forecast sheet for the next 12 months.</a:t>
             </a:r>
-            <a:endParaRPr lang="en-US" sz="1400">
-              <a:latin typeface="Arial" panose="020B0604020202020204" pitchFamily="34" charset="0"/>
-              <a:cs typeface="Arial" panose="020B0604020202020204" pitchFamily="34" charset="0"/>
-            </a:endParaRPr>
           </a:p>
         </p:txBody>
       </p:sp>
@@ -12947,7 +12242,7 @@
                 <a:effectLst/>
                 <a:latin typeface="Arial" panose="020B0604020202020204" pitchFamily="34" charset="0"/>
                 <a:ea typeface="Times New Roman" panose="02020603050405020304" pitchFamily="18" charset="0"/>
-                <a:hlinkClick r:id="rId1"/>
+                <a:hlinkClick r:id="rId2"/>
               </a:rPr>
               <a:t>What-if Analysis</a:t>
             </a:r>
@@ -12984,7 +12279,7 @@
                 <a:effectLst/>
                 <a:latin typeface="Arial" panose="020B0604020202020204" pitchFamily="34" charset="0"/>
                 <a:ea typeface="Times New Roman" panose="02020603050405020304" pitchFamily="18" charset="0"/>
-                <a:hlinkClick r:id="rId2"/>
+                <a:hlinkClick r:id="rId3"/>
               </a:rPr>
               <a:t>Scenario Manager</a:t>
             </a:r>
@@ -13010,7 +12305,7 @@
                 <a:effectLst/>
                 <a:latin typeface="Arial" panose="020B0604020202020204" pitchFamily="34" charset="0"/>
                 <a:ea typeface="Times New Roman" panose="02020603050405020304" pitchFamily="18" charset="0"/>
-                <a:hlinkClick r:id="rId3"/>
+                <a:hlinkClick r:id="rId4"/>
               </a:rPr>
               <a:t>Goal Seek</a:t>
             </a:r>
@@ -13047,7 +12342,7 @@
                 <a:effectLst/>
                 <a:latin typeface="Arial" panose="020B0604020202020204" pitchFamily="34" charset="0"/>
                 <a:ea typeface="Times New Roman" panose="02020603050405020304" pitchFamily="18" charset="0"/>
-                <a:hlinkClick r:id="rId4"/>
+                <a:hlinkClick r:id="rId5"/>
               </a:rPr>
               <a:t>Data Table</a:t>
             </a:r>
@@ -13084,7 +12379,7 @@
                 <a:effectLst/>
                 <a:latin typeface="Arial" panose="020B0604020202020204" pitchFamily="34" charset="0"/>
                 <a:ea typeface="Times New Roman" panose="02020603050405020304" pitchFamily="18" charset="0"/>
-                <a:hlinkClick r:id="rId5"/>
+                <a:hlinkClick r:id="rId6"/>
               </a:rPr>
               <a:t>Solver Too</a:t>
             </a:r>
@@ -13126,12 +12421,12 @@
           <a:bodyPr wrap="square" rtlCol="0" anchor="t">
             <a:spAutoFit/>
           </a:bodyPr>
+          <a:lstStyle/>
           <a:p>
             <a:r>
               <a:rPr lang="en-US"/>
               <a:t>https://www.geeksforgeeks.org/what-if-analysis-with-data-tables-in-excel/</a:t>
             </a:r>
-            <a:endParaRPr lang="en-US"/>
           </a:p>
         </p:txBody>
       </p:sp>
@@ -13142,7 +12437,7 @@
           <p:nvPr/>
         </p:nvPicPr>
         <p:blipFill>
-          <a:blip r:embed="rId6"/>
+          <a:blip r:embed="rId7"/>
           <a:stretch>
             <a:fillRect/>
           </a:stretch>
@@ -13164,7 +12459,7 @@
           <p:nvPr/>
         </p:nvPicPr>
         <p:blipFill>
-          <a:blip r:embed="rId7"/>
+          <a:blip r:embed="rId8"/>
           <a:stretch>
             <a:fillRect/>
           </a:stretch>
@@ -13186,7 +12481,7 @@
           <p:nvPr/>
         </p:nvPicPr>
         <p:blipFill>
-          <a:blip r:embed="rId8"/>
+          <a:blip r:embed="rId9"/>
           <a:srcRect l="11687" t="6441" r="39030" b="15643"/>
           <a:stretch>
             <a:fillRect/>
@@ -13222,12 +12517,12 @@
           <a:bodyPr wrap="square" rtlCol="0" anchor="t">
             <a:spAutoFit/>
           </a:bodyPr>
+          <a:lstStyle/>
           <a:p>
             <a:r>
               <a:rPr lang="en-US"/>
               <a:t>https://www.youtube.com/watch?v=sS6AMm3ooEM</a:t>
             </a:r>
-            <a:endParaRPr lang="en-US"/>
           </a:p>
         </p:txBody>
       </p:sp>
@@ -13251,6 +12546,7 @@
           <a:bodyPr wrap="square" rtlCol="0" anchor="t">
             <a:spAutoFit/>
           </a:bodyPr>
+          <a:lstStyle/>
           <a:p>
             <a:r>
               <a:rPr lang="en-US"/>
@@ -13264,11 +12560,6 @@
               </a:rPr>
               <a:t>solver</a:t>
             </a:r>
-            <a:endParaRPr lang="en-US" b="1">
-              <a:solidFill>
-                <a:srgbClr val="FF0000"/>
-              </a:solidFill>
-            </a:endParaRPr>
           </a:p>
         </p:txBody>
       </p:sp>
@@ -13281,6 +12572,875 @@
 </file>
 
 <file path=ppt/slides/slide32.xml><?xml version="1.0" encoding="utf-8"?>
+<p:sld xmlns:a="http://schemas.openxmlformats.org/drawingml/2006/main" xmlns:r="http://schemas.openxmlformats.org/officeDocument/2006/relationships" xmlns:p="http://schemas.openxmlformats.org/presentationml/2006/main">
+  <p:cSld>
+    <p:spTree>
+      <p:nvGrpSpPr>
+        <p:cNvPr id="1" name=""/>
+        <p:cNvGrpSpPr/>
+        <p:nvPr/>
+      </p:nvGrpSpPr>
+      <p:grpSpPr>
+        <a:xfrm>
+          <a:off x="0" y="0"/>
+          <a:ext cx="0" cy="0"/>
+          <a:chOff x="0" y="0"/>
+          <a:chExt cx="0" cy="0"/>
+        </a:xfrm>
+      </p:grpSpPr>
+      <p:sp>
+        <p:nvSpPr>
+          <p:cNvPr id="18" name="TextBox 17">
+            <a:extLst>
+              <a:ext uri="{FF2B5EF4-FFF2-40B4-BE49-F238E27FC236}">
+                <a16:creationId xmlns:a16="http://schemas.microsoft.com/office/drawing/2014/main" id="{18183058-F670-0663-7679-4929FE79D732}"/>
+              </a:ext>
+            </a:extLst>
+          </p:cNvPr>
+          <p:cNvSpPr txBox="1"/>
+          <p:nvPr/>
+        </p:nvSpPr>
+        <p:spPr>
+          <a:xfrm>
+            <a:off x="3048000" y="2897830"/>
+            <a:ext cx="6096000" cy="1066959"/>
+          </a:xfrm>
+          <a:prstGeom prst="rect">
+            <a:avLst/>
+          </a:prstGeom>
+          <a:noFill/>
+        </p:spPr>
+        <p:txBody>
+          <a:bodyPr wrap="square">
+            <a:spAutoFit/>
+          </a:bodyPr>
+          <a:lstStyle/>
+          <a:p>
+            <a:pPr rtl="0">
+              <a:spcBef>
+                <a:spcPts val="1800"/>
+              </a:spcBef>
+              <a:spcAft>
+                <a:spcPts val="400"/>
+              </a:spcAft>
+              <a:buNone/>
+            </a:pPr>
+            <a:r>
+              <a:rPr lang="en-US" sz="3200" b="1" i="0" u="none" strike="noStrike" dirty="0">
+                <a:solidFill>
+                  <a:srgbClr val="000000"/>
+                </a:solidFill>
+                <a:effectLst/>
+                <a:latin typeface="Arial" panose="020B0604020202020204" pitchFamily="34" charset="0"/>
+              </a:rPr>
+              <a:t>Module 16 – Data Cleaning</a:t>
+            </a:r>
+            <a:endParaRPr lang="en-US" b="1" dirty="0">
+              <a:effectLst/>
+            </a:endParaRPr>
+          </a:p>
+          <a:p>
+            <a:pPr rtl="0" fontAlgn="base">
+              <a:spcBef>
+                <a:spcPts val="1200"/>
+              </a:spcBef>
+              <a:spcAft>
+                <a:spcPts val="1200"/>
+              </a:spcAft>
+              <a:buFont typeface="Arial" panose="020B0604020202020204" pitchFamily="34" charset="0"/>
+              <a:buChar char="•"/>
+            </a:pPr>
+            <a:r>
+              <a:rPr lang="en-US" sz="1800" b="0" i="0" u="sng" strike="noStrike" dirty="0">
+                <a:solidFill>
+                  <a:srgbClr val="1155CC"/>
+                </a:solidFill>
+                <a:effectLst/>
+                <a:latin typeface="Arial" panose="020B0604020202020204" pitchFamily="34" charset="0"/>
+                <a:hlinkClick r:id="rId2"/>
+              </a:rPr>
+              <a:t>Alex The Analyst GitHub Repository</a:t>
+            </a:r>
+            <a:endParaRPr lang="en-US" sz="1800" b="0" i="0" u="none" strike="noStrike" dirty="0">
+              <a:solidFill>
+                <a:srgbClr val="000000"/>
+              </a:solidFill>
+              <a:effectLst/>
+              <a:latin typeface="Arial" panose="020B0604020202020204" pitchFamily="34" charset="0"/>
+            </a:endParaRPr>
+          </a:p>
+        </p:txBody>
+      </p:sp>
+    </p:spTree>
+    <p:extLst>
+      <p:ext uri="{BB962C8B-B14F-4D97-AF65-F5344CB8AC3E}">
+        <p14:creationId xmlns:p14="http://schemas.microsoft.com/office/powerpoint/2010/main" val="2516748607"/>
+      </p:ext>
+    </p:extLst>
+  </p:cSld>
+  <p:clrMapOvr>
+    <a:masterClrMapping/>
+  </p:clrMapOvr>
+</p:sld>
+</file>
+
+<file path=ppt/slides/slide33.xml><?xml version="1.0" encoding="utf-8"?>
+<p:sld xmlns:a="http://schemas.openxmlformats.org/drawingml/2006/main" xmlns:r="http://schemas.openxmlformats.org/officeDocument/2006/relationships" xmlns:p="http://schemas.openxmlformats.org/presentationml/2006/main">
+  <p:cSld>
+    <p:spTree>
+      <p:nvGrpSpPr>
+        <p:cNvPr id="1" name=""/>
+        <p:cNvGrpSpPr/>
+        <p:nvPr/>
+      </p:nvGrpSpPr>
+      <p:grpSpPr>
+        <a:xfrm>
+          <a:off x="0" y="0"/>
+          <a:ext cx="0" cy="0"/>
+          <a:chOff x="0" y="0"/>
+          <a:chExt cx="0" cy="0"/>
+        </a:xfrm>
+      </p:grpSpPr>
+      <p:sp>
+        <p:nvSpPr>
+          <p:cNvPr id="3" name="TextBox 2">
+            <a:extLst>
+              <a:ext uri="{FF2B5EF4-FFF2-40B4-BE49-F238E27FC236}">
+                <a16:creationId xmlns:a16="http://schemas.microsoft.com/office/drawing/2014/main" id="{CB52BF05-9671-B2C1-E5E5-5BBB944BBB99}"/>
+              </a:ext>
+            </a:extLst>
+          </p:cNvPr>
+          <p:cNvSpPr txBox="1"/>
+          <p:nvPr/>
+        </p:nvSpPr>
+        <p:spPr>
+          <a:xfrm>
+            <a:off x="3048000" y="2205333"/>
+            <a:ext cx="6096000" cy="2451953"/>
+          </a:xfrm>
+          <a:prstGeom prst="rect">
+            <a:avLst/>
+          </a:prstGeom>
+          <a:noFill/>
+        </p:spPr>
+        <p:txBody>
+          <a:bodyPr wrap="square">
+            <a:spAutoFit/>
+          </a:bodyPr>
+          <a:lstStyle/>
+          <a:p>
+            <a:pPr rtl="0">
+              <a:spcBef>
+                <a:spcPts val="1800"/>
+              </a:spcBef>
+              <a:spcAft>
+                <a:spcPts val="400"/>
+              </a:spcAft>
+              <a:buNone/>
+            </a:pPr>
+            <a:r>
+              <a:rPr lang="en-US" sz="3200" b="1" i="0" u="none" strike="noStrike" dirty="0">
+                <a:solidFill>
+                  <a:srgbClr val="000000"/>
+                </a:solidFill>
+                <a:effectLst/>
+                <a:latin typeface="Arial" panose="020B0604020202020204" pitchFamily="34" charset="0"/>
+              </a:rPr>
+              <a:t>Module 17 – Dashboards</a:t>
+            </a:r>
+            <a:endParaRPr lang="en-US" b="1" dirty="0">
+              <a:effectLst/>
+            </a:endParaRPr>
+          </a:p>
+          <a:p>
+            <a:pPr rtl="0" fontAlgn="base">
+              <a:spcBef>
+                <a:spcPts val="1200"/>
+              </a:spcBef>
+              <a:buFont typeface="Arial" panose="020B0604020202020204" pitchFamily="34" charset="0"/>
+              <a:buChar char="•"/>
+            </a:pPr>
+            <a:r>
+              <a:rPr lang="en-US" sz="1800" b="0" i="0" u="sng" strike="noStrike" dirty="0">
+                <a:solidFill>
+                  <a:srgbClr val="1155CC"/>
+                </a:solidFill>
+                <a:effectLst/>
+                <a:latin typeface="Arial" panose="020B0604020202020204" pitchFamily="34" charset="0"/>
+                <a:hlinkClick r:id="rId2"/>
+              </a:rPr>
+              <a:t>Superstore Dashboard – YouTube Playlist</a:t>
+            </a:r>
+            <a:br>
+              <a:rPr lang="en-US" sz="1800" b="0" i="0" u="sng" strike="noStrike" dirty="0">
+                <a:solidFill>
+                  <a:srgbClr val="1155CC"/>
+                </a:solidFill>
+                <a:effectLst/>
+                <a:latin typeface="Arial" panose="020B0604020202020204" pitchFamily="34" charset="0"/>
+                <a:hlinkClick r:id="rId2"/>
+              </a:rPr>
+            </a:br>
+            <a:br>
+              <a:rPr lang="en-US" sz="1800" b="0" i="0" u="sng" strike="noStrike" dirty="0">
+                <a:solidFill>
+                  <a:srgbClr val="1155CC"/>
+                </a:solidFill>
+                <a:effectLst/>
+                <a:latin typeface="Arial" panose="020B0604020202020204" pitchFamily="34" charset="0"/>
+                <a:hlinkClick r:id="rId2"/>
+              </a:rPr>
+            </a:br>
+            <a:endParaRPr lang="en-US" sz="1800" b="0" i="0" u="none" strike="noStrike" dirty="0">
+              <a:solidFill>
+                <a:srgbClr val="000000"/>
+              </a:solidFill>
+              <a:effectLst/>
+              <a:latin typeface="Arial" panose="020B0604020202020204" pitchFamily="34" charset="0"/>
+            </a:endParaRPr>
+          </a:p>
+          <a:p>
+            <a:pPr rtl="0" fontAlgn="base">
+              <a:spcAft>
+                <a:spcPts val="1200"/>
+              </a:spcAft>
+              <a:buFont typeface="Arial" panose="020B0604020202020204" pitchFamily="34" charset="0"/>
+              <a:buChar char="•"/>
+            </a:pPr>
+            <a:r>
+              <a:rPr lang="en-US" sz="1800" b="0" i="0" u="sng" strike="noStrike" dirty="0">
+                <a:solidFill>
+                  <a:srgbClr val="1155CC"/>
+                </a:solidFill>
+                <a:effectLst/>
+                <a:latin typeface="Arial" panose="020B0604020202020204" pitchFamily="34" charset="0"/>
+                <a:hlinkClick r:id="rId3"/>
+              </a:rPr>
+              <a:t>Customer Analytics Dashboard – YouTube</a:t>
+            </a:r>
+            <a:br>
+              <a:rPr lang="en-US" sz="1800" b="0" i="0" u="sng" strike="noStrike" dirty="0">
+                <a:solidFill>
+                  <a:srgbClr val="1155CC"/>
+                </a:solidFill>
+                <a:effectLst/>
+                <a:latin typeface="Arial" panose="020B0604020202020204" pitchFamily="34" charset="0"/>
+                <a:hlinkClick r:id="rId3"/>
+              </a:rPr>
+            </a:br>
+            <a:br>
+              <a:rPr lang="en-US" sz="1800" b="0" i="0" u="sng" strike="noStrike" dirty="0">
+                <a:solidFill>
+                  <a:srgbClr val="1155CC"/>
+                </a:solidFill>
+                <a:effectLst/>
+                <a:latin typeface="Arial" panose="020B0604020202020204" pitchFamily="34" charset="0"/>
+                <a:hlinkClick r:id="rId3"/>
+              </a:rPr>
+            </a:br>
+            <a:endParaRPr lang="en-US" sz="1800" b="0" i="0" u="none" strike="noStrike" dirty="0">
+              <a:solidFill>
+                <a:srgbClr val="000000"/>
+              </a:solidFill>
+              <a:effectLst/>
+              <a:latin typeface="Arial" panose="020B0604020202020204" pitchFamily="34" charset="0"/>
+            </a:endParaRPr>
+          </a:p>
+        </p:txBody>
+      </p:sp>
+    </p:spTree>
+    <p:extLst>
+      <p:ext uri="{BB962C8B-B14F-4D97-AF65-F5344CB8AC3E}">
+        <p14:creationId xmlns:p14="http://schemas.microsoft.com/office/powerpoint/2010/main" val="2683513051"/>
+      </p:ext>
+    </p:extLst>
+  </p:cSld>
+  <p:clrMapOvr>
+    <a:masterClrMapping/>
+  </p:clrMapOvr>
+</p:sld>
+</file>
+
+<file path=ppt/slides/slide34.xml><?xml version="1.0" encoding="utf-8"?>
+<p:sld xmlns:a="http://schemas.openxmlformats.org/drawingml/2006/main" xmlns:r="http://schemas.openxmlformats.org/officeDocument/2006/relationships" xmlns:p="http://schemas.openxmlformats.org/presentationml/2006/main">
+  <p:cSld>
+    <p:spTree>
+      <p:nvGrpSpPr>
+        <p:cNvPr id="1" name=""/>
+        <p:cNvGrpSpPr/>
+        <p:nvPr/>
+      </p:nvGrpSpPr>
+      <p:grpSpPr>
+        <a:xfrm>
+          <a:off x="0" y="0"/>
+          <a:ext cx="0" cy="0"/>
+          <a:chOff x="0" y="0"/>
+          <a:chExt cx="0" cy="0"/>
+        </a:xfrm>
+      </p:grpSpPr>
+      <p:sp>
+        <p:nvSpPr>
+          <p:cNvPr id="3" name="TextBox 2">
+            <a:extLst>
+              <a:ext uri="{FF2B5EF4-FFF2-40B4-BE49-F238E27FC236}">
+                <a16:creationId xmlns:a16="http://schemas.microsoft.com/office/drawing/2014/main" id="{CAF8A5BA-9F1E-6CEC-D592-784FDD2441A4}"/>
+              </a:ext>
+            </a:extLst>
+          </p:cNvPr>
+          <p:cNvSpPr txBox="1"/>
+          <p:nvPr/>
+        </p:nvSpPr>
+        <p:spPr>
+          <a:xfrm>
+            <a:off x="3048000" y="512562"/>
+            <a:ext cx="6096000" cy="5837495"/>
+          </a:xfrm>
+          <a:prstGeom prst="rect">
+            <a:avLst/>
+          </a:prstGeom>
+          <a:noFill/>
+        </p:spPr>
+        <p:txBody>
+          <a:bodyPr wrap="square">
+            <a:spAutoFit/>
+          </a:bodyPr>
+          <a:lstStyle/>
+          <a:p>
+            <a:pPr rtl="0">
+              <a:spcBef>
+                <a:spcPts val="1800"/>
+              </a:spcBef>
+              <a:spcAft>
+                <a:spcPts val="400"/>
+              </a:spcAft>
+              <a:buNone/>
+            </a:pPr>
+            <a:r>
+              <a:rPr lang="en-US" sz="3200" b="1" i="0" u="none" strike="noStrike" dirty="0">
+                <a:solidFill>
+                  <a:srgbClr val="000000"/>
+                </a:solidFill>
+                <a:effectLst/>
+                <a:latin typeface="Arial" panose="020B0604020202020204" pitchFamily="34" charset="0"/>
+              </a:rPr>
+              <a:t>Module 18 – Power Pivot</a:t>
+            </a:r>
+            <a:endParaRPr lang="en-US" b="1" dirty="0">
+              <a:effectLst/>
+            </a:endParaRPr>
+          </a:p>
+          <a:p>
+            <a:pPr rtl="0" fontAlgn="base">
+              <a:spcBef>
+                <a:spcPts val="1200"/>
+              </a:spcBef>
+              <a:buFont typeface="Arial" panose="020B0604020202020204" pitchFamily="34" charset="0"/>
+              <a:buChar char="•"/>
+            </a:pPr>
+            <a:r>
+              <a:rPr lang="en-US" sz="1800" b="0" i="0" u="none" strike="noStrike" dirty="0">
+                <a:solidFill>
+                  <a:srgbClr val="000000"/>
+                </a:solidFill>
+                <a:effectLst/>
+                <a:latin typeface="Arial" panose="020B0604020202020204" pitchFamily="34" charset="0"/>
+              </a:rPr>
+              <a:t>Activating PowerPivot Add-In</a:t>
+            </a:r>
+            <a:br>
+              <a:rPr lang="en-US" sz="1800" b="0" i="0" u="none" strike="noStrike" dirty="0">
+                <a:solidFill>
+                  <a:srgbClr val="000000"/>
+                </a:solidFill>
+                <a:effectLst/>
+                <a:latin typeface="Arial" panose="020B0604020202020204" pitchFamily="34" charset="0"/>
+              </a:rPr>
+            </a:br>
+            <a:br>
+              <a:rPr lang="en-US" sz="1800" b="0" i="0" u="none" strike="noStrike" dirty="0">
+                <a:solidFill>
+                  <a:srgbClr val="000000"/>
+                </a:solidFill>
+                <a:effectLst/>
+                <a:latin typeface="Arial" panose="020B0604020202020204" pitchFamily="34" charset="0"/>
+              </a:rPr>
+            </a:br>
+            <a:endParaRPr lang="en-US" sz="1800" b="0" i="0" u="none" strike="noStrike" dirty="0">
+              <a:solidFill>
+                <a:srgbClr val="000000"/>
+              </a:solidFill>
+              <a:effectLst/>
+              <a:latin typeface="Arial" panose="020B0604020202020204" pitchFamily="34" charset="0"/>
+            </a:endParaRPr>
+          </a:p>
+          <a:p>
+            <a:pPr rtl="0" fontAlgn="base">
+              <a:buFont typeface="Arial" panose="020B0604020202020204" pitchFamily="34" charset="0"/>
+              <a:buChar char="•"/>
+            </a:pPr>
+            <a:r>
+              <a:rPr lang="en-US" sz="1800" b="0" i="0" u="none" strike="noStrike" dirty="0">
+                <a:solidFill>
+                  <a:srgbClr val="000000"/>
+                </a:solidFill>
+                <a:effectLst/>
+                <a:latin typeface="Arial" panose="020B0604020202020204" pitchFamily="34" charset="0"/>
+              </a:rPr>
+              <a:t>Data Models &amp; Relationships</a:t>
+            </a:r>
+            <a:br>
+              <a:rPr lang="en-US" sz="1800" b="0" i="0" u="none" strike="noStrike" dirty="0">
+                <a:solidFill>
+                  <a:srgbClr val="000000"/>
+                </a:solidFill>
+                <a:effectLst/>
+                <a:latin typeface="Arial" panose="020B0604020202020204" pitchFamily="34" charset="0"/>
+              </a:rPr>
+            </a:br>
+            <a:br>
+              <a:rPr lang="en-US" sz="1800" b="0" i="0" u="none" strike="noStrike" dirty="0">
+                <a:solidFill>
+                  <a:srgbClr val="000000"/>
+                </a:solidFill>
+                <a:effectLst/>
+                <a:latin typeface="Arial" panose="020B0604020202020204" pitchFamily="34" charset="0"/>
+              </a:rPr>
+            </a:br>
+            <a:endParaRPr lang="en-US" sz="1800" b="0" i="0" u="none" strike="noStrike" dirty="0">
+              <a:solidFill>
+                <a:srgbClr val="000000"/>
+              </a:solidFill>
+              <a:effectLst/>
+              <a:latin typeface="Arial" panose="020B0604020202020204" pitchFamily="34" charset="0"/>
+            </a:endParaRPr>
+          </a:p>
+          <a:p>
+            <a:pPr rtl="0" fontAlgn="base">
+              <a:spcAft>
+                <a:spcPts val="1200"/>
+              </a:spcAft>
+              <a:buFont typeface="Arial" panose="020B0604020202020204" pitchFamily="34" charset="0"/>
+              <a:buChar char="•"/>
+            </a:pPr>
+            <a:r>
+              <a:rPr lang="en-US" sz="1800" b="0" i="0" u="none" strike="noStrike" dirty="0">
+                <a:solidFill>
+                  <a:srgbClr val="000000"/>
+                </a:solidFill>
+                <a:effectLst/>
+                <a:latin typeface="Arial" panose="020B0604020202020204" pitchFamily="34" charset="0"/>
+              </a:rPr>
+              <a:t>KPIs</a:t>
+            </a:r>
+            <a:br>
+              <a:rPr lang="en-US" sz="1800" b="0" i="0" u="none" strike="noStrike" dirty="0">
+                <a:solidFill>
+                  <a:srgbClr val="000000"/>
+                </a:solidFill>
+                <a:effectLst/>
+                <a:latin typeface="Arial" panose="020B0604020202020204" pitchFamily="34" charset="0"/>
+              </a:rPr>
+            </a:br>
+            <a:br>
+              <a:rPr lang="en-US" sz="1800" b="0" i="0" u="none" strike="noStrike" dirty="0">
+                <a:solidFill>
+                  <a:srgbClr val="000000"/>
+                </a:solidFill>
+                <a:effectLst/>
+                <a:latin typeface="Arial" panose="020B0604020202020204" pitchFamily="34" charset="0"/>
+              </a:rPr>
+            </a:br>
+            <a:endParaRPr lang="en-US" sz="1800" b="0" i="0" u="none" strike="noStrike" dirty="0">
+              <a:solidFill>
+                <a:srgbClr val="000000"/>
+              </a:solidFill>
+              <a:effectLst/>
+              <a:latin typeface="Arial" panose="020B0604020202020204" pitchFamily="34" charset="0"/>
+            </a:endParaRPr>
+          </a:p>
+          <a:p>
+            <a:pPr rtl="0">
+              <a:spcBef>
+                <a:spcPts val="1200"/>
+              </a:spcBef>
+              <a:spcAft>
+                <a:spcPts val="1200"/>
+              </a:spcAft>
+              <a:buNone/>
+            </a:pPr>
+            <a:r>
+              <a:rPr lang="en-US" sz="1800" b="1" i="0" u="none" strike="noStrike" dirty="0">
+                <a:solidFill>
+                  <a:srgbClr val="000000"/>
+                </a:solidFill>
+                <a:effectLst/>
+                <a:latin typeface="Arial" panose="020B0604020202020204" pitchFamily="34" charset="0"/>
+              </a:rPr>
+              <a:t>Resources:</a:t>
+            </a:r>
+            <a:endParaRPr lang="en-US" b="0" dirty="0">
+              <a:effectLst/>
+            </a:endParaRPr>
+          </a:p>
+          <a:p>
+            <a:pPr rtl="0" fontAlgn="base">
+              <a:spcBef>
+                <a:spcPts val="1200"/>
+              </a:spcBef>
+              <a:buFont typeface="Arial" panose="020B0604020202020204" pitchFamily="34" charset="0"/>
+              <a:buChar char="•"/>
+            </a:pPr>
+            <a:r>
+              <a:rPr lang="en-US" sz="1800" b="0" i="0" u="sng" strike="noStrike" dirty="0">
+                <a:solidFill>
+                  <a:srgbClr val="1155CC"/>
+                </a:solidFill>
+                <a:effectLst/>
+                <a:latin typeface="Arial" panose="020B0604020202020204" pitchFamily="34" charset="0"/>
+                <a:hlinkClick r:id="rId2"/>
+              </a:rPr>
+              <a:t>Simplilearn Guide</a:t>
+            </a:r>
+            <a:br>
+              <a:rPr lang="en-US" sz="1800" b="0" i="0" u="sng" strike="noStrike" dirty="0">
+                <a:solidFill>
+                  <a:srgbClr val="1155CC"/>
+                </a:solidFill>
+                <a:effectLst/>
+                <a:latin typeface="Arial" panose="020B0604020202020204" pitchFamily="34" charset="0"/>
+                <a:hlinkClick r:id="rId2"/>
+              </a:rPr>
+            </a:br>
+            <a:br>
+              <a:rPr lang="en-US" sz="1800" b="0" i="0" u="sng" strike="noStrike" dirty="0">
+                <a:solidFill>
+                  <a:srgbClr val="1155CC"/>
+                </a:solidFill>
+                <a:effectLst/>
+                <a:latin typeface="Arial" panose="020B0604020202020204" pitchFamily="34" charset="0"/>
+                <a:hlinkClick r:id="rId2"/>
+              </a:rPr>
+            </a:br>
+            <a:endParaRPr lang="en-US" sz="1800" b="0" i="0" u="none" strike="noStrike" dirty="0">
+              <a:solidFill>
+                <a:srgbClr val="000000"/>
+              </a:solidFill>
+              <a:effectLst/>
+              <a:latin typeface="Arial" panose="020B0604020202020204" pitchFamily="34" charset="0"/>
+            </a:endParaRPr>
+          </a:p>
+          <a:p>
+            <a:pPr rtl="0" fontAlgn="base">
+              <a:spcAft>
+                <a:spcPts val="1200"/>
+              </a:spcAft>
+              <a:buFont typeface="Arial" panose="020B0604020202020204" pitchFamily="34" charset="0"/>
+              <a:buChar char="•"/>
+            </a:pPr>
+            <a:r>
+              <a:rPr lang="en-US" sz="1800" b="0" i="0" u="sng" strike="noStrike" dirty="0" err="1">
+                <a:solidFill>
+                  <a:srgbClr val="1155CC"/>
+                </a:solidFill>
+                <a:effectLst/>
+                <a:latin typeface="Arial" panose="020B0604020202020204" pitchFamily="34" charset="0"/>
+                <a:hlinkClick r:id="rId3"/>
+              </a:rPr>
+              <a:t>GeeksforGeeks</a:t>
+            </a:r>
+            <a:r>
+              <a:rPr lang="en-US" sz="1800" b="0" i="0" u="sng" strike="noStrike" dirty="0">
+                <a:solidFill>
+                  <a:srgbClr val="1155CC"/>
+                </a:solidFill>
+                <a:effectLst/>
+                <a:latin typeface="Arial" panose="020B0604020202020204" pitchFamily="34" charset="0"/>
+                <a:hlinkClick r:id="rId3"/>
+              </a:rPr>
+              <a:t> Tutorial</a:t>
+            </a:r>
+            <a:br>
+              <a:rPr lang="en-US" sz="1800" b="0" i="0" u="sng" strike="noStrike" dirty="0">
+                <a:solidFill>
+                  <a:srgbClr val="1155CC"/>
+                </a:solidFill>
+                <a:effectLst/>
+                <a:latin typeface="Arial" panose="020B0604020202020204" pitchFamily="34" charset="0"/>
+                <a:hlinkClick r:id="rId3"/>
+              </a:rPr>
+            </a:br>
+            <a:br>
+              <a:rPr lang="en-US" sz="1800" b="0" i="0" u="sng" strike="noStrike" dirty="0">
+                <a:solidFill>
+                  <a:srgbClr val="1155CC"/>
+                </a:solidFill>
+                <a:effectLst/>
+                <a:latin typeface="Arial" panose="020B0604020202020204" pitchFamily="34" charset="0"/>
+                <a:hlinkClick r:id="rId3"/>
+              </a:rPr>
+            </a:br>
+            <a:endParaRPr lang="en-US" sz="1800" b="0" i="0" u="none" strike="noStrike" dirty="0">
+              <a:solidFill>
+                <a:srgbClr val="000000"/>
+              </a:solidFill>
+              <a:effectLst/>
+              <a:latin typeface="Arial" panose="020B0604020202020204" pitchFamily="34" charset="0"/>
+            </a:endParaRPr>
+          </a:p>
+        </p:txBody>
+      </p:sp>
+    </p:spTree>
+    <p:extLst>
+      <p:ext uri="{BB962C8B-B14F-4D97-AF65-F5344CB8AC3E}">
+        <p14:creationId xmlns:p14="http://schemas.microsoft.com/office/powerpoint/2010/main" val="1221759665"/>
+      </p:ext>
+    </p:extLst>
+  </p:cSld>
+  <p:clrMapOvr>
+    <a:masterClrMapping/>
+  </p:clrMapOvr>
+</p:sld>
+</file>
+
+<file path=ppt/slides/slide35.xml><?xml version="1.0" encoding="utf-8"?>
+<p:sld xmlns:a="http://schemas.openxmlformats.org/drawingml/2006/main" xmlns:r="http://schemas.openxmlformats.org/officeDocument/2006/relationships" xmlns:p="http://schemas.openxmlformats.org/presentationml/2006/main">
+  <p:cSld>
+    <p:spTree>
+      <p:nvGrpSpPr>
+        <p:cNvPr id="1" name=""/>
+        <p:cNvGrpSpPr/>
+        <p:nvPr/>
+      </p:nvGrpSpPr>
+      <p:grpSpPr>
+        <a:xfrm>
+          <a:off x="0" y="0"/>
+          <a:ext cx="0" cy="0"/>
+          <a:chOff x="0" y="0"/>
+          <a:chExt cx="0" cy="0"/>
+        </a:xfrm>
+      </p:grpSpPr>
+      <p:sp>
+        <p:nvSpPr>
+          <p:cNvPr id="3" name="TextBox 2">
+            <a:extLst>
+              <a:ext uri="{FF2B5EF4-FFF2-40B4-BE49-F238E27FC236}">
+                <a16:creationId xmlns:a16="http://schemas.microsoft.com/office/drawing/2014/main" id="{39A068EA-CEA4-0C32-A09E-B2AF104AC689}"/>
+              </a:ext>
+            </a:extLst>
+          </p:cNvPr>
+          <p:cNvSpPr txBox="1"/>
+          <p:nvPr/>
+        </p:nvSpPr>
+        <p:spPr>
+          <a:xfrm>
+            <a:off x="3048000" y="2020667"/>
+            <a:ext cx="6096000" cy="2821285"/>
+          </a:xfrm>
+          <a:prstGeom prst="rect">
+            <a:avLst/>
+          </a:prstGeom>
+          <a:noFill/>
+        </p:spPr>
+        <p:txBody>
+          <a:bodyPr wrap="square">
+            <a:spAutoFit/>
+          </a:bodyPr>
+          <a:lstStyle/>
+          <a:p>
+            <a:pPr rtl="0">
+              <a:spcBef>
+                <a:spcPts val="1800"/>
+              </a:spcBef>
+              <a:spcAft>
+                <a:spcPts val="400"/>
+              </a:spcAft>
+              <a:buNone/>
+            </a:pPr>
+            <a:r>
+              <a:rPr lang="en-US" sz="3200" b="1" i="0" u="none" strike="noStrike" dirty="0">
+                <a:solidFill>
+                  <a:srgbClr val="000000"/>
+                </a:solidFill>
+                <a:effectLst/>
+                <a:latin typeface="Arial" panose="020B0604020202020204" pitchFamily="34" charset="0"/>
+              </a:rPr>
+              <a:t>Module 19 – Power Query Editor</a:t>
+            </a:r>
+            <a:endParaRPr lang="en-US" b="1" dirty="0">
+              <a:effectLst/>
+            </a:endParaRPr>
+          </a:p>
+          <a:p>
+            <a:pPr rtl="0" fontAlgn="base">
+              <a:spcBef>
+                <a:spcPts val="1200"/>
+              </a:spcBef>
+              <a:spcAft>
+                <a:spcPts val="1200"/>
+              </a:spcAft>
+              <a:buFont typeface="Arial" panose="020B0604020202020204" pitchFamily="34" charset="0"/>
+              <a:buChar char="•"/>
+            </a:pPr>
+            <a:r>
+              <a:rPr lang="en-US" sz="1800" b="0" i="0" u="none" strike="noStrike" dirty="0">
+                <a:solidFill>
+                  <a:srgbClr val="000000"/>
+                </a:solidFill>
+                <a:effectLst/>
+                <a:latin typeface="Arial" panose="020B0604020202020204" pitchFamily="34" charset="0"/>
+              </a:rPr>
+              <a:t>Data Transformation</a:t>
+            </a:r>
+            <a:br>
+              <a:rPr lang="en-US" sz="1800" b="0" i="0" u="none" strike="noStrike" dirty="0">
+                <a:solidFill>
+                  <a:srgbClr val="000000"/>
+                </a:solidFill>
+                <a:effectLst/>
+                <a:latin typeface="Arial" panose="020B0604020202020204" pitchFamily="34" charset="0"/>
+              </a:rPr>
+            </a:br>
+            <a:br>
+              <a:rPr lang="en-US" sz="1800" b="0" i="0" u="none" strike="noStrike" dirty="0">
+                <a:solidFill>
+                  <a:srgbClr val="000000"/>
+                </a:solidFill>
+                <a:effectLst/>
+                <a:latin typeface="Arial" panose="020B0604020202020204" pitchFamily="34" charset="0"/>
+              </a:rPr>
+            </a:br>
+            <a:endParaRPr lang="en-US" sz="1800" b="0" i="0" u="none" strike="noStrike" dirty="0">
+              <a:solidFill>
+                <a:srgbClr val="000000"/>
+              </a:solidFill>
+              <a:effectLst/>
+              <a:latin typeface="Arial" panose="020B0604020202020204" pitchFamily="34" charset="0"/>
+            </a:endParaRPr>
+          </a:p>
+          <a:p>
+            <a:pPr>
+              <a:buNone/>
+            </a:pPr>
+            <a:r>
+              <a:rPr lang="en-US" sz="1800" b="0" i="0" u="none" strike="noStrike" dirty="0">
+                <a:solidFill>
+                  <a:srgbClr val="000000"/>
+                </a:solidFill>
+                <a:effectLst/>
+                <a:latin typeface="Arial" panose="020B0604020202020204" pitchFamily="34" charset="0"/>
+              </a:rPr>
+              <a:t>Cleaning &amp; Shaping Data</a:t>
+            </a:r>
+            <a:br>
+              <a:rPr lang="en-US" sz="1800" b="0" i="0" u="none" strike="noStrike" dirty="0">
+                <a:solidFill>
+                  <a:srgbClr val="000000"/>
+                </a:solidFill>
+                <a:effectLst/>
+                <a:latin typeface="Arial" panose="020B0604020202020204" pitchFamily="34" charset="0"/>
+              </a:rPr>
+            </a:br>
+            <a:endParaRPr lang="en-US" dirty="0"/>
+          </a:p>
+        </p:txBody>
+      </p:sp>
+    </p:spTree>
+    <p:extLst>
+      <p:ext uri="{BB962C8B-B14F-4D97-AF65-F5344CB8AC3E}">
+        <p14:creationId xmlns:p14="http://schemas.microsoft.com/office/powerpoint/2010/main" val="3152872795"/>
+      </p:ext>
+    </p:extLst>
+  </p:cSld>
+  <p:clrMapOvr>
+    <a:masterClrMapping/>
+  </p:clrMapOvr>
+</p:sld>
+</file>
+
+<file path=ppt/slides/slide36.xml><?xml version="1.0" encoding="utf-8"?>
+<p:sld xmlns:a="http://schemas.openxmlformats.org/drawingml/2006/main" xmlns:r="http://schemas.openxmlformats.org/officeDocument/2006/relationships" xmlns:p="http://schemas.openxmlformats.org/presentationml/2006/main">
+  <p:cSld>
+    <p:spTree>
+      <p:nvGrpSpPr>
+        <p:cNvPr id="1" name=""/>
+        <p:cNvGrpSpPr/>
+        <p:nvPr/>
+      </p:nvGrpSpPr>
+      <p:grpSpPr>
+        <a:xfrm>
+          <a:off x="0" y="0"/>
+          <a:ext cx="0" cy="0"/>
+          <a:chOff x="0" y="0"/>
+          <a:chExt cx="0" cy="0"/>
+        </a:xfrm>
+      </p:grpSpPr>
+      <p:sp>
+        <p:nvSpPr>
+          <p:cNvPr id="3" name="TextBox 2">
+            <a:extLst>
+              <a:ext uri="{FF2B5EF4-FFF2-40B4-BE49-F238E27FC236}">
+                <a16:creationId xmlns:a16="http://schemas.microsoft.com/office/drawing/2014/main" id="{45B024A8-77D6-F4FB-D30F-B4404CD730AA}"/>
+              </a:ext>
+            </a:extLst>
+          </p:cNvPr>
+          <p:cNvSpPr txBox="1"/>
+          <p:nvPr/>
+        </p:nvSpPr>
+        <p:spPr>
+          <a:xfrm>
+            <a:off x="3048000" y="3246643"/>
+            <a:ext cx="6096000" cy="369332"/>
+          </a:xfrm>
+          <a:prstGeom prst="rect">
+            <a:avLst/>
+          </a:prstGeom>
+          <a:noFill/>
+        </p:spPr>
+        <p:txBody>
+          <a:bodyPr wrap="square">
+            <a:spAutoFit/>
+          </a:bodyPr>
+          <a:lstStyle/>
+          <a:p>
+            <a:pPr rtl="0">
+              <a:spcBef>
+                <a:spcPts val="1800"/>
+              </a:spcBef>
+              <a:spcAft>
+                <a:spcPts val="400"/>
+              </a:spcAft>
+              <a:buNone/>
+            </a:pPr>
+            <a:r>
+              <a:rPr lang="en-US" sz="1800" b="1" i="0" u="none" strike="noStrike" dirty="0">
+                <a:solidFill>
+                  <a:srgbClr val="000000"/>
+                </a:solidFill>
+                <a:effectLst/>
+                <a:latin typeface="Arial" panose="020B0604020202020204" pitchFamily="34" charset="0"/>
+              </a:rPr>
+              <a:t>Module 20 – Database Connections in Excel</a:t>
+            </a:r>
+            <a:endParaRPr lang="en-US" b="1" dirty="0">
+              <a:effectLst/>
+            </a:endParaRPr>
+          </a:p>
+        </p:txBody>
+      </p:sp>
+    </p:spTree>
+    <p:extLst>
+      <p:ext uri="{BB962C8B-B14F-4D97-AF65-F5344CB8AC3E}">
+        <p14:creationId xmlns:p14="http://schemas.microsoft.com/office/powerpoint/2010/main" val="1501616403"/>
+      </p:ext>
+    </p:extLst>
+  </p:cSld>
+  <p:clrMapOvr>
+    <a:masterClrMapping/>
+  </p:clrMapOvr>
+</p:sld>
+</file>
+
+<file path=ppt/slides/slide37.xml><?xml version="1.0" encoding="utf-8"?>
 <p:sld xmlns:a="http://schemas.openxmlformats.org/drawingml/2006/main" xmlns:r="http://schemas.openxmlformats.org/officeDocument/2006/relationships" xmlns:p="http://schemas.openxmlformats.org/presentationml/2006/main">
   <p:cSld>
     <p:spTree>
@@ -13335,7 +13495,7 @@
                 <a:effectLst/>
                 <a:latin typeface="Arial" panose="020B0604020202020204" pitchFamily="34" charset="0"/>
                 <a:ea typeface="Times New Roman" panose="02020603050405020304" pitchFamily="18" charset="0"/>
-                <a:hlinkClick r:id="rId1"/>
+                <a:hlinkClick r:id="rId2"/>
               </a:rPr>
               <a:t>Macros &amp; VBA</a:t>
             </a:r>
@@ -13361,7 +13521,7 @@
                 <a:effectLst/>
                 <a:latin typeface="Arial" panose="020B0604020202020204" pitchFamily="34" charset="0"/>
                 <a:ea typeface="Times New Roman" panose="02020603050405020304" pitchFamily="18" charset="0"/>
-                <a:hlinkClick r:id="rId2"/>
+                <a:hlinkClick r:id="rId3"/>
               </a:rPr>
               <a:t>Enabling the Developer Tab</a:t>
             </a:r>
@@ -13387,7 +13547,7 @@
                 <a:effectLst/>
                 <a:latin typeface="Arial" panose="020B0604020202020204" pitchFamily="34" charset="0"/>
                 <a:ea typeface="Times New Roman" panose="02020603050405020304" pitchFamily="18" charset="0"/>
-                <a:hlinkClick r:id="rId3"/>
+                <a:hlinkClick r:id="rId4"/>
               </a:rPr>
               <a:t>Recording a Task</a:t>
             </a:r>
@@ -13424,7 +13584,7 @@
                 <a:effectLst/>
                 <a:latin typeface="Arial" panose="020B0604020202020204" pitchFamily="34" charset="0"/>
                 <a:ea typeface="Times New Roman" panose="02020603050405020304" pitchFamily="18" charset="0"/>
-                <a:hlinkClick r:id="rId4"/>
+                <a:hlinkClick r:id="rId5"/>
               </a:rPr>
               <a:t>Executing and Deleting a Recorded Task</a:t>
             </a:r>
@@ -13461,7 +13621,7 @@
                 <a:effectLst/>
                 <a:latin typeface="Arial" panose="020B0604020202020204" pitchFamily="34" charset="0"/>
                 <a:ea typeface="Times New Roman" panose="02020603050405020304" pitchFamily="18" charset="0"/>
-                <a:hlinkClick r:id="rId5"/>
+                <a:hlinkClick r:id="rId6"/>
               </a:rPr>
               <a:t>Customizing the Automated Tasks</a:t>
             </a:r>
@@ -13502,6 +13662,7 @@
           <a:bodyPr wrap="square">
             <a:spAutoFit/>
           </a:bodyPr>
+          <a:lstStyle/>
           <a:p>
             <a:pPr marL="0" indent="0">
               <a:spcBef>
@@ -13541,13 +13702,6 @@
               </a:rPr>
               <a:t>https://www.youtube.com/watch?v=wwCy1VaaUwk</a:t>
             </a:r>
-            <a:endParaRPr lang="en-US" sz="1600" b="1" i="0">
-              <a:solidFill>
-                <a:srgbClr val="00B0F0"/>
-              </a:solidFill>
-              <a:latin typeface="Roboto"/>
-              <a:ea typeface="Roboto"/>
-            </a:endParaRPr>
           </a:p>
         </p:txBody>
       </p:sp>
@@ -13570,6 +13724,7 @@
           <a:bodyPr wrap="square">
             <a:spAutoFit/>
           </a:bodyPr>
+          <a:lstStyle/>
           <a:p>
             <a:pPr marL="0" indent="0">
               <a:spcBef>
@@ -13609,13 +13764,6 @@
               </a:rPr>
               <a:t>https://youtu.be/pcm-xKAo2_M?feature=shared</a:t>
             </a:r>
-            <a:endParaRPr lang="en-US" sz="1600" b="1" i="0">
-              <a:solidFill>
-                <a:srgbClr val="00B0F0"/>
-              </a:solidFill>
-              <a:latin typeface="Roboto"/>
-              <a:ea typeface="Roboto"/>
-            </a:endParaRPr>
           </a:p>
         </p:txBody>
       </p:sp>
@@ -13639,6 +13787,7 @@
           <a:bodyPr wrap="square" rtlCol="0" anchor="t">
             <a:spAutoFit/>
           </a:bodyPr>
+          <a:lstStyle/>
           <a:p>
             <a:r>
               <a:rPr lang="en-US">
@@ -13652,7 +13801,152 @@
               <a:rPr lang="en-US"/>
               <a:t> MIS Reports automate publishing with excel vba</a:t>
             </a:r>
-            <a:endParaRPr lang="en-US"/>
+          </a:p>
+        </p:txBody>
+      </p:sp>
+      <p:sp>
+        <p:nvSpPr>
+          <p:cNvPr id="9" name="TextBox 8">
+            <a:extLst>
+              <a:ext uri="{FF2B5EF4-FFF2-40B4-BE49-F238E27FC236}">
+                <a16:creationId xmlns:a16="http://schemas.microsoft.com/office/drawing/2014/main" id="{4240A965-CCB2-C45C-9D8D-EDC2AB15B506}"/>
+              </a:ext>
+            </a:extLst>
+          </p:cNvPr>
+          <p:cNvSpPr txBox="1"/>
+          <p:nvPr/>
+        </p:nvSpPr>
+        <p:spPr>
+          <a:xfrm>
+            <a:off x="6234546" y="496957"/>
+            <a:ext cx="5754254" cy="2636619"/>
+          </a:xfrm>
+          <a:prstGeom prst="rect">
+            <a:avLst/>
+          </a:prstGeom>
+          <a:noFill/>
+        </p:spPr>
+        <p:txBody>
+          <a:bodyPr wrap="square">
+            <a:spAutoFit/>
+          </a:bodyPr>
+          <a:lstStyle/>
+          <a:p>
+            <a:pPr rtl="0">
+              <a:spcBef>
+                <a:spcPts val="1800"/>
+              </a:spcBef>
+              <a:spcAft>
+                <a:spcPts val="400"/>
+              </a:spcAft>
+              <a:buNone/>
+            </a:pPr>
+            <a:r>
+              <a:rPr lang="en-US" sz="3200" b="1" i="0" u="none" strike="noStrike" dirty="0">
+                <a:solidFill>
+                  <a:srgbClr val="000000"/>
+                </a:solidFill>
+                <a:effectLst/>
+                <a:latin typeface="Arial" panose="020B0604020202020204" pitchFamily="34" charset="0"/>
+              </a:rPr>
+              <a:t>Module 22 – Macros &amp; VBA</a:t>
+            </a:r>
+            <a:endParaRPr lang="en-US" b="1" dirty="0">
+              <a:effectLst/>
+            </a:endParaRPr>
+          </a:p>
+          <a:p>
+            <a:pPr rtl="0" fontAlgn="base">
+              <a:spcBef>
+                <a:spcPts val="1200"/>
+              </a:spcBef>
+              <a:buFont typeface="Arial" panose="020B0604020202020204" pitchFamily="34" charset="0"/>
+              <a:buChar char="•"/>
+            </a:pPr>
+            <a:r>
+              <a:rPr lang="en-US" sz="1800" b="0" i="0" u="none" strike="noStrike" dirty="0">
+                <a:solidFill>
+                  <a:srgbClr val="000000"/>
+                </a:solidFill>
+                <a:effectLst/>
+                <a:latin typeface="Arial" panose="020B0604020202020204" pitchFamily="34" charset="0"/>
+              </a:rPr>
+              <a:t>Developer Tab</a:t>
+            </a:r>
+          </a:p>
+          <a:p>
+            <a:pPr rtl="0" fontAlgn="base">
+              <a:buFont typeface="Arial" panose="020B0604020202020204" pitchFamily="34" charset="0"/>
+              <a:buChar char="•"/>
+            </a:pPr>
+            <a:r>
+              <a:rPr lang="en-US" sz="1800" b="0" i="0" u="none" strike="noStrike" dirty="0">
+                <a:solidFill>
+                  <a:srgbClr val="000000"/>
+                </a:solidFill>
+                <a:effectLst/>
+                <a:latin typeface="Arial" panose="020B0604020202020204" pitchFamily="34" charset="0"/>
+              </a:rPr>
+              <a:t>Recording Tasks</a:t>
+            </a:r>
+          </a:p>
+          <a:p>
+            <a:pPr rtl="0" fontAlgn="base">
+              <a:spcAft>
+                <a:spcPts val="1200"/>
+              </a:spcAft>
+              <a:buFont typeface="Arial" panose="020B0604020202020204" pitchFamily="34" charset="0"/>
+              <a:buChar char="•"/>
+            </a:pPr>
+            <a:r>
+              <a:rPr lang="en-US" sz="1800" b="0" i="0" u="none" strike="noStrike" dirty="0">
+                <a:solidFill>
+                  <a:srgbClr val="000000"/>
+                </a:solidFill>
+                <a:effectLst/>
+                <a:latin typeface="Arial" panose="020B0604020202020204" pitchFamily="34" charset="0"/>
+              </a:rPr>
+              <a:t>VBA Concepts &amp; Loops</a:t>
+            </a:r>
+          </a:p>
+          <a:p>
+            <a:pPr rtl="0">
+              <a:spcBef>
+                <a:spcPts val="1200"/>
+              </a:spcBef>
+              <a:spcAft>
+                <a:spcPts val="1200"/>
+              </a:spcAft>
+              <a:buNone/>
+            </a:pPr>
+            <a:r>
+              <a:rPr lang="en-US" sz="1800" b="1" i="0" u="none" strike="noStrike" dirty="0">
+                <a:solidFill>
+                  <a:srgbClr val="000000"/>
+                </a:solidFill>
+                <a:effectLst/>
+                <a:latin typeface="Arial" panose="020B0604020202020204" pitchFamily="34" charset="0"/>
+              </a:rPr>
+              <a:t>Resources:</a:t>
+            </a:r>
+            <a:endParaRPr lang="en-US" b="0" dirty="0">
+              <a:effectLst/>
+            </a:endParaRPr>
+          </a:p>
+          <a:p>
+            <a:pPr>
+              <a:buNone/>
+            </a:pPr>
+            <a:r>
+              <a:rPr lang="en-US" u="sng" dirty="0">
+                <a:solidFill>
+                  <a:srgbClr val="1155CC"/>
+                </a:solidFill>
+                <a:latin typeface="Arial" panose="020B0604020202020204" pitchFamily="34" charset="0"/>
+              </a:rPr>
+              <a:t>Excel VBA – Excel Easy</a:t>
+            </a:r>
+            <a:endParaRPr lang="en-US" dirty="0"/>
           </a:p>
         </p:txBody>
       </p:sp>
@@ -13664,7 +13958,7 @@
 </p:sld>
 </file>
 
-<file path=ppt/slides/slide33.xml><?xml version="1.0" encoding="utf-8"?>
+<file path=ppt/slides/slide38.xml><?xml version="1.0" encoding="utf-8"?>
 <p:sld xmlns:a="http://schemas.openxmlformats.org/drawingml/2006/main" xmlns:r="http://schemas.openxmlformats.org/officeDocument/2006/relationships" xmlns:p="http://schemas.openxmlformats.org/presentationml/2006/main">
   <p:cSld>
     <p:spTree>
@@ -13719,7 +14013,7 @@
                 <a:effectLst/>
                 <a:latin typeface="Arial" panose="020B0604020202020204" pitchFamily="34" charset="0"/>
                 <a:ea typeface="Times New Roman" panose="02020603050405020304" pitchFamily="18" charset="0"/>
-                <a:hlinkClick r:id="rId1"/>
+                <a:hlinkClick r:id="rId2"/>
               </a:rPr>
               <a:t>Excel with AI</a:t>
             </a:r>
@@ -13756,7 +14050,7 @@
                 <a:effectLst/>
                 <a:latin typeface="Arial" panose="020B0604020202020204" pitchFamily="34" charset="0"/>
                 <a:ea typeface="Times New Roman" panose="02020603050405020304" pitchFamily="18" charset="0"/>
-                <a:hlinkClick r:id="rId2"/>
+                <a:hlinkClick r:id="rId3"/>
               </a:rPr>
               <a:t>Enabling Chat GPT Ad In and exploring Formulas</a:t>
             </a:r>
@@ -13786,6 +14080,7 @@
           <a:bodyPr wrap="square">
             <a:spAutoFit/>
           </a:bodyPr>
+          <a:lstStyle/>
           <a:p>
             <a:pPr marL="0" indent="0">
               <a:spcBef>
@@ -13825,13 +14120,6 @@
               </a:rPr>
               <a:t> https://youtu.be/q7EpoOwBcnM?feature=shared</a:t>
             </a:r>
-            <a:endParaRPr lang="en-US" sz="1600" b="1" i="0">
-              <a:solidFill>
-                <a:srgbClr val="0F0F0F"/>
-              </a:solidFill>
-              <a:latin typeface="Roboto"/>
-              <a:ea typeface="Roboto"/>
-            </a:endParaRPr>
           </a:p>
         </p:txBody>
       </p:sp>
@@ -13855,6 +14143,7 @@
           <a:bodyPr wrap="square" rtlCol="0">
             <a:spAutoFit/>
           </a:bodyPr>
+          <a:lstStyle/>
           <a:p>
             <a:pPr indent="0">
               <a:buFont typeface="Arial" panose="020B0604020202020204" pitchFamily="34" charset="0"/>
@@ -13864,7 +14153,6 @@
               <a:rPr lang="en-US" b="1"/>
               <a:t>Plugins use for Chatgpt</a:t>
             </a:r>
-            <a:endParaRPr lang="en-US" b="1"/>
           </a:p>
           <a:p>
             <a:pPr indent="0">
@@ -13882,7 +14170,6 @@
               <a:rPr lang="en-US" b="1"/>
               <a:t>copilot</a:t>
             </a:r>
-            <a:endParaRPr lang="en-US" b="1"/>
           </a:p>
           <a:p>
             <a:pPr marL="285750" indent="-285750">
@@ -13893,7 +14180,6 @@
               <a:rPr lang="en-US" b="1"/>
               <a:t>ai formula added</a:t>
             </a:r>
-            <a:endParaRPr lang="en-US" b="1"/>
           </a:p>
           <a:p>
             <a:pPr marL="285750" indent="-285750">
@@ -13904,7 +14190,6 @@
               <a:rPr lang="en-US" b="1"/>
               <a:t>excel for ai </a:t>
             </a:r>
-            <a:endParaRPr lang="en-US" b="1"/>
           </a:p>
           <a:p>
             <a:pPr marL="285750" indent="-285750">
@@ -13912,6 +14197,48 @@
               <a:buChar char="•"/>
             </a:pPr>
             <a:endParaRPr lang="en-US" b="1"/>
+          </a:p>
+        </p:txBody>
+      </p:sp>
+      <p:sp>
+        <p:nvSpPr>
+          <p:cNvPr id="6" name="TextBox 5">
+            <a:extLst>
+              <a:ext uri="{FF2B5EF4-FFF2-40B4-BE49-F238E27FC236}">
+                <a16:creationId xmlns:a16="http://schemas.microsoft.com/office/drawing/2014/main" id="{202B931F-0B48-83DC-E02A-C335BC42DFA5}"/>
+              </a:ext>
+            </a:extLst>
+          </p:cNvPr>
+          <p:cNvSpPr txBox="1"/>
+          <p:nvPr/>
+        </p:nvSpPr>
+        <p:spPr>
+          <a:xfrm>
+            <a:off x="3048000" y="3246643"/>
+            <a:ext cx="6096000" cy="369332"/>
+          </a:xfrm>
+          <a:prstGeom prst="rect">
+            <a:avLst/>
+          </a:prstGeom>
+          <a:noFill/>
+        </p:spPr>
+        <p:txBody>
+          <a:bodyPr wrap="square">
+            <a:spAutoFit/>
+          </a:bodyPr>
+          <a:lstStyle/>
+          <a:p>
+            <a:r>
+              <a:rPr lang="en-US" sz="1800" b="1" i="0" u="none" strike="noStrike" dirty="0">
+                <a:solidFill>
+                  <a:srgbClr val="000000"/>
+                </a:solidFill>
+                <a:effectLst/>
+                <a:latin typeface="Arial" panose="020B0604020202020204" pitchFamily="34" charset="0"/>
+              </a:rPr>
+              <a:t>Module 21 – Excel with AI</a:t>
+            </a:r>
+            <a:endParaRPr lang="en-US" dirty="0"/>
           </a:p>
         </p:txBody>
       </p:sp>
@@ -13923,7 +14250,499 @@
 </p:sld>
 </file>
 
-<file path=ppt/slides/slide34.xml><?xml version="1.0" encoding="utf-8"?>
+<file path=ppt/slides/slide39.xml><?xml version="1.0" encoding="utf-8"?>
+<p:sld xmlns:a="http://schemas.openxmlformats.org/drawingml/2006/main" xmlns:r="http://schemas.openxmlformats.org/officeDocument/2006/relationships" xmlns:p="http://schemas.openxmlformats.org/presentationml/2006/main">
+  <p:cSld>
+    <p:spTree>
+      <p:nvGrpSpPr>
+        <p:cNvPr id="1" name=""/>
+        <p:cNvGrpSpPr/>
+        <p:nvPr/>
+      </p:nvGrpSpPr>
+      <p:grpSpPr>
+        <a:xfrm>
+          <a:off x="0" y="0"/>
+          <a:ext cx="0" cy="0"/>
+          <a:chOff x="0" y="0"/>
+          <a:chExt cx="0" cy="0"/>
+        </a:xfrm>
+      </p:grpSpPr>
+      <p:sp>
+        <p:nvSpPr>
+          <p:cNvPr id="3" name="TextBox 2">
+            <a:extLst>
+              <a:ext uri="{FF2B5EF4-FFF2-40B4-BE49-F238E27FC236}">
+                <a16:creationId xmlns:a16="http://schemas.microsoft.com/office/drawing/2014/main" id="{26FC8849-A9F3-F6AF-6D77-42D4E286EEC7}"/>
+              </a:ext>
+            </a:extLst>
+          </p:cNvPr>
+          <p:cNvSpPr txBox="1"/>
+          <p:nvPr/>
+        </p:nvSpPr>
+        <p:spPr>
+          <a:xfrm>
+            <a:off x="3048000" y="3246643"/>
+            <a:ext cx="6096000" cy="369332"/>
+          </a:xfrm>
+          <a:prstGeom prst="rect">
+            <a:avLst/>
+          </a:prstGeom>
+          <a:noFill/>
+        </p:spPr>
+        <p:txBody>
+          <a:bodyPr wrap="square">
+            <a:spAutoFit/>
+          </a:bodyPr>
+          <a:lstStyle/>
+          <a:p>
+            <a:pPr rtl="0">
+              <a:spcBef>
+                <a:spcPts val="1800"/>
+              </a:spcBef>
+              <a:spcAft>
+                <a:spcPts val="400"/>
+              </a:spcAft>
+              <a:buNone/>
+            </a:pPr>
+            <a:r>
+              <a:rPr lang="en-US" sz="1800" b="1" i="0" u="none" strike="noStrike" dirty="0">
+                <a:solidFill>
+                  <a:srgbClr val="000000"/>
+                </a:solidFill>
+                <a:effectLst/>
+                <a:latin typeface="Arial" panose="020B0604020202020204" pitchFamily="34" charset="0"/>
+              </a:rPr>
+              <a:t>Module 23 – Storytelling &amp; Dashboard Creation</a:t>
+            </a:r>
+            <a:endParaRPr lang="en-US" b="1" dirty="0">
+              <a:effectLst/>
+            </a:endParaRPr>
+          </a:p>
+        </p:txBody>
+      </p:sp>
+    </p:spTree>
+    <p:extLst>
+      <p:ext uri="{BB962C8B-B14F-4D97-AF65-F5344CB8AC3E}">
+        <p14:creationId xmlns:p14="http://schemas.microsoft.com/office/powerpoint/2010/main" val="2051252927"/>
+      </p:ext>
+    </p:extLst>
+  </p:cSld>
+  <p:clrMapOvr>
+    <a:masterClrMapping/>
+  </p:clrMapOvr>
+</p:sld>
+</file>
+
+<file path=ppt/slides/slide4.xml><?xml version="1.0" encoding="utf-8"?>
+<p:sld xmlns:a="http://schemas.openxmlformats.org/drawingml/2006/main" xmlns:r="http://schemas.openxmlformats.org/officeDocument/2006/relationships" xmlns:p="http://schemas.openxmlformats.org/presentationml/2006/main">
+  <p:cSld>
+    <p:spTree>
+      <p:nvGrpSpPr>
+        <p:cNvPr id="1" name=""/>
+        <p:cNvGrpSpPr/>
+        <p:nvPr/>
+      </p:nvGrpSpPr>
+      <p:grpSpPr>
+        <a:xfrm>
+          <a:off x="0" y="0"/>
+          <a:ext cx="0" cy="0"/>
+          <a:chOff x="0" y="0"/>
+          <a:chExt cx="0" cy="0"/>
+        </a:xfrm>
+      </p:grpSpPr>
+      <p:sp>
+        <p:nvSpPr>
+          <p:cNvPr id="3" name="TextBox 2"/>
+          <p:cNvSpPr txBox="1"/>
+          <p:nvPr/>
+        </p:nvSpPr>
+        <p:spPr>
+          <a:xfrm>
+            <a:off x="564045" y="322230"/>
+            <a:ext cx="6097656" cy="369332"/>
+          </a:xfrm>
+          <a:prstGeom prst="rect">
+            <a:avLst/>
+          </a:prstGeom>
+          <a:noFill/>
+        </p:spPr>
+        <p:txBody>
+          <a:bodyPr wrap="square">
+            <a:spAutoFit/>
+          </a:bodyPr>
+          <a:lstStyle/>
+          <a:p>
+            <a:r>
+              <a:rPr lang="en-IN" dirty="0">
+                <a:hlinkClick r:id="rId2"/>
+              </a:rPr>
+              <a:t>https://www.w3schools.com/excel/excel_introduction.php</a:t>
+            </a:r>
+            <a:r>
+              <a:rPr lang="en-IN" dirty="0"/>
+              <a:t> </a:t>
+            </a:r>
+          </a:p>
+        </p:txBody>
+      </p:sp>
+      <p:pic>
+        <p:nvPicPr>
+          <p:cNvPr id="1026" name="Picture 2"/>
+          <p:cNvPicPr>
+            <a:picLocks noChangeAspect="1" noChangeArrowheads="1"/>
+          </p:cNvPicPr>
+          <p:nvPr/>
+        </p:nvPicPr>
+        <p:blipFill>
+          <a:blip r:embed="rId3">
+            <a:extLst>
+              <a:ext uri="{28A0092B-C50C-407E-A947-70E740481C1C}">
+                <a14:useLocalDpi xmlns:a14="http://schemas.microsoft.com/office/drawing/2010/main" val="0"/>
+              </a:ext>
+            </a:extLst>
+          </a:blip>
+          <a:srcRect/>
+          <a:stretch>
+            <a:fillRect/>
+          </a:stretch>
+        </p:blipFill>
+        <p:spPr bwMode="auto">
+          <a:xfrm>
+            <a:off x="1234550" y="827060"/>
+            <a:ext cx="10225295" cy="5204767"/>
+          </a:xfrm>
+          <a:prstGeom prst="rect">
+            <a:avLst/>
+          </a:prstGeom>
+          <a:noFill/>
+          <a:extLst>
+            <a:ext uri="{909E8E84-426E-40DD-AFC4-6F175D3DCCD1}">
+              <a14:hiddenFill xmlns:a14="http://schemas.microsoft.com/office/drawing/2010/main">
+                <a:solidFill>
+                  <a:srgbClr val="FFFFFF"/>
+                </a:solidFill>
+              </a14:hiddenFill>
+            </a:ext>
+          </a:extLst>
+        </p:spPr>
+      </p:pic>
+    </p:spTree>
+  </p:cSld>
+  <p:clrMapOvr>
+    <a:masterClrMapping/>
+  </p:clrMapOvr>
+</p:sld>
+</file>
+
+<file path=ppt/slides/slide40.xml><?xml version="1.0" encoding="utf-8"?>
+<p:sld xmlns:a="http://schemas.openxmlformats.org/drawingml/2006/main" xmlns:r="http://schemas.openxmlformats.org/officeDocument/2006/relationships" xmlns:p="http://schemas.openxmlformats.org/presentationml/2006/main">
+  <p:cSld>
+    <p:spTree>
+      <p:nvGrpSpPr>
+        <p:cNvPr id="1" name=""/>
+        <p:cNvGrpSpPr/>
+        <p:nvPr/>
+      </p:nvGrpSpPr>
+      <p:grpSpPr>
+        <a:xfrm>
+          <a:off x="0" y="0"/>
+          <a:ext cx="0" cy="0"/>
+          <a:chOff x="0" y="0"/>
+          <a:chExt cx="0" cy="0"/>
+        </a:xfrm>
+      </p:grpSpPr>
+      <p:sp>
+        <p:nvSpPr>
+          <p:cNvPr id="3" name="TextBox 2">
+            <a:extLst>
+              <a:ext uri="{FF2B5EF4-FFF2-40B4-BE49-F238E27FC236}">
+                <a16:creationId xmlns:a16="http://schemas.microsoft.com/office/drawing/2014/main" id="{EF2C2E40-C1B5-0BE0-9407-CD36B450274F}"/>
+              </a:ext>
+            </a:extLst>
+          </p:cNvPr>
+          <p:cNvSpPr txBox="1"/>
+          <p:nvPr/>
+        </p:nvSpPr>
+        <p:spPr>
+          <a:xfrm>
+            <a:off x="3048000" y="2266888"/>
+            <a:ext cx="6096000" cy="2328843"/>
+          </a:xfrm>
+          <a:prstGeom prst="rect">
+            <a:avLst/>
+          </a:prstGeom>
+          <a:noFill/>
+        </p:spPr>
+        <p:txBody>
+          <a:bodyPr wrap="square">
+            <a:spAutoFit/>
+          </a:bodyPr>
+          <a:lstStyle/>
+          <a:p>
+            <a:pPr rtl="0">
+              <a:spcBef>
+                <a:spcPts val="1800"/>
+              </a:spcBef>
+              <a:spcAft>
+                <a:spcPts val="400"/>
+              </a:spcAft>
+              <a:buNone/>
+            </a:pPr>
+            <a:r>
+              <a:rPr lang="en-US" sz="3200" b="1" i="0" u="none" strike="noStrike" dirty="0">
+                <a:solidFill>
+                  <a:srgbClr val="000000"/>
+                </a:solidFill>
+                <a:effectLst/>
+                <a:latin typeface="Arial" panose="020B0604020202020204" pitchFamily="34" charset="0"/>
+              </a:rPr>
+              <a:t>Module 24 – Data Analysis</a:t>
+            </a:r>
+            <a:endParaRPr lang="en-US" b="1" dirty="0">
+              <a:effectLst/>
+            </a:endParaRPr>
+          </a:p>
+          <a:p>
+            <a:pPr rtl="0" fontAlgn="base">
+              <a:spcBef>
+                <a:spcPts val="1200"/>
+              </a:spcBef>
+              <a:spcAft>
+                <a:spcPts val="1200"/>
+              </a:spcAft>
+              <a:buFont typeface="Arial" panose="020B0604020202020204" pitchFamily="34" charset="0"/>
+              <a:buChar char="•"/>
+            </a:pPr>
+            <a:r>
+              <a:rPr lang="en-US" sz="1800" b="0" i="0" u="sng" strike="noStrike" dirty="0">
+                <a:solidFill>
+                  <a:srgbClr val="1155CC"/>
+                </a:solidFill>
+                <a:effectLst/>
+                <a:latin typeface="Arial" panose="020B0604020202020204" pitchFamily="34" charset="0"/>
+                <a:hlinkClick r:id="rId2"/>
+              </a:rPr>
+              <a:t>Data Analysis – </a:t>
+            </a:r>
+            <a:r>
+              <a:rPr lang="en-US" sz="1800" b="0" i="0" u="sng" strike="noStrike" dirty="0" err="1">
+                <a:solidFill>
+                  <a:srgbClr val="1155CC"/>
+                </a:solidFill>
+                <a:effectLst/>
+                <a:latin typeface="Arial" panose="020B0604020202020204" pitchFamily="34" charset="0"/>
+                <a:hlinkClick r:id="rId2"/>
+              </a:rPr>
+              <a:t>GeeksforGeeks</a:t>
+            </a:r>
+            <a:br>
+              <a:rPr lang="en-US" sz="1800" b="0" i="0" u="sng" strike="noStrike" dirty="0">
+                <a:solidFill>
+                  <a:srgbClr val="1155CC"/>
+                </a:solidFill>
+                <a:effectLst/>
+                <a:latin typeface="Arial" panose="020B0604020202020204" pitchFamily="34" charset="0"/>
+                <a:hlinkClick r:id="rId2"/>
+              </a:rPr>
+            </a:br>
+            <a:br>
+              <a:rPr lang="en-US" sz="1800" b="0" i="0" u="sng" strike="noStrike" dirty="0">
+                <a:solidFill>
+                  <a:srgbClr val="1155CC"/>
+                </a:solidFill>
+                <a:effectLst/>
+                <a:latin typeface="Arial" panose="020B0604020202020204" pitchFamily="34" charset="0"/>
+                <a:hlinkClick r:id="rId2"/>
+              </a:rPr>
+            </a:br>
+            <a:endParaRPr lang="en-US" sz="1800" b="0" i="0" u="none" strike="noStrike" dirty="0">
+              <a:solidFill>
+                <a:srgbClr val="000000"/>
+              </a:solidFill>
+              <a:effectLst/>
+              <a:latin typeface="Arial" panose="020B0604020202020204" pitchFamily="34" charset="0"/>
+            </a:endParaRPr>
+          </a:p>
+          <a:p>
+            <a:pPr>
+              <a:buNone/>
+            </a:pPr>
+            <a:r>
+              <a:rPr lang="en-US" sz="1800" b="0" i="0" u="sng" strike="noStrike" dirty="0">
+                <a:solidFill>
+                  <a:srgbClr val="1155CC"/>
+                </a:solidFill>
+                <a:effectLst/>
+                <a:latin typeface="Arial" panose="020B0604020202020204" pitchFamily="34" charset="0"/>
+                <a:hlinkClick r:id="rId3"/>
+              </a:rPr>
+              <a:t>Excel Practice Online</a:t>
+            </a:r>
+            <a:br>
+              <a:rPr lang="en-US" sz="1800" b="0" i="0" u="sng" strike="noStrike" dirty="0">
+                <a:solidFill>
+                  <a:srgbClr val="1155CC"/>
+                </a:solidFill>
+                <a:effectLst/>
+                <a:latin typeface="Arial" panose="020B0604020202020204" pitchFamily="34" charset="0"/>
+                <a:hlinkClick r:id="rId3"/>
+              </a:rPr>
+            </a:br>
+            <a:endParaRPr lang="en-US" dirty="0"/>
+          </a:p>
+        </p:txBody>
+      </p:sp>
+    </p:spTree>
+    <p:extLst>
+      <p:ext uri="{BB962C8B-B14F-4D97-AF65-F5344CB8AC3E}">
+        <p14:creationId xmlns:p14="http://schemas.microsoft.com/office/powerpoint/2010/main" val="2620088127"/>
+      </p:ext>
+    </p:extLst>
+  </p:cSld>
+  <p:clrMapOvr>
+    <a:masterClrMapping/>
+  </p:clrMapOvr>
+</p:sld>
+</file>
+
+<file path=ppt/slides/slide41.xml><?xml version="1.0" encoding="utf-8"?>
+<p:sld xmlns:a="http://schemas.openxmlformats.org/drawingml/2006/main" xmlns:r="http://schemas.openxmlformats.org/officeDocument/2006/relationships" xmlns:p="http://schemas.openxmlformats.org/presentationml/2006/main">
+  <p:cSld>
+    <p:spTree>
+      <p:nvGrpSpPr>
+        <p:cNvPr id="1" name=""/>
+        <p:cNvGrpSpPr/>
+        <p:nvPr/>
+      </p:nvGrpSpPr>
+      <p:grpSpPr>
+        <a:xfrm>
+          <a:off x="0" y="0"/>
+          <a:ext cx="0" cy="0"/>
+          <a:chOff x="0" y="0"/>
+          <a:chExt cx="0" cy="0"/>
+        </a:xfrm>
+      </p:grpSpPr>
+      <p:sp>
+        <p:nvSpPr>
+          <p:cNvPr id="3" name="TextBox 2">
+            <a:extLst>
+              <a:ext uri="{FF2B5EF4-FFF2-40B4-BE49-F238E27FC236}">
+                <a16:creationId xmlns:a16="http://schemas.microsoft.com/office/drawing/2014/main" id="{D10700F1-C245-3AFA-C9E4-80B751E9573A}"/>
+              </a:ext>
+            </a:extLst>
+          </p:cNvPr>
+          <p:cNvSpPr txBox="1"/>
+          <p:nvPr/>
+        </p:nvSpPr>
+        <p:spPr>
+          <a:xfrm>
+            <a:off x="1782618" y="721576"/>
+            <a:ext cx="6096000" cy="2113399"/>
+          </a:xfrm>
+          <a:prstGeom prst="rect">
+            <a:avLst/>
+          </a:prstGeom>
+          <a:noFill/>
+        </p:spPr>
+        <p:txBody>
+          <a:bodyPr wrap="square">
+            <a:spAutoFit/>
+          </a:bodyPr>
+          <a:lstStyle/>
+          <a:p>
+            <a:pPr rtl="0">
+              <a:spcBef>
+                <a:spcPts val="1800"/>
+              </a:spcBef>
+              <a:spcAft>
+                <a:spcPts val="400"/>
+              </a:spcAft>
+              <a:buNone/>
+            </a:pPr>
+            <a:r>
+              <a:rPr lang="en-US" sz="3200" b="1" i="0" u="none" strike="noStrike" dirty="0">
+                <a:solidFill>
+                  <a:srgbClr val="000000"/>
+                </a:solidFill>
+                <a:effectLst/>
+                <a:latin typeface="Arial" panose="020B0604020202020204" pitchFamily="34" charset="0"/>
+              </a:rPr>
+              <a:t>Module 25 – Projects &amp; Interview Prep</a:t>
+            </a:r>
+            <a:endParaRPr lang="en-US" b="1" dirty="0">
+              <a:effectLst/>
+            </a:endParaRPr>
+          </a:p>
+          <a:p>
+            <a:pPr rtl="0" fontAlgn="base">
+              <a:spcBef>
+                <a:spcPts val="1200"/>
+              </a:spcBef>
+              <a:buFont typeface="Arial" panose="020B0604020202020204" pitchFamily="34" charset="0"/>
+              <a:buChar char="•"/>
+            </a:pPr>
+            <a:r>
+              <a:rPr lang="en-US" sz="1800" b="0" i="0" u="none" strike="noStrike" dirty="0">
+                <a:solidFill>
+                  <a:srgbClr val="000000"/>
+                </a:solidFill>
+                <a:effectLst/>
+                <a:latin typeface="Arial" panose="020B0604020202020204" pitchFamily="34" charset="0"/>
+              </a:rPr>
+              <a:t>3 Excel Projects</a:t>
+            </a:r>
+          </a:p>
+          <a:p>
+            <a:pPr rtl="0" fontAlgn="base">
+              <a:buFont typeface="Arial" panose="020B0604020202020204" pitchFamily="34" charset="0"/>
+              <a:buChar char="•"/>
+            </a:pPr>
+            <a:r>
+              <a:rPr lang="en-US" sz="1800" b="0" i="0" u="none" strike="noStrike" dirty="0">
+                <a:solidFill>
+                  <a:srgbClr val="000000"/>
+                </a:solidFill>
+                <a:effectLst/>
+                <a:latin typeface="Arial" panose="020B0604020202020204" pitchFamily="34" charset="0"/>
+              </a:rPr>
+              <a:t>Practical Interview Question</a:t>
+            </a:r>
+          </a:p>
+          <a:p>
+            <a:pPr rtl="0" fontAlgn="base">
+              <a:spcAft>
+                <a:spcPts val="1200"/>
+              </a:spcAft>
+              <a:buFont typeface="Arial" panose="020B0604020202020204" pitchFamily="34" charset="0"/>
+              <a:buChar char="•"/>
+            </a:pPr>
+            <a:r>
+              <a:rPr lang="en-US" sz="1800" b="0" i="0" u="none" strike="noStrike" dirty="0">
+                <a:solidFill>
+                  <a:srgbClr val="000000"/>
+                </a:solidFill>
+                <a:effectLst/>
+                <a:latin typeface="Arial" panose="020B0604020202020204" pitchFamily="34" charset="0"/>
+              </a:rPr>
+              <a:t>Theoretical Interview Questions</a:t>
+            </a:r>
+          </a:p>
+        </p:txBody>
+      </p:sp>
+    </p:spTree>
+    <p:extLst>
+      <p:ext uri="{BB962C8B-B14F-4D97-AF65-F5344CB8AC3E}">
+        <p14:creationId xmlns:p14="http://schemas.microsoft.com/office/powerpoint/2010/main" val="1189172824"/>
+      </p:ext>
+    </p:extLst>
+  </p:cSld>
+  <p:clrMapOvr>
+    <a:masterClrMapping/>
+  </p:clrMapOvr>
+</p:sld>
+</file>
+
+<file path=ppt/slides/slide42.xml><?xml version="1.0" encoding="utf-8"?>
 <p:sld xmlns:a="http://schemas.openxmlformats.org/drawingml/2006/main" xmlns:r="http://schemas.openxmlformats.org/officeDocument/2006/relationships" xmlns:p="http://schemas.openxmlformats.org/presentationml/2006/main">
   <p:cSld>
     <p:bg>
@@ -14027,11 +14846,6 @@
               </a:rPr>
               <a:t>Thank You !</a:t>
             </a:r>
-            <a:endParaRPr lang="en-US" sz="4800" i="1" dirty="0">
-              <a:solidFill>
-                <a:srgbClr val="FFFFFF"/>
-              </a:solidFill>
-            </a:endParaRPr>
           </a:p>
         </p:txBody>
       </p:sp>
@@ -14083,108 +14897,6 @@
 </p:sld>
 </file>
 
-<file path=ppt/slides/slide4.xml><?xml version="1.0" encoding="utf-8"?>
-<p:sld xmlns:a="http://schemas.openxmlformats.org/drawingml/2006/main" xmlns:r="http://schemas.openxmlformats.org/officeDocument/2006/relationships" xmlns:p="http://schemas.openxmlformats.org/presentationml/2006/main">
-  <p:cSld>
-    <p:spTree>
-      <p:nvGrpSpPr>
-        <p:cNvPr id="1" name=""/>
-        <p:cNvGrpSpPr/>
-        <p:nvPr/>
-      </p:nvGrpSpPr>
-      <p:grpSpPr>
-        <a:xfrm>
-          <a:off x="0" y="0"/>
-          <a:ext cx="0" cy="0"/>
-          <a:chOff x="0" y="0"/>
-          <a:chExt cx="0" cy="0"/>
-        </a:xfrm>
-      </p:grpSpPr>
-      <p:sp>
-        <p:nvSpPr>
-          <p:cNvPr id="3" name="TextBox 2"/>
-          <p:cNvSpPr txBox="1"/>
-          <p:nvPr/>
-        </p:nvSpPr>
-        <p:spPr>
-          <a:xfrm>
-            <a:off x="564045" y="322230"/>
-            <a:ext cx="6097656" cy="369332"/>
-          </a:xfrm>
-          <a:prstGeom prst="rect">
-            <a:avLst/>
-          </a:prstGeom>
-          <a:noFill/>
-        </p:spPr>
-        <p:txBody>
-          <a:bodyPr wrap="square">
-            <a:spAutoFit/>
-          </a:bodyPr>
-          <a:lstStyle/>
-          <a:p>
-            <a:r>
-              <a:rPr lang="en-IN" dirty="0">
-                <a:hlinkClick r:id="rId1"/>
-              </a:rPr>
-              <a:t>https://www.w3schools.com/excel/excel_introduction.php</a:t>
-            </a:r>
-            <a:r>
-              <a:rPr lang="en-IN" dirty="0"/>
-              <a:t> </a:t>
-            </a:r>
-            <a:endParaRPr lang="en-IN" dirty="0"/>
-          </a:p>
-        </p:txBody>
-      </p:sp>
-      <p:pic>
-        <p:nvPicPr>
-          <p:cNvPr id="1026" name="Picture 2"/>
-          <p:cNvPicPr>
-            <a:picLocks noChangeAspect="1" noChangeArrowheads="1"/>
-          </p:cNvPicPr>
-          <p:nvPr/>
-        </p:nvPicPr>
-        <p:blipFill>
-          <a:blip r:embed="rId2">
-            <a:extLst>
-              <a:ext uri="{28A0092B-C50C-407E-A947-70E740481C1C}">
-                <a14:useLocalDpi xmlns:a14="http://schemas.microsoft.com/office/drawing/2010/main" val="0"/>
-              </a:ext>
-            </a:extLst>
-          </a:blip>
-          <a:srcRect/>
-          <a:stretch>
-            <a:fillRect/>
-          </a:stretch>
-        </p:blipFill>
-        <p:spPr bwMode="auto">
-          <a:xfrm>
-            <a:off x="1234550" y="827060"/>
-            <a:ext cx="10225295" cy="5204767"/>
-          </a:xfrm>
-          <a:prstGeom prst="rect">
-            <a:avLst/>
-          </a:prstGeom>
-          <a:noFill/>
-          <a:extLst>
-            <a:ext uri="{909E8E84-426E-40DD-AFC4-6F175D3DCCD1}">
-              <a14:hiddenFill xmlns:a14="http://schemas.microsoft.com/office/drawing/2010/main">
-                <a:solidFill>
-                  <a:srgbClr val="FFFFFF"/>
-                </a:solidFill>
-              </a14:hiddenFill>
-            </a:ext>
-          </a:extLst>
-        </p:spPr>
-      </p:pic>
-    </p:spTree>
-  </p:cSld>
-  <p:clrMapOvr>
-    <a:masterClrMapping/>
-  </p:clrMapOvr>
-</p:sld>
-</file>
-
 <file path=ppt/slides/slide5.xml><?xml version="1.0" encoding="utf-8"?>
 <p:sld xmlns:a="http://schemas.openxmlformats.org/drawingml/2006/main" xmlns:r="http://schemas.openxmlformats.org/officeDocument/2006/relationships" xmlns:p="http://schemas.openxmlformats.org/presentationml/2006/main">
   <p:cSld>
@@ -14211,7 +14923,7 @@
           <p:nvPr/>
         </p:nvPicPr>
         <p:blipFill>
-          <a:blip r:embed="rId1">
+          <a:blip r:embed="rId2">
             <a:extLst>
               <a:ext uri="{28A0092B-C50C-407E-A947-70E740481C1C}">
                 <a14:useLocalDpi xmlns:a14="http://schemas.microsoft.com/office/drawing/2010/main" val="0"/>
@@ -14306,7 +15018,7 @@
                 <a:effectLst/>
                 <a:latin typeface="Arial" panose="020B0604020202020204" pitchFamily="34" charset="0"/>
                 <a:ea typeface="Times New Roman" panose="02020603050405020304" pitchFamily="18" charset="0"/>
-                <a:hlinkClick r:id="rId1"/>
+                <a:hlinkClick r:id="rId2"/>
               </a:rPr>
               <a:t>Formula and Function</a:t>
             </a:r>
@@ -14332,7 +15044,7 @@
                 <a:effectLst/>
                 <a:latin typeface="Arial" panose="020B0604020202020204" pitchFamily="34" charset="0"/>
                 <a:ea typeface="Times New Roman" panose="02020603050405020304" pitchFamily="18" charset="0"/>
-                <a:hlinkClick r:id="rId2"/>
+                <a:hlinkClick r:id="rId3"/>
               </a:rPr>
               <a:t>Introduction to Formulas</a:t>
             </a:r>
@@ -14358,7 +15070,7 @@
                 <a:effectLst/>
                 <a:latin typeface="Arial" panose="020B0604020202020204" pitchFamily="34" charset="0"/>
                 <a:ea typeface="Times New Roman" panose="02020603050405020304" pitchFamily="18" charset="0"/>
-                <a:hlinkClick r:id="rId3"/>
+                <a:hlinkClick r:id="rId4"/>
               </a:rPr>
               <a:t>Creating Formulas using Operators</a:t>
             </a:r>
@@ -14395,7 +15107,7 @@
                 <a:effectLst/>
                 <a:latin typeface="Arial" panose="020B0604020202020204" pitchFamily="34" charset="0"/>
                 <a:ea typeface="Times New Roman" panose="02020603050405020304" pitchFamily="18" charset="0"/>
-                <a:hlinkClick r:id="rId4"/>
+                <a:hlinkClick r:id="rId5"/>
               </a:rPr>
               <a:t>AutoSum</a:t>
             </a:r>
@@ -14453,7 +15165,7 @@
                 <a:effectLst/>
                 <a:latin typeface="Arial" panose="020B0604020202020204" pitchFamily="34" charset="0"/>
                 <a:ea typeface="Times New Roman" panose="02020603050405020304" pitchFamily="18" charset="0"/>
-                <a:hlinkClick r:id="rId5"/>
+                <a:hlinkClick r:id="rId6"/>
               </a:rPr>
               <a:t>Common Formulas</a:t>
             </a:r>
@@ -14490,7 +15202,7 @@
                 <a:effectLst/>
                 <a:latin typeface="Arial" panose="020B0604020202020204" pitchFamily="34" charset="0"/>
                 <a:ea typeface="Times New Roman" panose="02020603050405020304" pitchFamily="18" charset="0"/>
-                <a:hlinkClick r:id="rId6"/>
+                <a:hlinkClick r:id="rId7"/>
               </a:rPr>
               <a:t>Formulas Tab</a:t>
             </a:r>
@@ -14527,7 +15239,7 @@
                 <a:effectLst/>
                 <a:latin typeface="Arial" panose="020B0604020202020204" pitchFamily="34" charset="0"/>
                 <a:ea typeface="Times New Roman" panose="02020603050405020304" pitchFamily="18" charset="0"/>
-                <a:hlinkClick r:id="rId7"/>
+                <a:hlinkClick r:id="rId8"/>
               </a:rPr>
               <a:t>Copying Formulas</a:t>
             </a:r>
@@ -14564,7 +15276,7 @@
                 <a:effectLst/>
                 <a:latin typeface="Arial" panose="020B0604020202020204" pitchFamily="34" charset="0"/>
                 <a:ea typeface="Times New Roman" panose="02020603050405020304" pitchFamily="18" charset="0"/>
-                <a:hlinkClick r:id="rId8"/>
+                <a:hlinkClick r:id="rId9"/>
               </a:rPr>
               <a:t>Date Functions</a:t>
             </a:r>
@@ -14689,7 +15401,7 @@
                 <a:effectLst/>
                 <a:latin typeface="Arial" panose="020B0604020202020204" pitchFamily="34" charset="0"/>
                 <a:ea typeface="Times New Roman" panose="02020603050405020304" pitchFamily="18" charset="0"/>
-                <a:hlinkClick r:id="rId9"/>
+                <a:hlinkClick r:id="rId10"/>
               </a:rPr>
               <a:t>Text Functions</a:t>
             </a:r>
@@ -14857,7 +15569,7 @@
                 <a:effectLst/>
                 <a:latin typeface="Arial" panose="020B0604020202020204" pitchFamily="34" charset="0"/>
                 <a:ea typeface="Times New Roman" panose="02020603050405020304" pitchFamily="18" charset="0"/>
-                <a:hlinkClick r:id="rId10"/>
+                <a:hlinkClick r:id="rId11"/>
               </a:rPr>
               <a:t>Assignment</a:t>
             </a:r>
@@ -14905,7 +15617,6 @@
               <a:rPr lang="en-IN" dirty="0"/>
               <a:t>https://colab.research.google.com/drive/1dFIXOcgOBbZ1HYbBCY9RQWsxfi72FrPC#scrollTo=aP4mLf_RKtus</a:t>
             </a:r>
-            <a:endParaRPr lang="en-IN" dirty="0"/>
           </a:p>
         </p:txBody>
       </p:sp>
@@ -14933,7 +15644,7 @@
           <a:p>
             <a:r>
               <a:rPr lang="en-IN" dirty="0">
-                <a:hlinkClick r:id="rId11"/>
+                <a:hlinkClick r:id="rId12"/>
               </a:rPr>
               <a:t>https://support.microsoft.com/en-us/office/excel-functions-by-category-5f91f4e9-7b42-46d2-9bd1-63f26a86c0eb</a:t>
             </a:r>
@@ -14941,7 +15652,6 @@
               <a:rPr lang="en-IN" dirty="0"/>
               <a:t> </a:t>
             </a:r>
-            <a:endParaRPr lang="en-IN" dirty="0"/>
           </a:p>
         </p:txBody>
       </p:sp>
@@ -14953,8 +15663,8 @@
         </p:nvSpPr>
         <p:spPr>
           <a:xfrm>
-            <a:off x="627529" y="3879863"/>
-            <a:ext cx="6096000" cy="1200329"/>
+            <a:off x="636765" y="3879863"/>
+            <a:ext cx="6096000" cy="1754326"/>
           </a:xfrm>
           <a:prstGeom prst="rect">
             <a:avLst/>
@@ -14987,7 +15697,6 @@
               <a:rPr lang="en-US" dirty="0"/>
               <a:t>, </a:t>
             </a:r>
-            <a:endParaRPr lang="en-US" dirty="0"/>
           </a:p>
           <a:p>
             <a:r>
@@ -15037,7 +15746,29 @@
               <a:rPr lang="en-US" dirty="0" err="1"/>
               <a:t>sumproduct</a:t>
             </a:r>
-            <a:endParaRPr lang="en-IN" dirty="0"/>
+            <a:endParaRPr lang="en-US" dirty="0"/>
+          </a:p>
+          <a:p>
+            <a:endParaRPr lang="en-US" b="1" dirty="0">
+              <a:solidFill>
+                <a:srgbClr val="FF0000"/>
+              </a:solidFill>
+            </a:endParaRPr>
+          </a:p>
+          <a:p>
+            <a:r>
+              <a:rPr lang="en-US" b="1" dirty="0">
+                <a:solidFill>
+                  <a:srgbClr val="FF0000"/>
+                </a:solidFill>
+              </a:rPr>
+              <a:t>Details in future classes of each formula</a:t>
+            </a:r>
+            <a:endParaRPr lang="en-IN" b="1" dirty="0">
+              <a:solidFill>
+                <a:srgbClr val="FF0000"/>
+              </a:solidFill>
+            </a:endParaRPr>
           </a:p>
         </p:txBody>
       </p:sp>
@@ -15104,7 +15835,7 @@
                 <a:effectLst/>
                 <a:latin typeface="Arial" panose="020B0604020202020204" pitchFamily="34" charset="0"/>
                 <a:ea typeface="Times New Roman" panose="02020603050405020304" pitchFamily="18" charset="0"/>
-                <a:hlinkClick r:id="rId1"/>
+                <a:hlinkClick r:id="rId2"/>
               </a:rPr>
               <a:t>Formula Referencing</a:t>
             </a:r>
@@ -15141,7 +15872,7 @@
                 <a:effectLst/>
                 <a:latin typeface="Arial" panose="020B0604020202020204" pitchFamily="34" charset="0"/>
                 <a:ea typeface="Times New Roman" panose="02020603050405020304" pitchFamily="18" charset="0"/>
-                <a:hlinkClick r:id="rId2"/>
+                <a:hlinkClick r:id="rId3"/>
               </a:rPr>
               <a:t>Relative References</a:t>
             </a:r>
@@ -15167,7 +15898,7 @@
                 <a:effectLst/>
                 <a:latin typeface="Arial" panose="020B0604020202020204" pitchFamily="34" charset="0"/>
                 <a:ea typeface="Times New Roman" panose="02020603050405020304" pitchFamily="18" charset="0"/>
-                <a:hlinkClick r:id="rId3"/>
+                <a:hlinkClick r:id="rId4"/>
               </a:rPr>
               <a:t>Absolute References</a:t>
             </a:r>
@@ -15204,7 +15935,7 @@
                 <a:effectLst/>
                 <a:latin typeface="Arial" panose="020B0604020202020204" pitchFamily="34" charset="0"/>
                 <a:ea typeface="Times New Roman" panose="02020603050405020304" pitchFamily="18" charset="0"/>
-                <a:hlinkClick r:id="rId4"/>
+                <a:hlinkClick r:id="rId5"/>
               </a:rPr>
               <a:t>Mixed References</a:t>
             </a:r>
@@ -15241,7 +15972,7 @@
                 <a:effectLst/>
                 <a:latin typeface="Arial" panose="020B0604020202020204" pitchFamily="34" charset="0"/>
                 <a:ea typeface="Times New Roman" panose="02020603050405020304" pitchFamily="18" charset="0"/>
-                <a:hlinkClick r:id="rId5"/>
+                <a:hlinkClick r:id="rId6"/>
               </a:rPr>
               <a:t>Multiple Sheet References</a:t>
             </a:r>
@@ -15278,7 +16009,7 @@
                 <a:effectLst/>
                 <a:latin typeface="Arial" panose="020B0604020202020204" pitchFamily="34" charset="0"/>
                 <a:ea typeface="Times New Roman" panose="02020603050405020304" pitchFamily="18" charset="0"/>
-                <a:hlinkClick r:id="rId6"/>
+                <a:hlinkClick r:id="rId7"/>
               </a:rPr>
               <a:t>Consolidating Data</a:t>
             </a:r>
@@ -15315,7 +16046,7 @@
                 <a:effectLst/>
                 <a:latin typeface="Arial" panose="020B0604020202020204" pitchFamily="34" charset="0"/>
                 <a:ea typeface="Times New Roman" panose="02020603050405020304" pitchFamily="18" charset="0"/>
-                <a:hlinkClick r:id="rId7"/>
+                <a:hlinkClick r:id="rId8"/>
               </a:rPr>
               <a:t>Tracing the Precedents and Dependents</a:t>
             </a:r>
@@ -15352,7 +16083,7 @@
                 <a:effectLst/>
                 <a:latin typeface="Arial" panose="020B0604020202020204" pitchFamily="34" charset="0"/>
                 <a:ea typeface="Times New Roman" panose="02020603050405020304" pitchFamily="18" charset="0"/>
-                <a:hlinkClick r:id="rId8"/>
+                <a:hlinkClick r:id="rId9"/>
               </a:rPr>
               <a:t>Using Watch Window and Formula Evaluation</a:t>
             </a:r>
@@ -15389,7 +16120,7 @@
                 <a:effectLst/>
                 <a:latin typeface="Arial" panose="020B0604020202020204" pitchFamily="34" charset="0"/>
                 <a:ea typeface="Times New Roman" panose="02020603050405020304" pitchFamily="18" charset="0"/>
-                <a:hlinkClick r:id="rId9"/>
+                <a:hlinkClick r:id="rId10"/>
               </a:rPr>
               <a:t>Assignment</a:t>
             </a:r>
@@ -15420,7 +16151,7 @@
           <p:nvPr/>
         </p:nvPicPr>
         <p:blipFill>
-          <a:blip r:embed="rId10">
+          <a:blip r:embed="rId11">
             <a:extLst>
               <a:ext uri="{28A0092B-C50C-407E-A947-70E740481C1C}">
                 <a14:useLocalDpi xmlns:a14="http://schemas.microsoft.com/office/drawing/2010/main" val="0"/>
@@ -15478,7 +16209,6 @@
               <a:rPr lang="en-IN" dirty="0"/>
               <a:t>https://www.educba.com/cell-reference-in-excel/</a:t>
             </a:r>
-            <a:endParaRPr lang="en-IN" dirty="0"/>
           </a:p>
         </p:txBody>
       </p:sp>
@@ -15502,6 +16232,7 @@
           <a:bodyPr wrap="square" rtlCol="0" anchor="t">
             <a:spAutoFit/>
           </a:bodyPr>
+          <a:lstStyle/>
           <a:p>
             <a:r>
               <a:rPr lang="en-US" altLang="en-US"/>
@@ -15531,6 +16262,7 @@
           <a:bodyPr wrap="square" rtlCol="0" anchor="t">
             <a:spAutoFit/>
           </a:bodyPr>
+          <a:lstStyle/>
           <a:p>
             <a:r>
               <a:rPr lang="en-US" altLang="en-US"/>
@@ -15574,7 +16306,7 @@
           <p:nvPr/>
         </p:nvPicPr>
         <p:blipFill>
-          <a:blip r:embed="rId1">
+          <a:blip r:embed="rId2">
             <a:extLst>
               <a:ext uri="{28A0092B-C50C-407E-A947-70E740481C1C}">
                 <a14:useLocalDpi xmlns:a14="http://schemas.microsoft.com/office/drawing/2010/main" val="0"/>
@@ -15644,7 +16376,7 @@
                 <a:effectLst/>
                 <a:latin typeface="Arial" panose="020B0604020202020204" pitchFamily="34" charset="0"/>
                 <a:ea typeface="Times New Roman" panose="02020603050405020304" pitchFamily="18" charset="0"/>
-                <a:hlinkClick r:id="rId2"/>
+                <a:hlinkClick r:id="rId3"/>
               </a:rPr>
               <a:t>Multiple Sheet References</a:t>
             </a:r>
@@ -15690,7 +16422,7 @@
           <a:p>
             <a:r>
               <a:rPr lang="en-IN" dirty="0">
-                <a:hlinkClick r:id="rId3"/>
+                <a:hlinkClick r:id="rId4"/>
               </a:rPr>
               <a:t>https://www.w3resource.com/excel/excel-cell-reference.php</a:t>
             </a:r>
@@ -15698,7 +16430,6 @@
               <a:rPr lang="en-IN" dirty="0"/>
               <a:t> </a:t>
             </a:r>
-            <a:endParaRPr lang="en-IN" dirty="0"/>
           </a:p>
         </p:txBody>
       </p:sp>
@@ -15765,7 +16496,7 @@
                 <a:effectLst/>
                 <a:latin typeface="Arial" panose="020B0604020202020204" pitchFamily="34" charset="0"/>
                 <a:ea typeface="Times New Roman" panose="02020603050405020304" pitchFamily="18" charset="0"/>
-                <a:hlinkClick r:id="rId1"/>
+                <a:hlinkClick r:id="rId2"/>
               </a:rPr>
               <a:t>Consolidating Data</a:t>
             </a:r>
@@ -15802,7 +16533,7 @@
                 <a:effectLst/>
                 <a:latin typeface="Arial" panose="020B0604020202020204" pitchFamily="34" charset="0"/>
                 <a:ea typeface="Times New Roman" panose="02020603050405020304" pitchFamily="18" charset="0"/>
-                <a:hlinkClick r:id="rId2"/>
+                <a:hlinkClick r:id="rId3"/>
               </a:rPr>
               <a:t>Tracing the Precedents and Dependents</a:t>
             </a:r>
@@ -15839,7 +16570,7 @@
                 <a:effectLst/>
                 <a:latin typeface="Arial" panose="020B0604020202020204" pitchFamily="34" charset="0"/>
                 <a:ea typeface="Times New Roman" panose="02020603050405020304" pitchFamily="18" charset="0"/>
-                <a:hlinkClick r:id="rId3"/>
+                <a:hlinkClick r:id="rId4"/>
               </a:rPr>
               <a:t>Using Watch Window and Formula Evaluation</a:t>
             </a:r>
@@ -15885,7 +16616,7 @@
           <a:p>
             <a:r>
               <a:rPr lang="en-IN" dirty="0">
-                <a:hlinkClick r:id="rId4"/>
+                <a:hlinkClick r:id="rId5"/>
               </a:rPr>
               <a:t>https://blog.coupler.io/consolidate-data-in-excel/</a:t>
             </a:r>
@@ -15893,7 +16624,6 @@
               <a:rPr lang="en-IN" dirty="0"/>
               <a:t> </a:t>
             </a:r>
-            <a:endParaRPr lang="en-IN" dirty="0"/>
           </a:p>
         </p:txBody>
       </p:sp>
@@ -15906,7 +16636,7 @@
           <p:nvPr/>
         </p:nvPicPr>
         <p:blipFill>
-          <a:blip r:embed="rId5">
+          <a:blip r:embed="rId6">
             <a:extLst>
               <a:ext uri="{28A0092B-C50C-407E-A947-70E740481C1C}">
                 <a14:useLocalDpi xmlns:a14="http://schemas.microsoft.com/office/drawing/2010/main" val="0"/>
@@ -15962,7 +16692,7 @@
           <a:p>
             <a:r>
               <a:rPr lang="en-IN" dirty="0">
-                <a:hlinkClick r:id="rId6"/>
+                <a:hlinkClick r:id="rId7"/>
               </a:rPr>
               <a:t>https://www.onlyoffice.com/blog/2023/11/trace-precedents-and-dependents-in-excel</a:t>
             </a:r>
@@ -15970,7 +16700,6 @@
               <a:rPr lang="en-IN" dirty="0"/>
               <a:t> </a:t>
             </a:r>
-            <a:endParaRPr lang="en-IN" dirty="0"/>
           </a:p>
         </p:txBody>
       </p:sp>
@@ -15998,7 +16727,7 @@
           <a:p>
             <a:r>
               <a:rPr lang="en-IN" dirty="0">
-                <a:hlinkClick r:id="rId7"/>
+                <a:hlinkClick r:id="rId8"/>
               </a:rPr>
               <a:t>https://www.customguide.com/excel/watch-window-excel</a:t>
             </a:r>
@@ -16006,7 +16735,6 @@
               <a:rPr lang="en-IN" dirty="0"/>
               <a:t> </a:t>
             </a:r>
-            <a:endParaRPr lang="en-IN" dirty="0"/>
           </a:p>
         </p:txBody>
       </p:sp>
@@ -16017,7 +16745,7 @@
           <p:nvPr/>
         </p:nvPicPr>
         <p:blipFill>
-          <a:blip r:embed="rId8"/>
+          <a:blip r:embed="rId9"/>
           <a:stretch>
             <a:fillRect/>
           </a:stretch>
@@ -16313,6 +17041,8 @@
       </a:bgFillStyleLst>
     </a:fmtScheme>
   </a:themeElements>
+  <a:objectDefaults/>
+  <a:extraClrSchemeLst/>
   <a:extLst>
     <a:ext uri="{05A4C25C-085E-4340-85A3-A5531E510DB2}">
       <thm15:themeFamily xmlns:thm15="http://schemas.microsoft.com/office/thememl/2012/main" name="Office Theme" id="{62F939B6-93AF-4DB8-9C6B-D6C7DFDC589F}" vid="{4A3C46E8-61CC-4603-A589-7422A47A8E4A}"/>
@@ -16331,26 +17061,6 @@
 </file>
 
 <file path=customXml/item2.xml><?xml version="1.0" encoding="utf-8"?>
-<p:properties xmlns:p="http://schemas.microsoft.com/office/2006/metadata/properties" xmlns:xsi="http://www.w3.org/2001/XMLSchema-instance" xmlns:pc="http://schemas.microsoft.com/office/infopath/2007/PartnerControls">
-  <documentManagement>
-    <_ip_UnifiedCompliancePolicyUIAction xmlns="http://schemas.microsoft.com/sharepoint/v3" xsi:nil="true"/>
-    <Image xmlns="71af3243-3dd4-4a8d-8c0d-dd76da1f02a5">
-      <Url xsi:nil="true"/>
-      <Description xsi:nil="true"/>
-    </Image>
-    <Status xmlns="71af3243-3dd4-4a8d-8c0d-dd76da1f02a5">Not started</Status>
-    <Background xmlns="71af3243-3dd4-4a8d-8c0d-dd76da1f02a5">false</Background>
-    <_ip_UnifiedCompliancePolicyProperties xmlns="http://schemas.microsoft.com/sharepoint/v3" xsi:nil="true"/>
-    <ImageTagsTaxHTField xmlns="71af3243-3dd4-4a8d-8c0d-dd76da1f02a5">
-      <Terms xmlns="http://schemas.microsoft.com/office/infopath/2007/PartnerControls"/>
-    </ImageTagsTaxHTField>
-    <TaxCatchAll xmlns="230e9df3-be65-4c73-a93b-d1236ebd677e" xsi:nil="true"/>
-    <MediaServiceKeyPoints xmlns="71af3243-3dd4-4a8d-8c0d-dd76da1f02a5" xsi:nil="true"/>
-  </documentManagement>
-</p:properties>
-</file>
-
-<file path=customXml/item3.xml><?xml version="1.0" encoding="utf-8"?>
 <ct:contentTypeSchema xmlns:ct="http://schemas.microsoft.com/office/2006/metadata/contentType" xmlns:ma="http://schemas.microsoft.com/office/2006/metadata/properties/metaAttributes" ct:_="" ma:_="" ma:contentTypeName="Document" ma:contentTypeID="0x01010079F111ED35F8CC479449609E8A0923A6" ma:contentTypeVersion="27" ma:contentTypeDescription="Create a new document." ma:contentTypeScope="" ma:versionID="c6f9a84f66a9c8b9a21755b9ffafb945">
   <xsd:schema xmlns:xsd="http://www.w3.org/2001/XMLSchema" xmlns:xs="http://www.w3.org/2001/XMLSchema" xmlns:p="http://schemas.microsoft.com/office/2006/metadata/properties" xmlns:ns1="http://schemas.microsoft.com/sharepoint/v3" xmlns:ns2="71af3243-3dd4-4a8d-8c0d-dd76da1f02a5" xmlns:ns3="16c05727-aa75-4e4a-9b5f-8a80a1165891" xmlns:ns4="230e9df3-be65-4c73-a93b-d1236ebd677e" targetNamespace="http://schemas.microsoft.com/office/2006/metadata/properties" ma:root="true" ma:fieldsID="27df39e3e7036dff54f89ddd5805ce72" ns1:_="" ns2:_="" ns3:_="" ns4:_="">
     <xsd:import namespace="http://schemas.microsoft.com/sharepoint/v3"/>
@@ -16656,6 +17366,26 @@
 </ct:contentTypeSchema>
 </file>
 
+<file path=customXml/item3.xml><?xml version="1.0" encoding="utf-8"?>
+<p:properties xmlns:p="http://schemas.microsoft.com/office/2006/metadata/properties" xmlns:xsi="http://www.w3.org/2001/XMLSchema-instance" xmlns:pc="http://schemas.microsoft.com/office/infopath/2007/PartnerControls">
+  <documentManagement>
+    <_ip_UnifiedCompliancePolicyUIAction xmlns="http://schemas.microsoft.com/sharepoint/v3" xsi:nil="true"/>
+    <Image xmlns="71af3243-3dd4-4a8d-8c0d-dd76da1f02a5">
+      <Url xsi:nil="true"/>
+      <Description xsi:nil="true"/>
+    </Image>
+    <Status xmlns="71af3243-3dd4-4a8d-8c0d-dd76da1f02a5">Not started</Status>
+    <Background xmlns="71af3243-3dd4-4a8d-8c0d-dd76da1f02a5">false</Background>
+    <_ip_UnifiedCompliancePolicyProperties xmlns="http://schemas.microsoft.com/sharepoint/v3" xsi:nil="true"/>
+    <ImageTagsTaxHTField xmlns="71af3243-3dd4-4a8d-8c0d-dd76da1f02a5">
+      <Terms xmlns="http://schemas.microsoft.com/office/infopath/2007/PartnerControls"/>
+    </ImageTagsTaxHTField>
+    <TaxCatchAll xmlns="230e9df3-be65-4c73-a93b-d1236ebd677e" xsi:nil="true"/>
+    <MediaServiceKeyPoints xmlns="71af3243-3dd4-4a8d-8c0d-dd76da1f02a5" xsi:nil="true"/>
+  </documentManagement>
+</p:properties>
+</file>
+
 <file path=customXml/itemProps1.xml><?xml version="1.0" encoding="utf-8"?>
 <ds:datastoreItem xmlns:ds="http://schemas.openxmlformats.org/officeDocument/2006/customXml" ds:itemID="{19DAD249-BF80-48EF-9AFB-36A11BCDC2CE}">
   <ds:schemaRefs/>
@@ -16663,13 +17393,13 @@
 </file>
 
 <file path=customXml/itemProps2.xml><?xml version="1.0" encoding="utf-8"?>
-<ds:datastoreItem xmlns:ds="http://schemas.openxmlformats.org/officeDocument/2006/customXml" ds:itemID="{6F4F4D41-822D-40F2-A7AC-E4E6CB36CA7A}">
+<ds:datastoreItem xmlns:ds="http://schemas.openxmlformats.org/officeDocument/2006/customXml" ds:itemID="{C5A59D56-2157-4202-9D02-F44E447A241D}">
   <ds:schemaRefs/>
 </ds:datastoreItem>
 </file>
 
 <file path=customXml/itemProps3.xml><?xml version="1.0" encoding="utf-8"?>
-<ds:datastoreItem xmlns:ds="http://schemas.openxmlformats.org/officeDocument/2006/customXml" ds:itemID="{C5A59D56-2157-4202-9D02-F44E447A241D}">
+<ds:datastoreItem xmlns:ds="http://schemas.openxmlformats.org/officeDocument/2006/customXml" ds:itemID="{6F4F4D41-822D-40F2-A7AC-E4E6CB36CA7A}">
   <ds:schemaRefs/>
 </ds:datastoreItem>
 </file>